--- a/probability/expected-value.pptx
+++ b/probability/expected-value.pptx
@@ -5,7 +5,7 @@
     <p:sldMasterId id="2147483657" r:id="rId1"/>
   </p:sldMasterIdLst>
   <p:notesMasterIdLst>
-    <p:notesMasterId r:id="rId16"/>
+    <p:notesMasterId r:id="rId14"/>
   </p:notesMasterIdLst>
   <p:sldIdLst>
     <p:sldId id="256" r:id="rId2"/>
@@ -18,45 +18,36 @@
     <p:sldId id="413" r:id="rId9"/>
     <p:sldId id="414" r:id="rId10"/>
     <p:sldId id="260" r:id="rId11"/>
-    <p:sldId id="319" r:id="rId12"/>
-    <p:sldId id="409" r:id="rId13"/>
-    <p:sldId id="382" r:id="rId14"/>
-    <p:sldId id="410" r:id="rId15"/>
+    <p:sldId id="415" r:id="rId12"/>
+    <p:sldId id="416" r:id="rId13"/>
   </p:sldIdLst>
   <p:sldSz cx="9144000" cy="5143500" type="screen16x9"/>
   <p:notesSz cx="6858000" cy="9144000"/>
   <p:embeddedFontLst>
     <p:embeddedFont>
       <p:font typeface="Arvo" panose="02000000000000000000" pitchFamily="2" charset="77"/>
-      <p:regular r:id="rId17"/>
-      <p:bold r:id="rId18"/>
-      <p:italic r:id="rId19"/>
-      <p:boldItalic r:id="rId20"/>
-    </p:embeddedFont>
-    <p:embeddedFont>
-      <p:font typeface="Calibri" panose="020F0502020204030204" pitchFamily="34" charset="0"/>
-      <p:regular r:id="rId21"/>
-      <p:bold r:id="rId22"/>
-      <p:italic r:id="rId23"/>
-      <p:boldItalic r:id="rId24"/>
+      <p:regular r:id="rId15"/>
+      <p:bold r:id="rId16"/>
+      <p:italic r:id="rId17"/>
+      <p:boldItalic r:id="rId18"/>
     </p:embeddedFont>
     <p:embeddedFont>
       <p:font typeface="Cambria Math" panose="02040503050406030204" pitchFamily="18" charset="0"/>
-      <p:regular r:id="rId25"/>
+      <p:regular r:id="rId19"/>
     </p:embeddedFont>
     <p:embeddedFont>
       <p:font typeface="Roboto Condensed" panose="020F0502020204030204" pitchFamily="34" charset="0"/>
-      <p:regular r:id="rId26"/>
-      <p:bold r:id="rId27"/>
-      <p:italic r:id="rId28"/>
-      <p:boldItalic r:id="rId29"/>
+      <p:regular r:id="rId20"/>
+      <p:bold r:id="rId21"/>
+      <p:italic r:id="rId22"/>
+      <p:boldItalic r:id="rId23"/>
     </p:embeddedFont>
     <p:embeddedFont>
       <p:font typeface="Roboto Condensed Light" panose="020F0302020204030204" pitchFamily="34" charset="0"/>
-      <p:regular r:id="rId30"/>
-      <p:bold r:id="rId31"/>
-      <p:italic r:id="rId32"/>
-      <p:boldItalic r:id="rId33"/>
+      <p:regular r:id="rId24"/>
+      <p:bold r:id="rId25"/>
+      <p:italic r:id="rId26"/>
+      <p:boldItalic r:id="rId27"/>
     </p:embeddedFont>
   </p:embeddedFontLst>
   <p:defaultTextStyle>
@@ -11282,7 +11273,13 @@
   <p:cSld>
     <p:spTree>
       <p:nvGrpSpPr>
-        <p:cNvPr id="1" name="Shape 244"/>
+        <p:cNvPr id="1" name="Shape 244">
+          <a:extLst>
+            <a:ext uri="{FF2B5EF4-FFF2-40B4-BE49-F238E27FC236}">
+              <a16:creationId xmlns:a16="http://schemas.microsoft.com/office/drawing/2014/main" id="{2216D22C-CD16-F9E9-5B22-235D8BB06D0A}"/>
+            </a:ext>
+          </a:extLst>
+        </p:cNvPr>
         <p:cNvGrpSpPr/>
         <p:nvPr/>
       </p:nvGrpSpPr>
@@ -11296,7 +11293,13 @@
       </p:grpSpPr>
       <p:sp>
         <p:nvSpPr>
-          <p:cNvPr id="245" name="Google Shape;245;g105a4c528c8_0_76:notes"/>
+          <p:cNvPr id="245" name="Google Shape;245;g105a4c528c8_0_76:notes">
+            <a:extLst>
+              <a:ext uri="{FF2B5EF4-FFF2-40B4-BE49-F238E27FC236}">
+                <a16:creationId xmlns:a16="http://schemas.microsoft.com/office/drawing/2014/main" id="{57C1514D-64EC-E56E-299E-2A6AB8F0A8F3}"/>
+              </a:ext>
+            </a:extLst>
+          </p:cNvPr>
           <p:cNvSpPr>
             <a:spLocks noGrp="1" noRot="1" noChangeAspect="1"/>
           </p:cNvSpPr>
@@ -11337,7 +11340,13 @@
       </p:sp>
       <p:sp>
         <p:nvSpPr>
-          <p:cNvPr id="246" name="Google Shape;246;g105a4c528c8_0_76:notes"/>
+          <p:cNvPr id="246" name="Google Shape;246;g105a4c528c8_0_76:notes">
+            <a:extLst>
+              <a:ext uri="{FF2B5EF4-FFF2-40B4-BE49-F238E27FC236}">
+                <a16:creationId xmlns:a16="http://schemas.microsoft.com/office/drawing/2014/main" id="{DDEC1017-B272-6B06-058E-93AA7BC29EB8}"/>
+              </a:ext>
+            </a:extLst>
+          </p:cNvPr>
           <p:cNvSpPr txBox="1">
             <a:spLocks noGrp="1"/>
           </p:cNvSpPr>
@@ -11376,7 +11385,7 @@
     </p:spTree>
     <p:extLst>
       <p:ext uri="{BB962C8B-B14F-4D97-AF65-F5344CB8AC3E}">
-        <p14:creationId xmlns:p14="http://schemas.microsoft.com/office/powerpoint/2010/main" val="942869607"/>
+        <p14:creationId xmlns:p14="http://schemas.microsoft.com/office/powerpoint/2010/main" val="2822902453"/>
       </p:ext>
     </p:extLst>
   </p:cSld>
@@ -11391,7 +11400,13 @@
   <p:cSld>
     <p:spTree>
       <p:nvGrpSpPr>
-        <p:cNvPr id="1" name="Shape 244"/>
+        <p:cNvPr id="1" name="Shape 244">
+          <a:extLst>
+            <a:ext uri="{FF2B5EF4-FFF2-40B4-BE49-F238E27FC236}">
+              <a16:creationId xmlns:a16="http://schemas.microsoft.com/office/drawing/2014/main" id="{AB69F698-07A8-D68B-AAB1-D1638CC38BE5}"/>
+            </a:ext>
+          </a:extLst>
+        </p:cNvPr>
         <p:cNvGrpSpPr/>
         <p:nvPr/>
       </p:nvGrpSpPr>
@@ -11405,7 +11420,13 @@
       </p:grpSpPr>
       <p:sp>
         <p:nvSpPr>
-          <p:cNvPr id="245" name="Google Shape;245;g105a4c528c8_0_76:notes"/>
+          <p:cNvPr id="245" name="Google Shape;245;g105a4c528c8_0_76:notes">
+            <a:extLst>
+              <a:ext uri="{FF2B5EF4-FFF2-40B4-BE49-F238E27FC236}">
+                <a16:creationId xmlns:a16="http://schemas.microsoft.com/office/drawing/2014/main" id="{E8F058D4-1CAA-4458-8EBC-EA4F407D4E1C}"/>
+              </a:ext>
+            </a:extLst>
+          </p:cNvPr>
           <p:cNvSpPr>
             <a:spLocks noGrp="1" noRot="1" noChangeAspect="1"/>
           </p:cNvSpPr>
@@ -11446,7 +11467,13 @@
       </p:sp>
       <p:sp>
         <p:nvSpPr>
-          <p:cNvPr id="246" name="Google Shape;246;g105a4c528c8_0_76:notes"/>
+          <p:cNvPr id="246" name="Google Shape;246;g105a4c528c8_0_76:notes">
+            <a:extLst>
+              <a:ext uri="{FF2B5EF4-FFF2-40B4-BE49-F238E27FC236}">
+                <a16:creationId xmlns:a16="http://schemas.microsoft.com/office/drawing/2014/main" id="{ABCB8A7B-62F7-FE91-F939-C263998A0869}"/>
+              </a:ext>
+            </a:extLst>
+          </p:cNvPr>
           <p:cNvSpPr txBox="1">
             <a:spLocks noGrp="1"/>
           </p:cNvSpPr>
@@ -11485,225 +11512,7 @@
     </p:spTree>
     <p:extLst>
       <p:ext uri="{BB962C8B-B14F-4D97-AF65-F5344CB8AC3E}">
-        <p14:creationId xmlns:p14="http://schemas.microsoft.com/office/powerpoint/2010/main" val="1493624125"/>
-      </p:ext>
-    </p:extLst>
-  </p:cSld>
-  <p:clrMapOvr>
-    <a:masterClrMapping/>
-  </p:clrMapOvr>
-</p:notes>
-</file>
-
-<file path=ppt/notesSlides/notesSlide13.xml><?xml version="1.0" encoding="utf-8"?>
-<p:notes xmlns:a="http://schemas.openxmlformats.org/drawingml/2006/main" xmlns:r="http://schemas.openxmlformats.org/officeDocument/2006/relationships" xmlns:p="http://schemas.openxmlformats.org/presentationml/2006/main" showMasterSp="0" showMasterPhAnim="0">
-  <p:cSld>
-    <p:spTree>
-      <p:nvGrpSpPr>
-        <p:cNvPr id="1" name="Shape 244"/>
-        <p:cNvGrpSpPr/>
-        <p:nvPr/>
-      </p:nvGrpSpPr>
-      <p:grpSpPr>
-        <a:xfrm>
-          <a:off x="0" y="0"/>
-          <a:ext cx="0" cy="0"/>
-          <a:chOff x="0" y="0"/>
-          <a:chExt cx="0" cy="0"/>
-        </a:xfrm>
-      </p:grpSpPr>
-      <p:sp>
-        <p:nvSpPr>
-          <p:cNvPr id="245" name="Google Shape;245;g105a4c528c8_0_76:notes"/>
-          <p:cNvSpPr>
-            <a:spLocks noGrp="1" noRot="1" noChangeAspect="1"/>
-          </p:cNvSpPr>
-          <p:nvPr>
-            <p:ph type="sldImg" idx="2"/>
-          </p:nvPr>
-        </p:nvSpPr>
-        <p:spPr>
-          <a:xfrm>
-            <a:off x="381000" y="685800"/>
-            <a:ext cx="6096000" cy="3429000"/>
-          </a:xfrm>
-          <a:custGeom>
-            <a:avLst/>
-            <a:gdLst/>
-            <a:ahLst/>
-            <a:cxnLst/>
-            <a:rect l="l" t="t" r="r" b="b"/>
-            <a:pathLst>
-              <a:path w="120000" h="120000" extrusionOk="0">
-                <a:moveTo>
-                  <a:pt x="0" y="0"/>
-                </a:moveTo>
-                <a:lnTo>
-                  <a:pt x="120000" y="0"/>
-                </a:lnTo>
-                <a:lnTo>
-                  <a:pt x="120000" y="120000"/>
-                </a:lnTo>
-                <a:lnTo>
-                  <a:pt x="0" y="120000"/>
-                </a:lnTo>
-                <a:close/>
-              </a:path>
-            </a:pathLst>
-          </a:custGeom>
-        </p:spPr>
-      </p:sp>
-      <p:sp>
-        <p:nvSpPr>
-          <p:cNvPr id="246" name="Google Shape;246;g105a4c528c8_0_76:notes"/>
-          <p:cNvSpPr txBox="1">
-            <a:spLocks noGrp="1"/>
-          </p:cNvSpPr>
-          <p:nvPr>
-            <p:ph type="body" idx="1"/>
-          </p:nvPr>
-        </p:nvSpPr>
-        <p:spPr>
-          <a:xfrm>
-            <a:off x="685800" y="4343400"/>
-            <a:ext cx="5486400" cy="4114800"/>
-          </a:xfrm>
-          <a:prstGeom prst="rect">
-            <a:avLst/>
-          </a:prstGeom>
-        </p:spPr>
-        <p:txBody>
-          <a:bodyPr spcFirstLastPara="1" wrap="square" lIns="91425" tIns="91425" rIns="91425" bIns="91425" anchor="t" anchorCtr="0">
-            <a:noAutofit/>
-          </a:bodyPr>
-          <a:lstStyle/>
-          <a:p>
-            <a:pPr marL="0" lvl="0" indent="0" algn="l" rtl="0">
-              <a:spcBef>
-                <a:spcPts val="0"/>
-              </a:spcBef>
-              <a:spcAft>
-                <a:spcPts val="0"/>
-              </a:spcAft>
-              <a:buNone/>
-            </a:pPr>
-            <a:endParaRPr/>
-          </a:p>
-        </p:txBody>
-      </p:sp>
-    </p:spTree>
-    <p:extLst>
-      <p:ext uri="{BB962C8B-B14F-4D97-AF65-F5344CB8AC3E}">
-        <p14:creationId xmlns:p14="http://schemas.microsoft.com/office/powerpoint/2010/main" val="3584447522"/>
-      </p:ext>
-    </p:extLst>
-  </p:cSld>
-  <p:clrMapOvr>
-    <a:masterClrMapping/>
-  </p:clrMapOvr>
-</p:notes>
-</file>
-
-<file path=ppt/notesSlides/notesSlide14.xml><?xml version="1.0" encoding="utf-8"?>
-<p:notes xmlns:a="http://schemas.openxmlformats.org/drawingml/2006/main" xmlns:r="http://schemas.openxmlformats.org/officeDocument/2006/relationships" xmlns:p="http://schemas.openxmlformats.org/presentationml/2006/main" showMasterSp="0" showMasterPhAnim="0">
-  <p:cSld>
-    <p:spTree>
-      <p:nvGrpSpPr>
-        <p:cNvPr id="1" name="Shape 244"/>
-        <p:cNvGrpSpPr/>
-        <p:nvPr/>
-      </p:nvGrpSpPr>
-      <p:grpSpPr>
-        <a:xfrm>
-          <a:off x="0" y="0"/>
-          <a:ext cx="0" cy="0"/>
-          <a:chOff x="0" y="0"/>
-          <a:chExt cx="0" cy="0"/>
-        </a:xfrm>
-      </p:grpSpPr>
-      <p:sp>
-        <p:nvSpPr>
-          <p:cNvPr id="245" name="Google Shape;245;g105a4c528c8_0_76:notes"/>
-          <p:cNvSpPr>
-            <a:spLocks noGrp="1" noRot="1" noChangeAspect="1"/>
-          </p:cNvSpPr>
-          <p:nvPr>
-            <p:ph type="sldImg" idx="2"/>
-          </p:nvPr>
-        </p:nvSpPr>
-        <p:spPr>
-          <a:xfrm>
-            <a:off x="381000" y="685800"/>
-            <a:ext cx="6096000" cy="3429000"/>
-          </a:xfrm>
-          <a:custGeom>
-            <a:avLst/>
-            <a:gdLst/>
-            <a:ahLst/>
-            <a:cxnLst/>
-            <a:rect l="l" t="t" r="r" b="b"/>
-            <a:pathLst>
-              <a:path w="120000" h="120000" extrusionOk="0">
-                <a:moveTo>
-                  <a:pt x="0" y="0"/>
-                </a:moveTo>
-                <a:lnTo>
-                  <a:pt x="120000" y="0"/>
-                </a:lnTo>
-                <a:lnTo>
-                  <a:pt x="120000" y="120000"/>
-                </a:lnTo>
-                <a:lnTo>
-                  <a:pt x="0" y="120000"/>
-                </a:lnTo>
-                <a:close/>
-              </a:path>
-            </a:pathLst>
-          </a:custGeom>
-        </p:spPr>
-      </p:sp>
-      <p:sp>
-        <p:nvSpPr>
-          <p:cNvPr id="246" name="Google Shape;246;g105a4c528c8_0_76:notes"/>
-          <p:cNvSpPr txBox="1">
-            <a:spLocks noGrp="1"/>
-          </p:cNvSpPr>
-          <p:nvPr>
-            <p:ph type="body" idx="1"/>
-          </p:nvPr>
-        </p:nvSpPr>
-        <p:spPr>
-          <a:xfrm>
-            <a:off x="685800" y="4343400"/>
-            <a:ext cx="5486400" cy="4114800"/>
-          </a:xfrm>
-          <a:prstGeom prst="rect">
-            <a:avLst/>
-          </a:prstGeom>
-        </p:spPr>
-        <p:txBody>
-          <a:bodyPr spcFirstLastPara="1" wrap="square" lIns="91425" tIns="91425" rIns="91425" bIns="91425" anchor="t" anchorCtr="0">
-            <a:noAutofit/>
-          </a:bodyPr>
-          <a:lstStyle/>
-          <a:p>
-            <a:pPr marL="0" lvl="0" indent="0" algn="l" rtl="0">
-              <a:spcBef>
-                <a:spcPts val="0"/>
-              </a:spcBef>
-              <a:spcAft>
-                <a:spcPts val="0"/>
-              </a:spcAft>
-              <a:buNone/>
-            </a:pPr>
-            <a:endParaRPr/>
-          </a:p>
-        </p:txBody>
-      </p:sp>
-    </p:spTree>
-    <p:extLst>
-      <p:ext uri="{BB962C8B-B14F-4D97-AF65-F5344CB8AC3E}">
-        <p14:creationId xmlns:p14="http://schemas.microsoft.com/office/powerpoint/2010/main" val="3495763821"/>
+        <p14:creationId xmlns:p14="http://schemas.microsoft.com/office/powerpoint/2010/main" val="2643171902"/>
       </p:ext>
     </p:extLst>
   </p:cSld>
@@ -17107,7 +16916,7 @@
             </a:pPr>
             <a:r>
               <a:rPr lang="en-US" sz="3200" dirty="0"/>
-              <a:t>7.5 Expected Value</a:t>
+              <a:t>10.6 Expected Value</a:t>
             </a:r>
             <a:endParaRPr sz="6800" dirty="0"/>
           </a:p>
@@ -17204,7 +17013,7 @@
             </a:pPr>
             <a:r>
               <a:rPr lang="en-US" dirty="0"/>
-              <a:t>Odds</a:t>
+              <a:t>Examples</a:t>
             </a:r>
             <a:endParaRPr dirty="0"/>
           </a:p>
@@ -17323,7 +17132,13 @@
   <p:cSld>
     <p:spTree>
       <p:nvGrpSpPr>
-        <p:cNvPr id="1" name="Shape 247"/>
+        <p:cNvPr id="1" name="Shape 247">
+          <a:extLst>
+            <a:ext uri="{FF2B5EF4-FFF2-40B4-BE49-F238E27FC236}">
+              <a16:creationId xmlns:a16="http://schemas.microsoft.com/office/drawing/2014/main" id="{FBF60EF0-BFF5-0A25-C636-1B6C6961A13A}"/>
+            </a:ext>
+          </a:extLst>
+        </p:cNvPr>
         <p:cNvGrpSpPr/>
         <p:nvPr/>
       </p:nvGrpSpPr>
@@ -17337,7 +17152,13 @@
       </p:grpSpPr>
       <p:sp>
         <p:nvSpPr>
-          <p:cNvPr id="248" name="Google Shape;248;p16"/>
+          <p:cNvPr id="248" name="Google Shape;248;p16">
+            <a:extLst>
+              <a:ext uri="{FF2B5EF4-FFF2-40B4-BE49-F238E27FC236}">
+                <a16:creationId xmlns:a16="http://schemas.microsoft.com/office/drawing/2014/main" id="{71DD10F1-2AA6-BB20-8616-7EE9A8C3ED14}"/>
+              </a:ext>
+            </a:extLst>
+          </p:cNvPr>
           <p:cNvSpPr txBox="1">
             <a:spLocks noGrp="1"/>
           </p:cNvSpPr>
@@ -17367,7 +17188,15 @@
             </a:pPr>
             <a:r>
               <a:rPr lang="en" dirty="0"/>
-              <a:t>What are odds?</a:t>
+              <a:t>Examples - </a:t>
+            </a:r>
+            <a:r>
+              <a:rPr lang="en-US" dirty="0"/>
+              <a:t>Calculator Fun </a:t>
+            </a:r>
+            <a:r>
+              <a:rPr lang="en-US" dirty="0" err="1"/>
+              <a:t>Sess</a:t>
             </a:r>
             <a:endParaRPr dirty="0"/>
           </a:p>
@@ -17378,7 +17207,7 @@
           <p:cNvPr id="2" name="Text Placeholder 1">
             <a:extLst>
               <a:ext uri="{FF2B5EF4-FFF2-40B4-BE49-F238E27FC236}">
-                <a16:creationId xmlns:a16="http://schemas.microsoft.com/office/drawing/2014/main" id="{ADC04ADF-3C89-B545-B3AC-998590695FDC}"/>
+                <a16:creationId xmlns:a16="http://schemas.microsoft.com/office/drawing/2014/main" id="{6DE29C5A-426F-4C48-8B70-04F3023171A2}"/>
               </a:ext>
             </a:extLst>
           </p:cNvPr>
@@ -17391,74 +17220,58 @@
         </p:nvSpPr>
         <p:spPr>
           <a:xfrm>
-            <a:off x="577767" y="1384142"/>
-            <a:ext cx="7621258" cy="3217457"/>
+            <a:off x="282216" y="1433418"/>
+            <a:ext cx="8543377" cy="3217457"/>
           </a:xfrm>
         </p:spPr>
         <p:txBody>
           <a:bodyPr anchor="t"/>
           <a:lstStyle/>
           <a:p>
+            <a:pPr marL="76200" indent="0">
+              <a:buNone/>
+            </a:pPr>
             <a:r>
-              <a:rPr lang="en-US" b="1" dirty="0"/>
-              <a:t>Odds</a:t>
+              <a:rPr lang="en-US" sz="1800" b="1" u="sng" dirty="0"/>
+              <a:t>Example 4</a:t>
             </a:r>
+            <a:endParaRPr lang="en-US" sz="1800" b="1" dirty="0"/>
+          </a:p>
+          <a:p>
+            <a:pPr marL="76200" indent="0">
+              <a:buNone/>
+            </a:pPr>
             <a:r>
-              <a:rPr lang="en-US" dirty="0"/>
-              <a:t>: Another way to express probability</a:t>
+              <a:rPr lang="en-US" sz="1800" dirty="0"/>
+              <a:t>Calculate the expected</a:t>
             </a:r>
           </a:p>
           <a:p>
-            <a:pPr lvl="1"/>
+            <a:pPr marL="76200" indent="0">
+              <a:buNone/>
+            </a:pPr>
             <a:r>
-              <a:rPr lang="en-US" sz="2000" dirty="0"/>
-              <a:t>But not interchangeable with probability</a:t>
+              <a:rPr lang="en-US" sz="1800" dirty="0"/>
+              <a:t>value of the scenario:</a:t>
             </a:r>
           </a:p>
           <a:p>
-            <a:endParaRPr lang="en-US" dirty="0"/>
-          </a:p>
-          <a:p>
-            <a:r>
-              <a:rPr lang="en-US" dirty="0"/>
-              <a:t>Usually expressed as a ratio</a:t>
-            </a:r>
-          </a:p>
-          <a:p>
-            <a:pPr lvl="1"/>
-            <a:r>
-              <a:rPr lang="en-US" sz="2000" dirty="0"/>
-              <a:t>“</a:t>
-            </a:r>
-            <a:r>
-              <a:rPr lang="en-US" sz="2000" dirty="0" err="1"/>
-              <a:t>a:b</a:t>
-            </a:r>
-            <a:r>
-              <a:rPr lang="en-US" sz="2000" dirty="0"/>
-              <a:t> for” or “</a:t>
-            </a:r>
-            <a:r>
-              <a:rPr lang="en-US" sz="2000" dirty="0" err="1"/>
-              <a:t>a:b</a:t>
-            </a:r>
-            <a:r>
-              <a:rPr lang="en-US" sz="2000" dirty="0"/>
-              <a:t> against”</a:t>
-            </a:r>
-          </a:p>
-          <a:p>
-            <a:pPr lvl="1"/>
-            <a:r>
-              <a:rPr lang="en-US" sz="2000" dirty="0"/>
-              <a:t>Can be expressed as a fraction of probabilities</a:t>
-            </a:r>
+            <a:pPr marL="76200" indent="0">
+              <a:buNone/>
+            </a:pPr>
+            <a:endParaRPr lang="en-US" sz="1800" dirty="0"/>
           </a:p>
         </p:txBody>
       </p:sp>
       <p:sp>
         <p:nvSpPr>
-          <p:cNvPr id="250" name="Google Shape;250;p16"/>
+          <p:cNvPr id="250" name="Google Shape;250;p16">
+            <a:extLst>
+              <a:ext uri="{FF2B5EF4-FFF2-40B4-BE49-F238E27FC236}">
+                <a16:creationId xmlns:a16="http://schemas.microsoft.com/office/drawing/2014/main" id="{C54E6CA2-9D20-A817-9215-556C284D932D}"/>
+              </a:ext>
+            </a:extLst>
+          </p:cNvPr>
           <p:cNvSpPr txBox="1">
             <a:spLocks noGrp="1"/>
           </p:cNvSpPr>
@@ -17496,7 +17309,13 @@
       </p:sp>
       <p:grpSp>
         <p:nvGrpSpPr>
-          <p:cNvPr id="251" name="Google Shape;251;p16"/>
+          <p:cNvPr id="251" name="Google Shape;251;p16">
+            <a:extLst>
+              <a:ext uri="{FF2B5EF4-FFF2-40B4-BE49-F238E27FC236}">
+                <a16:creationId xmlns:a16="http://schemas.microsoft.com/office/drawing/2014/main" id="{C8B98641-8781-7D9A-873E-474D975EB3C4}"/>
+              </a:ext>
+            </a:extLst>
+          </p:cNvPr>
           <p:cNvGrpSpPr/>
           <p:nvPr/>
         </p:nvGrpSpPr>
@@ -17510,7 +17329,13 @@
         </p:grpSpPr>
         <p:sp>
           <p:nvSpPr>
-            <p:cNvPr id="252" name="Google Shape;252;p16"/>
+            <p:cNvPr id="252" name="Google Shape;252;p16">
+              <a:extLst>
+                <a:ext uri="{FF2B5EF4-FFF2-40B4-BE49-F238E27FC236}">
+                  <a16:creationId xmlns:a16="http://schemas.microsoft.com/office/drawing/2014/main" id="{3228E239-FBA1-3458-9F57-16D6919B2B07}"/>
+                </a:ext>
+              </a:extLst>
+            </p:cNvPr>
             <p:cNvSpPr/>
             <p:nvPr/>
           </p:nvSpPr>
@@ -17581,7 +17406,13 @@
         </p:sp>
         <p:sp>
           <p:nvSpPr>
-            <p:cNvPr id="253" name="Google Shape;253;p16"/>
+            <p:cNvPr id="253" name="Google Shape;253;p16">
+              <a:extLst>
+                <a:ext uri="{FF2B5EF4-FFF2-40B4-BE49-F238E27FC236}">
+                  <a16:creationId xmlns:a16="http://schemas.microsoft.com/office/drawing/2014/main" id="{3ED61D46-5B40-66E8-975F-D38C3DF7F891}"/>
+                </a:ext>
+              </a:extLst>
+            </p:cNvPr>
             <p:cNvSpPr/>
             <p:nvPr/>
           </p:nvSpPr>
@@ -17775,7 +17606,13 @@
         </p:sp>
         <p:sp>
           <p:nvSpPr>
-            <p:cNvPr id="254" name="Google Shape;254;p16"/>
+            <p:cNvPr id="254" name="Google Shape;254;p16">
+              <a:extLst>
+                <a:ext uri="{FF2B5EF4-FFF2-40B4-BE49-F238E27FC236}">
+                  <a16:creationId xmlns:a16="http://schemas.microsoft.com/office/drawing/2014/main" id="{91321DDC-6577-3EF5-17C8-0C5DBD795000}"/>
+                </a:ext>
+              </a:extLst>
+            </p:cNvPr>
             <p:cNvSpPr/>
             <p:nvPr/>
           </p:nvSpPr>
@@ -18007,7 +17844,13 @@
         </p:sp>
         <p:sp>
           <p:nvSpPr>
-            <p:cNvPr id="255" name="Google Shape;255;p16"/>
+            <p:cNvPr id="255" name="Google Shape;255;p16">
+              <a:extLst>
+                <a:ext uri="{FF2B5EF4-FFF2-40B4-BE49-F238E27FC236}">
+                  <a16:creationId xmlns:a16="http://schemas.microsoft.com/office/drawing/2014/main" id="{0D8B509D-3A67-EE28-742F-23E53D662290}"/>
+                </a:ext>
+              </a:extLst>
+            </p:cNvPr>
             <p:cNvSpPr/>
             <p:nvPr/>
           </p:nvSpPr>
@@ -18066,10 +17909,10 @@
       </p:grpSp>
       <p:grpSp>
         <p:nvGrpSpPr>
-          <p:cNvPr id="3" name="Group 2">
+          <p:cNvPr id="22" name="Google Shape;231;p14">
             <a:extLst>
               <a:ext uri="{FF2B5EF4-FFF2-40B4-BE49-F238E27FC236}">
-                <a16:creationId xmlns:a16="http://schemas.microsoft.com/office/drawing/2014/main" id="{99831F0D-C8E2-B840-BC4A-D8C184DFA567}"/>
+                <a16:creationId xmlns:a16="http://schemas.microsoft.com/office/drawing/2014/main" id="{B38C6691-53F8-DC9E-CD89-F706A4F68078}"/>
               </a:ext>
             </a:extLst>
           </p:cNvPr>
@@ -18078,30 +17921,38 @@
         </p:nvGrpSpPr>
         <p:grpSpPr>
           <a:xfrm>
-            <a:off x="7218250" y="126225"/>
-            <a:ext cx="980775" cy="562200"/>
-            <a:chOff x="7218250" y="126225"/>
-            <a:chExt cx="980775" cy="562200"/>
+            <a:off x="7699300" y="122086"/>
+            <a:ext cx="940886" cy="562200"/>
+            <a:chOff x="6839564" y="126225"/>
+            <a:chExt cx="940886" cy="562200"/>
           </a:xfrm>
         </p:grpSpPr>
         <p:sp>
           <p:nvSpPr>
-            <p:cNvPr id="256" name="Google Shape;256;p16"/>
+            <p:cNvPr id="24" name="Google Shape;232;p14">
+              <a:extLst>
+                <a:ext uri="{FF2B5EF4-FFF2-40B4-BE49-F238E27FC236}">
+                  <a16:creationId xmlns:a16="http://schemas.microsoft.com/office/drawing/2014/main" id="{72036E32-131C-7665-179F-13659DFCA658}"/>
+                </a:ext>
+              </a:extLst>
+            </p:cNvPr>
             <p:cNvSpPr/>
             <p:nvPr/>
           </p:nvSpPr>
           <p:spPr>
             <a:xfrm>
-              <a:off x="7218250" y="126225"/>
+              <a:off x="6839564" y="126225"/>
               <a:ext cx="562200" cy="562200"/>
             </a:xfrm>
             <a:prstGeom prst="diamond">
               <a:avLst/>
             </a:prstGeom>
-            <a:noFill/>
+            <a:solidFill>
+              <a:schemeClr val="lt1"/>
+            </a:solidFill>
             <a:ln w="76200" cap="flat" cmpd="sng">
               <a:solidFill>
-                <a:schemeClr val="dk2"/>
+                <a:schemeClr val="accent1"/>
               </a:solidFill>
               <a:prstDash val="solid"/>
               <a:miter lim="8000"/>
@@ -18138,13 +17989,981 @@
         </p:sp>
         <p:sp>
           <p:nvSpPr>
-            <p:cNvPr id="259" name="Google Shape;259;p16"/>
+            <p:cNvPr id="25" name="Google Shape;233;p14">
+              <a:extLst>
+                <a:ext uri="{FF2B5EF4-FFF2-40B4-BE49-F238E27FC236}">
+                  <a16:creationId xmlns:a16="http://schemas.microsoft.com/office/drawing/2014/main" id="{8A8C1F0A-7A5C-45E0-E7A2-494C695B5981}"/>
+                </a:ext>
+              </a:extLst>
+            </p:cNvPr>
             <p:cNvSpPr/>
             <p:nvPr/>
           </p:nvSpPr>
           <p:spPr>
             <a:xfrm>
-              <a:off x="7636825" y="126225"/>
+              <a:off x="7218250" y="126225"/>
+              <a:ext cx="562200" cy="562200"/>
+            </a:xfrm>
+            <a:prstGeom prst="diamond">
+              <a:avLst/>
+            </a:prstGeom>
+            <a:noFill/>
+            <a:ln w="76200" cap="flat" cmpd="sng">
+              <a:solidFill>
+                <a:schemeClr val="accent5"/>
+              </a:solidFill>
+              <a:prstDash val="solid"/>
+              <a:miter lim="8000"/>
+              <a:headEnd type="none" w="sm" len="sm"/>
+              <a:tailEnd type="none" w="sm" len="sm"/>
+            </a:ln>
+          </p:spPr>
+          <p:txBody>
+            <a:bodyPr spcFirstLastPara="1" wrap="square" lIns="91425" tIns="91425" rIns="91425" bIns="91425" anchor="ctr" anchorCtr="0">
+              <a:noAutofit/>
+            </a:bodyPr>
+            <a:lstStyle/>
+            <a:p>
+              <a:pPr marL="0" lvl="0" indent="0" algn="ctr" rtl="0">
+                <a:spcBef>
+                  <a:spcPts val="0"/>
+                </a:spcBef>
+                <a:spcAft>
+                  <a:spcPts val="0"/>
+                </a:spcAft>
+                <a:buNone/>
+              </a:pPr>
+              <a:endParaRPr>
+                <a:solidFill>
+                  <a:schemeClr val="dk2"/>
+                </a:solidFill>
+                <a:latin typeface="Roboto Condensed"/>
+                <a:ea typeface="Roboto Condensed"/>
+                <a:cs typeface="Roboto Condensed"/>
+                <a:sym typeface="Roboto Condensed"/>
+              </a:endParaRPr>
+            </a:p>
+          </p:txBody>
+        </p:sp>
+      </p:grpSp>
+      <p:pic>
+        <p:nvPicPr>
+          <p:cNvPr id="27" name="Picture 26">
+            <a:extLst>
+              <a:ext uri="{FF2B5EF4-FFF2-40B4-BE49-F238E27FC236}">
+                <a16:creationId xmlns:a16="http://schemas.microsoft.com/office/drawing/2014/main" id="{AD8DCA29-AF69-2FFE-E54C-509301231C56}"/>
+              </a:ext>
+            </a:extLst>
+          </p:cNvPr>
+          <p:cNvPicPr>
+            <a:picLocks noChangeAspect="1"/>
+          </p:cNvPicPr>
+          <p:nvPr/>
+        </p:nvPicPr>
+        <p:blipFill>
+          <a:blip r:embed="rId3"/>
+          <a:stretch>
+            <a:fillRect/>
+          </a:stretch>
+        </p:blipFill>
+        <p:spPr>
+          <a:xfrm>
+            <a:off x="770339" y="3042146"/>
+            <a:ext cx="5580272" cy="2055273"/>
+          </a:xfrm>
+          <a:prstGeom prst="rect">
+            <a:avLst/>
+          </a:prstGeom>
+        </p:spPr>
+      </p:pic>
+      <p:pic>
+        <p:nvPicPr>
+          <p:cNvPr id="30" name="Picture 29">
+            <a:extLst>
+              <a:ext uri="{FF2B5EF4-FFF2-40B4-BE49-F238E27FC236}">
+                <a16:creationId xmlns:a16="http://schemas.microsoft.com/office/drawing/2014/main" id="{A875F282-CF1C-B717-A959-1D4A8E455078}"/>
+              </a:ext>
+            </a:extLst>
+          </p:cNvPr>
+          <p:cNvPicPr>
+            <a:picLocks noChangeAspect="1"/>
+          </p:cNvPicPr>
+          <p:nvPr/>
+        </p:nvPicPr>
+        <p:blipFill>
+          <a:blip r:embed="rId4"/>
+          <a:stretch>
+            <a:fillRect/>
+          </a:stretch>
+        </p:blipFill>
+        <p:spPr>
+          <a:xfrm>
+            <a:off x="2704416" y="1488915"/>
+            <a:ext cx="6121177" cy="1497735"/>
+          </a:xfrm>
+          <a:prstGeom prst="rect">
+            <a:avLst/>
+          </a:prstGeom>
+        </p:spPr>
+      </p:pic>
+    </p:spTree>
+    <p:extLst>
+      <p:ext uri="{BB962C8B-B14F-4D97-AF65-F5344CB8AC3E}">
+        <p14:creationId xmlns:p14="http://schemas.microsoft.com/office/powerpoint/2010/main" val="4188247771"/>
+      </p:ext>
+    </p:extLst>
+  </p:cSld>
+  <p:clrMapOvr>
+    <a:masterClrMapping/>
+  </p:clrMapOvr>
+</p:sld>
+</file>
+
+<file path=ppt/slides/slide12.xml><?xml version="1.0" encoding="utf-8"?>
+<p:sld xmlns:a="http://schemas.openxmlformats.org/drawingml/2006/main" xmlns:r="http://schemas.openxmlformats.org/officeDocument/2006/relationships" xmlns:p="http://schemas.openxmlformats.org/presentationml/2006/main">
+  <p:cSld>
+    <p:spTree>
+      <p:nvGrpSpPr>
+        <p:cNvPr id="1" name="Shape 247">
+          <a:extLst>
+            <a:ext uri="{FF2B5EF4-FFF2-40B4-BE49-F238E27FC236}">
+              <a16:creationId xmlns:a16="http://schemas.microsoft.com/office/drawing/2014/main" id="{9A8AAE96-DB5C-E189-2AC9-F5A4A49B9895}"/>
+            </a:ext>
+          </a:extLst>
+        </p:cNvPr>
+        <p:cNvGrpSpPr/>
+        <p:nvPr/>
+      </p:nvGrpSpPr>
+      <p:grpSpPr>
+        <a:xfrm>
+          <a:off x="0" y="0"/>
+          <a:ext cx="0" cy="0"/>
+          <a:chOff x="0" y="0"/>
+          <a:chExt cx="0" cy="0"/>
+        </a:xfrm>
+      </p:grpSpPr>
+      <p:sp>
+        <p:nvSpPr>
+          <p:cNvPr id="248" name="Google Shape;248;p16">
+            <a:extLst>
+              <a:ext uri="{FF2B5EF4-FFF2-40B4-BE49-F238E27FC236}">
+                <a16:creationId xmlns:a16="http://schemas.microsoft.com/office/drawing/2014/main" id="{1DFB1B50-11B4-BEC2-C1FB-E784BFC66FB2}"/>
+              </a:ext>
+            </a:extLst>
+          </p:cNvPr>
+          <p:cNvSpPr txBox="1">
+            <a:spLocks noGrp="1"/>
+          </p:cNvSpPr>
+          <p:nvPr>
+            <p:ph type="title"/>
+          </p:nvPr>
+        </p:nvSpPr>
+        <p:spPr>
+          <a:prstGeom prst="rect">
+            <a:avLst/>
+          </a:prstGeom>
+        </p:spPr>
+        <p:txBody>
+          <a:bodyPr spcFirstLastPara="1" wrap="square" lIns="91425" tIns="91425" rIns="91425" bIns="91425" anchor="ctr" anchorCtr="0">
+            <a:noAutofit/>
+          </a:bodyPr>
+          <a:lstStyle/>
+          <a:p>
+            <a:pPr marL="0" lvl="0" indent="0" algn="l" rtl="0">
+              <a:spcBef>
+                <a:spcPts val="0"/>
+              </a:spcBef>
+              <a:spcAft>
+                <a:spcPts val="0"/>
+              </a:spcAft>
+              <a:buNone/>
+            </a:pPr>
+            <a:r>
+              <a:rPr lang="en" dirty="0"/>
+              <a:t>Examples - </a:t>
+            </a:r>
+            <a:r>
+              <a:rPr lang="en-US" dirty="0"/>
+              <a:t>Calculator Fun </a:t>
+            </a:r>
+            <a:r>
+              <a:rPr lang="en-US" dirty="0" err="1"/>
+              <a:t>Sess</a:t>
+            </a:r>
+            <a:endParaRPr dirty="0"/>
+          </a:p>
+        </p:txBody>
+      </p:sp>
+      <p:sp>
+        <p:nvSpPr>
+          <p:cNvPr id="2" name="Text Placeholder 1">
+            <a:extLst>
+              <a:ext uri="{FF2B5EF4-FFF2-40B4-BE49-F238E27FC236}">
+                <a16:creationId xmlns:a16="http://schemas.microsoft.com/office/drawing/2014/main" id="{50123D59-B97A-0246-89BC-0F1302F3D39C}"/>
+              </a:ext>
+            </a:extLst>
+          </p:cNvPr>
+          <p:cNvSpPr>
+            <a:spLocks noGrp="1"/>
+          </p:cNvSpPr>
+          <p:nvPr>
+            <p:ph type="body" idx="1"/>
+          </p:nvPr>
+        </p:nvSpPr>
+        <p:spPr>
+          <a:xfrm>
+            <a:off x="282216" y="1433418"/>
+            <a:ext cx="8543377" cy="3217457"/>
+          </a:xfrm>
+        </p:spPr>
+        <p:txBody>
+          <a:bodyPr anchor="t"/>
+          <a:lstStyle/>
+          <a:p>
+            <a:pPr marL="76200" indent="0">
+              <a:buNone/>
+            </a:pPr>
+            <a:r>
+              <a:rPr lang="en-US" sz="1800" b="1" u="sng" dirty="0"/>
+              <a:t>Example 5</a:t>
+            </a:r>
+            <a:endParaRPr lang="en-US" sz="1800" b="1" dirty="0"/>
+          </a:p>
+          <a:p>
+            <a:pPr marL="0" indent="0">
+              <a:buNone/>
+            </a:pPr>
+            <a:r>
+              <a:rPr lang="en-US" sz="1800" dirty="0"/>
+              <a:t>A typical three-reel mechanical slot machine has different payoffs determined by the number and position of various pictures.  Suppose the payoff (in dollars) has the probability distribution given in the table below.</a:t>
+            </a:r>
+          </a:p>
+          <a:p>
+            <a:pPr marL="0" indent="0">
+              <a:buNone/>
+            </a:pPr>
+            <a:endParaRPr lang="en-US" sz="1800" dirty="0"/>
+          </a:p>
+          <a:p>
+            <a:pPr marL="0" indent="0">
+              <a:buNone/>
+            </a:pPr>
+            <a:endParaRPr lang="en-US" sz="1800" dirty="0"/>
+          </a:p>
+          <a:p>
+            <a:pPr marL="0" indent="0">
+              <a:buNone/>
+            </a:pPr>
+            <a:endParaRPr lang="en-US" sz="1800" dirty="0"/>
+          </a:p>
+          <a:p>
+            <a:pPr marL="0" indent="0">
+              <a:buNone/>
+            </a:pPr>
+            <a:endParaRPr lang="en-US" sz="1800" dirty="0"/>
+          </a:p>
+          <a:p>
+            <a:pPr marL="0" indent="0">
+              <a:buNone/>
+            </a:pPr>
+            <a:r>
+              <a:rPr lang="en-US" sz="1800" dirty="0"/>
+              <a:t>Find the expected payoff.</a:t>
+            </a:r>
+          </a:p>
+          <a:p>
+            <a:pPr marL="0" indent="0">
+              <a:buNone/>
+            </a:pPr>
+            <a:endParaRPr lang="en-US" sz="1800" dirty="0"/>
+          </a:p>
+          <a:p>
+            <a:pPr marL="76200" indent="0">
+              <a:buNone/>
+            </a:pPr>
+            <a:endParaRPr lang="en-US" sz="1800" dirty="0"/>
+          </a:p>
+        </p:txBody>
+      </p:sp>
+      <p:sp>
+        <p:nvSpPr>
+          <p:cNvPr id="250" name="Google Shape;250;p16">
+            <a:extLst>
+              <a:ext uri="{FF2B5EF4-FFF2-40B4-BE49-F238E27FC236}">
+                <a16:creationId xmlns:a16="http://schemas.microsoft.com/office/drawing/2014/main" id="{D3661D03-874E-74CE-F76B-5BD261608C6D}"/>
+              </a:ext>
+            </a:extLst>
+          </p:cNvPr>
+          <p:cNvSpPr txBox="1">
+            <a:spLocks noGrp="1"/>
+          </p:cNvSpPr>
+          <p:nvPr>
+            <p:ph type="sldNum" idx="12"/>
+          </p:nvPr>
+        </p:nvSpPr>
+        <p:spPr>
+          <a:prstGeom prst="rect">
+            <a:avLst/>
+          </a:prstGeom>
+        </p:spPr>
+        <p:txBody>
+          <a:bodyPr spcFirstLastPara="1" wrap="square" lIns="91425" tIns="91425" rIns="91425" bIns="91425" anchor="ctr" anchorCtr="0">
+            <a:noAutofit/>
+          </a:bodyPr>
+          <a:lstStyle/>
+          <a:p>
+            <a:pPr marL="0" lvl="0" indent="0" algn="r" rtl="0">
+              <a:spcBef>
+                <a:spcPts val="0"/>
+              </a:spcBef>
+              <a:spcAft>
+                <a:spcPts val="0"/>
+              </a:spcAft>
+              <a:buNone/>
+            </a:pPr>
+            <a:fld id="{00000000-1234-1234-1234-123412341234}" type="slidenum">
+              <a:rPr lang="en"/>
+              <a:t>12</a:t>
+            </a:fld>
+            <a:endParaRPr/>
+          </a:p>
+        </p:txBody>
+      </p:sp>
+      <p:grpSp>
+        <p:nvGrpSpPr>
+          <p:cNvPr id="251" name="Google Shape;251;p16">
+            <a:extLst>
+              <a:ext uri="{FF2B5EF4-FFF2-40B4-BE49-F238E27FC236}">
+                <a16:creationId xmlns:a16="http://schemas.microsoft.com/office/drawing/2014/main" id="{C4516A6D-43EF-8062-40F0-E5F666935184}"/>
+              </a:ext>
+            </a:extLst>
+          </p:cNvPr>
+          <p:cNvGrpSpPr/>
+          <p:nvPr/>
+        </p:nvGrpSpPr>
+        <p:grpSpPr>
+          <a:xfrm>
+            <a:off x="282216" y="590918"/>
+            <a:ext cx="369505" cy="369505"/>
+            <a:chOff x="2594050" y="1631825"/>
+            <a:chExt cx="439625" cy="439625"/>
+          </a:xfrm>
+        </p:grpSpPr>
+        <p:sp>
+          <p:nvSpPr>
+            <p:cNvPr id="252" name="Google Shape;252;p16">
+              <a:extLst>
+                <a:ext uri="{FF2B5EF4-FFF2-40B4-BE49-F238E27FC236}">
+                  <a16:creationId xmlns:a16="http://schemas.microsoft.com/office/drawing/2014/main" id="{9AE68CDC-10E0-5206-70C7-6595B848B140}"/>
+                </a:ext>
+              </a:extLst>
+            </p:cNvPr>
+            <p:cNvSpPr/>
+            <p:nvPr/>
+          </p:nvSpPr>
+          <p:spPr>
+            <a:xfrm>
+              <a:off x="2594050" y="1883300"/>
+              <a:ext cx="188175" cy="188150"/>
+            </a:xfrm>
+            <a:custGeom>
+              <a:avLst/>
+              <a:gdLst/>
+              <a:ahLst/>
+              <a:cxnLst/>
+              <a:rect l="l" t="t" r="r" b="b"/>
+              <a:pathLst>
+                <a:path w="7527" h="7526" fill="none" extrusionOk="0">
+                  <a:moveTo>
+                    <a:pt x="5992" y="0"/>
+                  </a:moveTo>
+                  <a:lnTo>
+                    <a:pt x="537" y="6430"/>
+                  </a:lnTo>
+                  <a:lnTo>
+                    <a:pt x="1" y="7526"/>
+                  </a:lnTo>
+                  <a:lnTo>
+                    <a:pt x="1097" y="6990"/>
+                  </a:lnTo>
+                  <a:lnTo>
+                    <a:pt x="7526" y="1534"/>
+                  </a:lnTo>
+                  <a:lnTo>
+                    <a:pt x="5992" y="0"/>
+                  </a:lnTo>
+                  <a:close/>
+                </a:path>
+              </a:pathLst>
+            </a:custGeom>
+            <a:noFill/>
+            <a:ln w="12175" cap="rnd" cmpd="sng">
+              <a:solidFill>
+                <a:schemeClr val="lt1"/>
+              </a:solidFill>
+              <a:prstDash val="solid"/>
+              <a:round/>
+              <a:headEnd type="none" w="sm" len="sm"/>
+              <a:tailEnd type="none" w="sm" len="sm"/>
+            </a:ln>
+          </p:spPr>
+          <p:txBody>
+            <a:bodyPr spcFirstLastPara="1" wrap="square" lIns="91425" tIns="91425" rIns="91425" bIns="91425" anchor="ctr" anchorCtr="0">
+              <a:noAutofit/>
+            </a:bodyPr>
+            <a:lstStyle/>
+            <a:p>
+              <a:pPr marL="0" lvl="0" indent="0" algn="l" rtl="0">
+                <a:spcBef>
+                  <a:spcPts val="0"/>
+                </a:spcBef>
+                <a:spcAft>
+                  <a:spcPts val="0"/>
+                </a:spcAft>
+                <a:buNone/>
+              </a:pPr>
+              <a:endParaRPr/>
+            </a:p>
+          </p:txBody>
+        </p:sp>
+        <p:sp>
+          <p:nvSpPr>
+            <p:cNvPr id="253" name="Google Shape;253;p16">
+              <a:extLst>
+                <a:ext uri="{FF2B5EF4-FFF2-40B4-BE49-F238E27FC236}">
+                  <a16:creationId xmlns:a16="http://schemas.microsoft.com/office/drawing/2014/main" id="{CFA9E395-0181-4930-3920-A6DA91B9EE1B}"/>
+                </a:ext>
+              </a:extLst>
+            </p:cNvPr>
+            <p:cNvSpPr/>
+            <p:nvPr/>
+          </p:nvSpPr>
+          <p:spPr>
+            <a:xfrm>
+              <a:off x="2857700" y="1631825"/>
+              <a:ext cx="175975" cy="176000"/>
+            </a:xfrm>
+            <a:custGeom>
+              <a:avLst/>
+              <a:gdLst/>
+              <a:ahLst/>
+              <a:cxnLst/>
+              <a:rect l="l" t="t" r="r" b="b"/>
+              <a:pathLst>
+                <a:path w="7039" h="7040" fill="none" extrusionOk="0">
+                  <a:moveTo>
+                    <a:pt x="268" y="2704"/>
+                  </a:moveTo>
+                  <a:lnTo>
+                    <a:pt x="4336" y="6771"/>
+                  </a:lnTo>
+                  <a:lnTo>
+                    <a:pt x="4336" y="6771"/>
+                  </a:lnTo>
+                  <a:lnTo>
+                    <a:pt x="4336" y="6771"/>
+                  </a:lnTo>
+                  <a:lnTo>
+                    <a:pt x="4652" y="6917"/>
+                  </a:lnTo>
+                  <a:lnTo>
+                    <a:pt x="4993" y="7015"/>
+                  </a:lnTo>
+                  <a:lnTo>
+                    <a:pt x="5310" y="7039"/>
+                  </a:lnTo>
+                  <a:lnTo>
+                    <a:pt x="5651" y="7039"/>
+                  </a:lnTo>
+                  <a:lnTo>
+                    <a:pt x="5992" y="6966"/>
+                  </a:lnTo>
+                  <a:lnTo>
+                    <a:pt x="6308" y="6844"/>
+                  </a:lnTo>
+                  <a:lnTo>
+                    <a:pt x="6454" y="6747"/>
+                  </a:lnTo>
+                  <a:lnTo>
+                    <a:pt x="6601" y="6674"/>
+                  </a:lnTo>
+                  <a:lnTo>
+                    <a:pt x="6747" y="6552"/>
+                  </a:lnTo>
+                  <a:lnTo>
+                    <a:pt x="6893" y="6430"/>
+                  </a:lnTo>
+                  <a:lnTo>
+                    <a:pt x="6893" y="6430"/>
+                  </a:lnTo>
+                  <a:lnTo>
+                    <a:pt x="6942" y="6357"/>
+                  </a:lnTo>
+                  <a:lnTo>
+                    <a:pt x="7015" y="6260"/>
+                  </a:lnTo>
+                  <a:lnTo>
+                    <a:pt x="7039" y="6138"/>
+                  </a:lnTo>
+                  <a:lnTo>
+                    <a:pt x="7039" y="6041"/>
+                  </a:lnTo>
+                  <a:lnTo>
+                    <a:pt x="7039" y="6041"/>
+                  </a:lnTo>
+                  <a:lnTo>
+                    <a:pt x="7039" y="5943"/>
+                  </a:lnTo>
+                  <a:lnTo>
+                    <a:pt x="7015" y="5846"/>
+                  </a:lnTo>
+                  <a:lnTo>
+                    <a:pt x="6942" y="5748"/>
+                  </a:lnTo>
+                  <a:lnTo>
+                    <a:pt x="6893" y="5651"/>
+                  </a:lnTo>
+                  <a:lnTo>
+                    <a:pt x="1389" y="147"/>
+                  </a:lnTo>
+                  <a:lnTo>
+                    <a:pt x="1389" y="147"/>
+                  </a:lnTo>
+                  <a:lnTo>
+                    <a:pt x="1291" y="98"/>
+                  </a:lnTo>
+                  <a:lnTo>
+                    <a:pt x="1194" y="25"/>
+                  </a:lnTo>
+                  <a:lnTo>
+                    <a:pt x="1096" y="0"/>
+                  </a:lnTo>
+                  <a:lnTo>
+                    <a:pt x="999" y="0"/>
+                  </a:lnTo>
+                  <a:lnTo>
+                    <a:pt x="999" y="0"/>
+                  </a:lnTo>
+                  <a:lnTo>
+                    <a:pt x="902" y="0"/>
+                  </a:lnTo>
+                  <a:lnTo>
+                    <a:pt x="780" y="25"/>
+                  </a:lnTo>
+                  <a:lnTo>
+                    <a:pt x="682" y="98"/>
+                  </a:lnTo>
+                  <a:lnTo>
+                    <a:pt x="609" y="147"/>
+                  </a:lnTo>
+                  <a:lnTo>
+                    <a:pt x="609" y="147"/>
+                  </a:lnTo>
+                  <a:lnTo>
+                    <a:pt x="487" y="293"/>
+                  </a:lnTo>
+                  <a:lnTo>
+                    <a:pt x="366" y="439"/>
+                  </a:lnTo>
+                  <a:lnTo>
+                    <a:pt x="293" y="585"/>
+                  </a:lnTo>
+                  <a:lnTo>
+                    <a:pt x="195" y="731"/>
+                  </a:lnTo>
+                  <a:lnTo>
+                    <a:pt x="73" y="1048"/>
+                  </a:lnTo>
+                  <a:lnTo>
+                    <a:pt x="0" y="1389"/>
+                  </a:lnTo>
+                  <a:lnTo>
+                    <a:pt x="0" y="1730"/>
+                  </a:lnTo>
+                  <a:lnTo>
+                    <a:pt x="25" y="2046"/>
+                  </a:lnTo>
+                  <a:lnTo>
+                    <a:pt x="122" y="2387"/>
+                  </a:lnTo>
+                  <a:lnTo>
+                    <a:pt x="268" y="2704"/>
+                  </a:lnTo>
+                  <a:lnTo>
+                    <a:pt x="268" y="2704"/>
+                  </a:lnTo>
+                  <a:close/>
+                </a:path>
+              </a:pathLst>
+            </a:custGeom>
+            <a:noFill/>
+            <a:ln w="12175" cap="rnd" cmpd="sng">
+              <a:solidFill>
+                <a:schemeClr val="lt1"/>
+              </a:solidFill>
+              <a:prstDash val="solid"/>
+              <a:round/>
+              <a:headEnd type="none" w="sm" len="sm"/>
+              <a:tailEnd type="none" w="sm" len="sm"/>
+            </a:ln>
+          </p:spPr>
+          <p:txBody>
+            <a:bodyPr spcFirstLastPara="1" wrap="square" lIns="91425" tIns="91425" rIns="91425" bIns="91425" anchor="ctr" anchorCtr="0">
+              <a:noAutofit/>
+            </a:bodyPr>
+            <a:lstStyle/>
+            <a:p>
+              <a:pPr marL="0" lvl="0" indent="0" algn="l" rtl="0">
+                <a:spcBef>
+                  <a:spcPts val="0"/>
+                </a:spcBef>
+                <a:spcAft>
+                  <a:spcPts val="0"/>
+                </a:spcAft>
+                <a:buNone/>
+              </a:pPr>
+              <a:endParaRPr/>
+            </a:p>
+          </p:txBody>
+        </p:sp>
+        <p:sp>
+          <p:nvSpPr>
+            <p:cNvPr id="254" name="Google Shape;254;p16">
+              <a:extLst>
+                <a:ext uri="{FF2B5EF4-FFF2-40B4-BE49-F238E27FC236}">
+                  <a16:creationId xmlns:a16="http://schemas.microsoft.com/office/drawing/2014/main" id="{2D733FE6-826E-F3BF-4D6A-D3FE49810B4B}"/>
+                </a:ext>
+              </a:extLst>
+            </p:cNvPr>
+            <p:cNvSpPr/>
+            <p:nvPr/>
+          </p:nvSpPr>
+          <p:spPr>
+            <a:xfrm>
+              <a:off x="2662850" y="1699400"/>
+              <a:ext cx="303250" cy="303250"/>
+            </a:xfrm>
+            <a:custGeom>
+              <a:avLst/>
+              <a:gdLst/>
+              <a:ahLst/>
+              <a:cxnLst/>
+              <a:rect l="l" t="t" r="r" b="b"/>
+              <a:pathLst>
+                <a:path w="12130" h="12130" fill="none" extrusionOk="0">
+                  <a:moveTo>
+                    <a:pt x="8038" y="1"/>
+                  </a:moveTo>
+                  <a:lnTo>
+                    <a:pt x="4872" y="3191"/>
+                  </a:lnTo>
+                  <a:lnTo>
+                    <a:pt x="4872" y="3191"/>
+                  </a:lnTo>
+                  <a:lnTo>
+                    <a:pt x="4628" y="3094"/>
+                  </a:lnTo>
+                  <a:lnTo>
+                    <a:pt x="4385" y="2997"/>
+                  </a:lnTo>
+                  <a:lnTo>
+                    <a:pt x="4092" y="2899"/>
+                  </a:lnTo>
+                  <a:lnTo>
+                    <a:pt x="3800" y="2850"/>
+                  </a:lnTo>
+                  <a:lnTo>
+                    <a:pt x="3484" y="2777"/>
+                  </a:lnTo>
+                  <a:lnTo>
+                    <a:pt x="3167" y="2729"/>
+                  </a:lnTo>
+                  <a:lnTo>
+                    <a:pt x="2850" y="2704"/>
+                  </a:lnTo>
+                  <a:lnTo>
+                    <a:pt x="2534" y="2704"/>
+                  </a:lnTo>
+                  <a:lnTo>
+                    <a:pt x="2534" y="2704"/>
+                  </a:lnTo>
+                  <a:lnTo>
+                    <a:pt x="2241" y="2704"/>
+                  </a:lnTo>
+                  <a:lnTo>
+                    <a:pt x="1949" y="2729"/>
+                  </a:lnTo>
+                  <a:lnTo>
+                    <a:pt x="1633" y="2777"/>
+                  </a:lnTo>
+                  <a:lnTo>
+                    <a:pt x="1316" y="2850"/>
+                  </a:lnTo>
+                  <a:lnTo>
+                    <a:pt x="999" y="2972"/>
+                  </a:lnTo>
+                  <a:lnTo>
+                    <a:pt x="707" y="3094"/>
+                  </a:lnTo>
+                  <a:lnTo>
+                    <a:pt x="415" y="3289"/>
+                  </a:lnTo>
+                  <a:lnTo>
+                    <a:pt x="147" y="3508"/>
+                  </a:lnTo>
+                  <a:lnTo>
+                    <a:pt x="147" y="3508"/>
+                  </a:lnTo>
+                  <a:lnTo>
+                    <a:pt x="74" y="3581"/>
+                  </a:lnTo>
+                  <a:lnTo>
+                    <a:pt x="25" y="3678"/>
+                  </a:lnTo>
+                  <a:lnTo>
+                    <a:pt x="1" y="3776"/>
+                  </a:lnTo>
+                  <a:lnTo>
+                    <a:pt x="1" y="3898"/>
+                  </a:lnTo>
+                  <a:lnTo>
+                    <a:pt x="1" y="3898"/>
+                  </a:lnTo>
+                  <a:lnTo>
+                    <a:pt x="1" y="3995"/>
+                  </a:lnTo>
+                  <a:lnTo>
+                    <a:pt x="25" y="4093"/>
+                  </a:lnTo>
+                  <a:lnTo>
+                    <a:pt x="74" y="4190"/>
+                  </a:lnTo>
+                  <a:lnTo>
+                    <a:pt x="147" y="4287"/>
+                  </a:lnTo>
+                  <a:lnTo>
+                    <a:pt x="7843" y="11984"/>
+                  </a:lnTo>
+                  <a:lnTo>
+                    <a:pt x="7843" y="11984"/>
+                  </a:lnTo>
+                  <a:lnTo>
+                    <a:pt x="7941" y="12057"/>
+                  </a:lnTo>
+                  <a:lnTo>
+                    <a:pt x="8038" y="12105"/>
+                  </a:lnTo>
+                  <a:lnTo>
+                    <a:pt x="8135" y="12130"/>
+                  </a:lnTo>
+                  <a:lnTo>
+                    <a:pt x="8233" y="12130"/>
+                  </a:lnTo>
+                  <a:lnTo>
+                    <a:pt x="8233" y="12130"/>
+                  </a:lnTo>
+                  <a:lnTo>
+                    <a:pt x="8355" y="12130"/>
+                  </a:lnTo>
+                  <a:lnTo>
+                    <a:pt x="8452" y="12105"/>
+                  </a:lnTo>
+                  <a:lnTo>
+                    <a:pt x="8549" y="12057"/>
+                  </a:lnTo>
+                  <a:lnTo>
+                    <a:pt x="8622" y="11984"/>
+                  </a:lnTo>
+                  <a:lnTo>
+                    <a:pt x="8622" y="11984"/>
+                  </a:lnTo>
+                  <a:lnTo>
+                    <a:pt x="8842" y="11716"/>
+                  </a:lnTo>
+                  <a:lnTo>
+                    <a:pt x="9036" y="11423"/>
+                  </a:lnTo>
+                  <a:lnTo>
+                    <a:pt x="9158" y="11131"/>
+                  </a:lnTo>
+                  <a:lnTo>
+                    <a:pt x="9280" y="10814"/>
+                  </a:lnTo>
+                  <a:lnTo>
+                    <a:pt x="9353" y="10498"/>
+                  </a:lnTo>
+                  <a:lnTo>
+                    <a:pt x="9402" y="10181"/>
+                  </a:lnTo>
+                  <a:lnTo>
+                    <a:pt x="9426" y="9889"/>
+                  </a:lnTo>
+                  <a:lnTo>
+                    <a:pt x="9426" y="9597"/>
+                  </a:lnTo>
+                  <a:lnTo>
+                    <a:pt x="9426" y="9597"/>
+                  </a:lnTo>
+                  <a:lnTo>
+                    <a:pt x="9426" y="9280"/>
+                  </a:lnTo>
+                  <a:lnTo>
+                    <a:pt x="9402" y="8964"/>
+                  </a:lnTo>
+                  <a:lnTo>
+                    <a:pt x="9353" y="8647"/>
+                  </a:lnTo>
+                  <a:lnTo>
+                    <a:pt x="9280" y="8330"/>
+                  </a:lnTo>
+                  <a:lnTo>
+                    <a:pt x="9231" y="8038"/>
+                  </a:lnTo>
+                  <a:lnTo>
+                    <a:pt x="9134" y="7746"/>
+                  </a:lnTo>
+                  <a:lnTo>
+                    <a:pt x="9036" y="7502"/>
+                  </a:lnTo>
+                  <a:lnTo>
+                    <a:pt x="8939" y="7259"/>
+                  </a:lnTo>
+                  <a:lnTo>
+                    <a:pt x="12130" y="4093"/>
+                  </a:lnTo>
+                </a:path>
+              </a:pathLst>
+            </a:custGeom>
+            <a:noFill/>
+            <a:ln w="12175" cap="rnd" cmpd="sng">
+              <a:solidFill>
+                <a:schemeClr val="lt1"/>
+              </a:solidFill>
+              <a:prstDash val="solid"/>
+              <a:round/>
+              <a:headEnd type="none" w="sm" len="sm"/>
+              <a:tailEnd type="none" w="sm" len="sm"/>
+            </a:ln>
+          </p:spPr>
+          <p:txBody>
+            <a:bodyPr spcFirstLastPara="1" wrap="square" lIns="91425" tIns="91425" rIns="91425" bIns="91425" anchor="ctr" anchorCtr="0">
+              <a:noAutofit/>
+            </a:bodyPr>
+            <a:lstStyle/>
+            <a:p>
+              <a:pPr marL="0" lvl="0" indent="0" algn="l" rtl="0">
+                <a:spcBef>
+                  <a:spcPts val="0"/>
+                </a:spcBef>
+                <a:spcAft>
+                  <a:spcPts val="0"/>
+                </a:spcAft>
+                <a:buNone/>
+              </a:pPr>
+              <a:endParaRPr/>
+            </a:p>
+          </p:txBody>
+        </p:sp>
+        <p:sp>
+          <p:nvSpPr>
+            <p:cNvPr id="255" name="Google Shape;255;p16">
+              <a:extLst>
+                <a:ext uri="{FF2B5EF4-FFF2-40B4-BE49-F238E27FC236}">
+                  <a16:creationId xmlns:a16="http://schemas.microsoft.com/office/drawing/2014/main" id="{2F6944FC-5F79-E714-BAFD-3138FC0726CC}"/>
+                </a:ext>
+              </a:extLst>
+            </p:cNvPr>
+            <p:cNvSpPr/>
+            <p:nvPr/>
+          </p:nvSpPr>
+          <p:spPr>
+            <a:xfrm>
+              <a:off x="2801675" y="1740825"/>
+              <a:ext cx="49950" cy="49950"/>
+            </a:xfrm>
+            <a:custGeom>
+              <a:avLst/>
+              <a:gdLst/>
+              <a:ahLst/>
+              <a:cxnLst/>
+              <a:rect l="l" t="t" r="r" b="b"/>
+              <a:pathLst>
+                <a:path w="1998" h="1998" fill="none" extrusionOk="0">
+                  <a:moveTo>
+                    <a:pt x="1" y="1997"/>
+                  </a:moveTo>
+                  <a:lnTo>
+                    <a:pt x="1998" y="0"/>
+                  </a:lnTo>
+                </a:path>
+              </a:pathLst>
+            </a:custGeom>
+            <a:noFill/>
+            <a:ln w="12175" cap="rnd" cmpd="sng">
+              <a:solidFill>
+                <a:schemeClr val="lt1"/>
+              </a:solidFill>
+              <a:prstDash val="solid"/>
+              <a:round/>
+              <a:headEnd type="none" w="sm" len="sm"/>
+              <a:tailEnd type="none" w="sm" len="sm"/>
+            </a:ln>
+          </p:spPr>
+          <p:txBody>
+            <a:bodyPr spcFirstLastPara="1" wrap="square" lIns="91425" tIns="91425" rIns="91425" bIns="91425" anchor="ctr" anchorCtr="0">
+              <a:noAutofit/>
+            </a:bodyPr>
+            <a:lstStyle/>
+            <a:p>
+              <a:pPr marL="0" lvl="0" indent="0" algn="l" rtl="0">
+                <a:spcBef>
+                  <a:spcPts val="0"/>
+                </a:spcBef>
+                <a:spcAft>
+                  <a:spcPts val="0"/>
+                </a:spcAft>
+                <a:buNone/>
+              </a:pPr>
+              <a:endParaRPr/>
+            </a:p>
+          </p:txBody>
+        </p:sp>
+      </p:grpSp>
+      <p:grpSp>
+        <p:nvGrpSpPr>
+          <p:cNvPr id="22" name="Google Shape;231;p14">
+            <a:extLst>
+              <a:ext uri="{FF2B5EF4-FFF2-40B4-BE49-F238E27FC236}">
+                <a16:creationId xmlns:a16="http://schemas.microsoft.com/office/drawing/2014/main" id="{BB334486-3659-3DE0-B785-9CA4FD7B972D}"/>
+              </a:ext>
+            </a:extLst>
+          </p:cNvPr>
+          <p:cNvGrpSpPr/>
+          <p:nvPr/>
+        </p:nvGrpSpPr>
+        <p:grpSpPr>
+          <a:xfrm>
+            <a:off x="7699300" y="122086"/>
+            <a:ext cx="940886" cy="562200"/>
+            <a:chOff x="6839564" y="126225"/>
+            <a:chExt cx="940886" cy="562200"/>
+          </a:xfrm>
+        </p:grpSpPr>
+        <p:sp>
+          <p:nvSpPr>
+            <p:cNvPr id="24" name="Google Shape;232;p14">
+              <a:extLst>
+                <a:ext uri="{FF2B5EF4-FFF2-40B4-BE49-F238E27FC236}">
+                  <a16:creationId xmlns:a16="http://schemas.microsoft.com/office/drawing/2014/main" id="{B7EAC4A7-2A64-562C-036C-2D1371F74641}"/>
+                </a:ext>
+              </a:extLst>
+            </p:cNvPr>
+            <p:cNvSpPr/>
+            <p:nvPr/>
+          </p:nvSpPr>
+          <p:spPr>
+            <a:xfrm>
+              <a:off x="6839564" y="126225"/>
               <a:ext cx="562200" cy="562200"/>
             </a:xfrm>
             <a:prstGeom prst="diamond">
@@ -18153,6 +18972,64 @@
             <a:solidFill>
               <a:schemeClr val="lt1"/>
             </a:solidFill>
+            <a:ln w="76200" cap="flat" cmpd="sng">
+              <a:solidFill>
+                <a:schemeClr val="accent1"/>
+              </a:solidFill>
+              <a:prstDash val="solid"/>
+              <a:miter lim="8000"/>
+              <a:headEnd type="none" w="sm" len="sm"/>
+              <a:tailEnd type="none" w="sm" len="sm"/>
+            </a:ln>
+          </p:spPr>
+          <p:txBody>
+            <a:bodyPr spcFirstLastPara="1" wrap="square" lIns="91425" tIns="91425" rIns="91425" bIns="91425" anchor="ctr" anchorCtr="0">
+              <a:noAutofit/>
+            </a:bodyPr>
+            <a:lstStyle/>
+            <a:p>
+              <a:pPr marL="0" lvl="0" indent="0" algn="ctr" rtl="0">
+                <a:spcBef>
+                  <a:spcPts val="0"/>
+                </a:spcBef>
+                <a:spcAft>
+                  <a:spcPts val="0"/>
+                </a:spcAft>
+                <a:buNone/>
+              </a:pPr>
+              <a:endParaRPr>
+                <a:solidFill>
+                  <a:schemeClr val="dk2"/>
+                </a:solidFill>
+                <a:latin typeface="Roboto Condensed"/>
+                <a:ea typeface="Roboto Condensed"/>
+                <a:cs typeface="Roboto Condensed"/>
+                <a:sym typeface="Roboto Condensed"/>
+              </a:endParaRPr>
+            </a:p>
+          </p:txBody>
+        </p:sp>
+        <p:sp>
+          <p:nvSpPr>
+            <p:cNvPr id="25" name="Google Shape;233;p14">
+              <a:extLst>
+                <a:ext uri="{FF2B5EF4-FFF2-40B4-BE49-F238E27FC236}">
+                  <a16:creationId xmlns:a16="http://schemas.microsoft.com/office/drawing/2014/main" id="{01495FC7-CCFB-F182-5058-3C5CE7CBF904}"/>
+                </a:ext>
+              </a:extLst>
+            </p:cNvPr>
+            <p:cNvSpPr/>
+            <p:nvPr/>
+          </p:nvSpPr>
+          <p:spPr>
+            <a:xfrm>
+              <a:off x="7218250" y="126225"/>
+              <a:ext cx="562200" cy="562200"/>
+            </a:xfrm>
+            <a:prstGeom prst="diamond">
+              <a:avLst/>
+            </a:prstGeom>
+            <a:noFill/>
             <a:ln w="76200" cap="flat" cmpd="sng">
               <a:solidFill>
                 <a:schemeClr val="accent5"/>
@@ -18193,14 +19070,20 @@
       </p:grpSp>
       <p:sp>
         <p:nvSpPr>
-          <p:cNvPr id="260" name="Google Shape;260;p16"/>
+          <p:cNvPr id="23" name="Google Shape;236;p14">
+            <a:extLst>
+              <a:ext uri="{FF2B5EF4-FFF2-40B4-BE49-F238E27FC236}">
+                <a16:creationId xmlns:a16="http://schemas.microsoft.com/office/drawing/2014/main" id="{B26BB7A9-8401-ECE9-5479-962AAEA65659}"/>
+              </a:ext>
+            </a:extLst>
+          </p:cNvPr>
           <p:cNvSpPr txBox="1"/>
           <p:nvPr/>
         </p:nvSpPr>
         <p:spPr>
           <a:xfrm>
-            <a:off x="7732400" y="48200"/>
-            <a:ext cx="391800" cy="654600"/>
+            <a:off x="8190806" y="32258"/>
+            <a:ext cx="513600" cy="654600"/>
           </a:xfrm>
           <a:prstGeom prst="rect">
             <a:avLst/>
@@ -18249,124 +19132,87 @@
           </a:p>
         </p:txBody>
       </p:sp>
-    </p:spTree>
-    <p:extLst>
-      <p:ext uri="{BB962C8B-B14F-4D97-AF65-F5344CB8AC3E}">
-        <p14:creationId xmlns:p14="http://schemas.microsoft.com/office/powerpoint/2010/main" val="2742753983"/>
-      </p:ext>
-    </p:extLst>
-  </p:cSld>
-  <p:clrMapOvr>
-    <a:masterClrMapping/>
-  </p:clrMapOvr>
-</p:sld>
-</file>
-
-<file path=ppt/slides/slide12.xml><?xml version="1.0" encoding="utf-8"?>
-<p:sld xmlns:a="http://schemas.openxmlformats.org/drawingml/2006/main" xmlns:r="http://schemas.openxmlformats.org/officeDocument/2006/relationships" xmlns:p="http://schemas.openxmlformats.org/presentationml/2006/main">
-  <p:cSld>
-    <p:spTree>
-      <p:nvGrpSpPr>
-        <p:cNvPr id="1" name="Shape 247"/>
-        <p:cNvGrpSpPr/>
-        <p:nvPr/>
-      </p:nvGrpSpPr>
-      <p:grpSpPr>
-        <a:xfrm>
-          <a:off x="0" y="0"/>
-          <a:ext cx="0" cy="0"/>
-          <a:chOff x="0" y="0"/>
-          <a:chExt cx="0" cy="0"/>
-        </a:xfrm>
-      </p:grpSpPr>
-      <p:sp>
-        <p:nvSpPr>
-          <p:cNvPr id="248" name="Google Shape;248;p16"/>
-          <p:cNvSpPr txBox="1">
-            <a:spLocks noGrp="1"/>
-          </p:cNvSpPr>
-          <p:nvPr>
-            <p:ph type="title"/>
-          </p:nvPr>
-        </p:nvSpPr>
+      <p:pic>
+        <p:nvPicPr>
+          <p:cNvPr id="3" name="Google Shape;121;p22" descr="slot probability2.png">
+            <a:extLst>
+              <a:ext uri="{FF2B5EF4-FFF2-40B4-BE49-F238E27FC236}">
+                <a16:creationId xmlns:a16="http://schemas.microsoft.com/office/drawing/2014/main" id="{5133E138-5890-17DD-0CF8-2C71FED2C947}"/>
+              </a:ext>
+            </a:extLst>
+          </p:cNvPr>
+          <p:cNvPicPr preferRelativeResize="0"/>
+          <p:nvPr/>
+        </p:nvPicPr>
+        <p:blipFill>
+          <a:blip r:embed="rId3">
+            <a:alphaModFix/>
+          </a:blip>
+          <a:stretch>
+            <a:fillRect/>
+          </a:stretch>
+        </p:blipFill>
         <p:spPr>
+          <a:xfrm>
+            <a:off x="577767" y="2896147"/>
+            <a:ext cx="7467622" cy="994371"/>
+          </a:xfrm>
           <a:prstGeom prst="rect">
             <a:avLst/>
           </a:prstGeom>
+          <a:noFill/>
+          <a:ln>
+            <a:noFill/>
+          </a:ln>
         </p:spPr>
-        <p:txBody>
-          <a:bodyPr spcFirstLastPara="1" wrap="square" lIns="91425" tIns="91425" rIns="91425" bIns="91425" anchor="ctr" anchorCtr="0">
-            <a:noAutofit/>
-          </a:bodyPr>
-          <a:lstStyle/>
-          <a:p>
-            <a:pPr marL="0" lvl="0" indent="0" algn="l" rtl="0">
-              <a:spcBef>
-                <a:spcPts val="0"/>
-              </a:spcBef>
-              <a:spcAft>
-                <a:spcPts val="0"/>
-              </a:spcAft>
-              <a:buNone/>
-            </a:pPr>
-            <a:r>
-              <a:rPr lang="en" dirty="0"/>
-              <a:t>How can we calculate odds?</a:t>
-            </a:r>
-            <a:endParaRPr dirty="0"/>
-          </a:p>
-        </p:txBody>
-      </p:sp>
-      <mc:AlternateContent xmlns:mc="http://schemas.openxmlformats.org/markup-compatibility/2006" xmlns:a14="http://schemas.microsoft.com/office/drawing/2010/main">
-        <mc:Choice Requires="a14">
+      </p:pic>
+      <mc:AlternateContent xmlns:mc="http://schemas.openxmlformats.org/markup-compatibility/2006">
+        <mc:Choice xmlns:a14="http://schemas.microsoft.com/office/drawing/2010/main" Requires="a14">
           <p:sp>
             <p:nvSpPr>
-              <p:cNvPr id="2" name="Text Placeholder 1">
+              <p:cNvPr id="5" name="Alternate Process 4">
                 <a:extLst>
                   <a:ext uri="{FF2B5EF4-FFF2-40B4-BE49-F238E27FC236}">
-                    <a16:creationId xmlns:a16="http://schemas.microsoft.com/office/drawing/2014/main" id="{ADC04ADF-3C89-B545-B3AC-998590695FDC}"/>
+                    <a16:creationId xmlns:a16="http://schemas.microsoft.com/office/drawing/2014/main" id="{ED891DFF-FF1F-E88A-46DB-399304A1A620}"/>
                   </a:ext>
                 </a:extLst>
               </p:cNvPr>
-              <p:cNvSpPr>
-                <a:spLocks noGrp="1"/>
-              </p:cNvSpPr>
-              <p:nvPr>
-                <p:ph type="body" idx="1"/>
-              </p:nvPr>
+              <p:cNvSpPr/>
+              <p:nvPr/>
             </p:nvSpPr>
             <p:spPr>
               <a:xfrm>
-                <a:off x="577767" y="1734643"/>
-                <a:ext cx="3639509" cy="3217457"/>
+                <a:off x="4572000" y="4138049"/>
+                <a:ext cx="2597543" cy="567879"/>
               </a:xfrm>
+              <a:prstGeom prst="flowChartAlternateProcess">
+                <a:avLst/>
+              </a:prstGeom>
+              <a:solidFill>
+                <a:schemeClr val="accent5"/>
+              </a:solidFill>
             </p:spPr>
+            <p:style>
+              <a:lnRef idx="2">
+                <a:schemeClr val="accent1">
+                  <a:shade val="50000"/>
+                </a:schemeClr>
+              </a:lnRef>
+              <a:fillRef idx="1">
+                <a:schemeClr val="accent1"/>
+              </a:fillRef>
+              <a:effectRef idx="0">
+                <a:schemeClr val="accent1"/>
+              </a:effectRef>
+              <a:fontRef idx="minor">
+                <a:schemeClr val="lt1"/>
+              </a:fontRef>
+            </p:style>
             <p:txBody>
-              <a:bodyPr anchor="t"/>
+              <a:bodyPr rtlCol="0" anchor="ctr"/>
               <a:lstStyle/>
               <a:p>
-                <a:r>
-                  <a:rPr lang="en-US" dirty="0"/>
-                  <a:t>Odds in favor of event A</a:t>
-                </a:r>
-              </a:p>
-              <a:p>
-                <a:pPr lvl="1"/>
-                <a:r>
-                  <a:rPr lang="en-US" dirty="0"/>
-                  <a:t>“Odds for”</a:t>
-                </a:r>
-              </a:p>
-              <a:p>
-                <a:pPr marL="7938" lvl="1" indent="0">
-                  <a:buNone/>
-                </a:pPr>
-                <a:endParaRPr lang="en-US" dirty="0"/>
-              </a:p>
-              <a:p>
-                <a:pPr marL="7938" lvl="1" indent="0">
-                  <a:buNone/>
-                </a:pPr>
+                <a:pPr algn="ctr"/>
                 <a14:m>
                   <m:oMathPara xmlns:m="http://schemas.openxmlformats.org/officeDocument/2006/math">
                     <m:oMathParaPr>
@@ -18377,1659 +19223,31 @@
                         <a:rPr lang="en-US" sz="1800" b="0" i="1" smtClean="0">
                           <a:latin typeface="Cambria Math" panose="02040503050406030204" pitchFamily="18" charset="0"/>
                         </a:rPr>
-                        <m:t>𝑂𝑑𝑑𝑠</m:t>
+                        <m:t>𝐸</m:t>
                       </m:r>
-                      <m:r>
-                        <a:rPr lang="en-US" sz="1800" b="0" i="1" smtClean="0">
-                          <a:latin typeface="Cambria Math" panose="02040503050406030204" pitchFamily="18" charset="0"/>
-                        </a:rPr>
-                        <m:t>=</m:t>
-                      </m:r>
-                      <m:f>
-                        <m:fPr>
+                      <m:d>
+                        <m:dPr>
                           <m:ctrlPr>
                             <a:rPr lang="en-US" sz="1800" b="0" i="1" smtClean="0">
                               <a:latin typeface="Cambria Math" panose="02040503050406030204" pitchFamily="18" charset="0"/>
                             </a:rPr>
                           </m:ctrlPr>
-                        </m:fPr>
-                        <m:num>
+                        </m:dPr>
+                        <m:e>
                           <m:r>
                             <a:rPr lang="en-US" sz="1800" b="0" i="1" smtClean="0">
                               <a:latin typeface="Cambria Math" panose="02040503050406030204" pitchFamily="18" charset="0"/>
                             </a:rPr>
-                            <m:t>𝑃</m:t>
+                            <m:t>𝑃𝑎𝑦𝑜𝑓𝑓</m:t>
                           </m:r>
-                          <m:r>
-                            <a:rPr lang="en-US" sz="1800" b="0" i="1" smtClean="0">
-                              <a:latin typeface="Cambria Math" panose="02040503050406030204" pitchFamily="18" charset="0"/>
-                            </a:rPr>
-                            <m:t>(</m:t>
-                          </m:r>
-                          <m:r>
-                            <a:rPr lang="en-US" sz="1800" b="0" i="1" smtClean="0">
-                              <a:latin typeface="Cambria Math" panose="02040503050406030204" pitchFamily="18" charset="0"/>
-                            </a:rPr>
-                            <m:t>𝐴</m:t>
-                          </m:r>
-                          <m:r>
-                            <a:rPr lang="en-US" sz="1800" b="0" i="1" smtClean="0">
-                              <a:latin typeface="Cambria Math" panose="02040503050406030204" pitchFamily="18" charset="0"/>
-                            </a:rPr>
-                            <m:t>)</m:t>
-                          </m:r>
-                        </m:num>
-                        <m:den>
-                          <m:r>
-                            <a:rPr lang="en-US" sz="1800" b="0" i="1" smtClean="0">
-                              <a:latin typeface="Cambria Math" panose="02040503050406030204" pitchFamily="18" charset="0"/>
-                            </a:rPr>
-                            <m:t>𝑃</m:t>
-                          </m:r>
-                          <m:r>
-                            <a:rPr lang="en-US" sz="1800" b="0" i="1" smtClean="0">
-                              <a:latin typeface="Cambria Math" panose="02040503050406030204" pitchFamily="18" charset="0"/>
-                            </a:rPr>
-                            <m:t>(</m:t>
-                          </m:r>
-                          <m:sSup>
-                            <m:sSupPr>
-                              <m:ctrlPr>
-                                <a:rPr lang="en-US" sz="1800" b="0" i="1" smtClean="0">
-                                  <a:latin typeface="Cambria Math" panose="02040503050406030204" pitchFamily="18" charset="0"/>
-                                </a:rPr>
-                              </m:ctrlPr>
-                            </m:sSupPr>
-                            <m:e>
-                              <m:r>
-                                <a:rPr lang="en-US" sz="1800" b="0" i="1" smtClean="0">
-                                  <a:latin typeface="Cambria Math" panose="02040503050406030204" pitchFamily="18" charset="0"/>
-                                </a:rPr>
-                                <m:t>𝐴</m:t>
-                              </m:r>
-                            </m:e>
-                            <m:sup>
-                              <m:r>
-                                <a:rPr lang="en-US" sz="1800" b="0" i="1" smtClean="0">
-                                  <a:latin typeface="Cambria Math" panose="02040503050406030204" pitchFamily="18" charset="0"/>
-                                </a:rPr>
-                                <m:t>𝐶</m:t>
-                              </m:r>
-                            </m:sup>
-                          </m:sSup>
-                          <m:r>
-                            <a:rPr lang="en-US" sz="1800" b="0" i="1" smtClean="0">
-                              <a:latin typeface="Cambria Math" panose="02040503050406030204" pitchFamily="18" charset="0"/>
-                            </a:rPr>
-                            <m:t>)</m:t>
-                          </m:r>
-                        </m:den>
-                      </m:f>
+                        </m:e>
+                      </m:d>
                       <m:r>
                         <a:rPr lang="en-US" sz="1800" b="0" i="1" smtClean="0">
                           <a:latin typeface="Cambria Math" panose="02040503050406030204" pitchFamily="18" charset="0"/>
                         </a:rPr>
-                        <m:t>=</m:t>
+                        <m:t>=$0.8725</m:t>
                       </m:r>
-                    </m:oMath>
-                  </m:oMathPara>
-                </a14:m>
-                <a:endParaRPr lang="en-US" dirty="0"/>
-              </a:p>
-            </p:txBody>
-          </p:sp>
-        </mc:Choice>
-        <mc:Fallback xmlns="">
-          <p:sp>
-            <p:nvSpPr>
-              <p:cNvPr id="2" name="Text Placeholder 1">
-                <a:extLst>
-                  <a:ext uri="{FF2B5EF4-FFF2-40B4-BE49-F238E27FC236}">
-                    <a16:creationId xmlns:a16="http://schemas.microsoft.com/office/drawing/2014/main" id="{ADC04ADF-3C89-B545-B3AC-998590695FDC}"/>
-                  </a:ext>
-                </a:extLst>
-              </p:cNvPr>
-              <p:cNvSpPr>
-                <a:spLocks noGrp="1" noRot="1" noChangeAspect="1" noMove="1" noResize="1" noEditPoints="1" noAdjustHandles="1" noChangeArrowheads="1" noChangeShapeType="1" noTextEdit="1"/>
-              </p:cNvSpPr>
-              <p:nvPr>
-                <p:ph type="body" idx="1"/>
-              </p:nvPr>
-            </p:nvSpPr>
-            <p:spPr>
-              <a:xfrm>
-                <a:off x="577767" y="1734643"/>
-                <a:ext cx="3639509" cy="3217457"/>
-              </a:xfrm>
-              <a:blipFill>
-                <a:blip r:embed="rId3"/>
-                <a:stretch>
-                  <a:fillRect l="-1042"/>
-                </a:stretch>
-              </a:blipFill>
-            </p:spPr>
-            <p:txBody>
-              <a:bodyPr/>
-              <a:lstStyle/>
-              <a:p>
-                <a:r>
-                  <a:rPr lang="en-US">
-                    <a:noFill/>
-                  </a:rPr>
-                  <a:t> </a:t>
-                </a:r>
-              </a:p>
-            </p:txBody>
-          </p:sp>
-        </mc:Fallback>
-      </mc:AlternateContent>
-      <p:sp>
-        <p:nvSpPr>
-          <p:cNvPr id="250" name="Google Shape;250;p16"/>
-          <p:cNvSpPr txBox="1">
-            <a:spLocks noGrp="1"/>
-          </p:cNvSpPr>
-          <p:nvPr>
-            <p:ph type="sldNum" idx="12"/>
-          </p:nvPr>
-        </p:nvSpPr>
-        <p:spPr>
-          <a:prstGeom prst="rect">
-            <a:avLst/>
-          </a:prstGeom>
-        </p:spPr>
-        <p:txBody>
-          <a:bodyPr spcFirstLastPara="1" wrap="square" lIns="91425" tIns="91425" rIns="91425" bIns="91425" anchor="ctr" anchorCtr="0">
-            <a:noAutofit/>
-          </a:bodyPr>
-          <a:lstStyle/>
-          <a:p>
-            <a:pPr marL="0" lvl="0" indent="0" algn="r" rtl="0">
-              <a:spcBef>
-                <a:spcPts val="0"/>
-              </a:spcBef>
-              <a:spcAft>
-                <a:spcPts val="0"/>
-              </a:spcAft>
-              <a:buNone/>
-            </a:pPr>
-            <a:fld id="{00000000-1234-1234-1234-123412341234}" type="slidenum">
-              <a:rPr lang="en"/>
-              <a:t>12</a:t>
-            </a:fld>
-            <a:endParaRPr/>
-          </a:p>
-        </p:txBody>
-      </p:sp>
-      <p:grpSp>
-        <p:nvGrpSpPr>
-          <p:cNvPr id="251" name="Google Shape;251;p16"/>
-          <p:cNvGrpSpPr/>
-          <p:nvPr/>
-        </p:nvGrpSpPr>
-        <p:grpSpPr>
-          <a:xfrm>
-            <a:off x="282216" y="590918"/>
-            <a:ext cx="369505" cy="369505"/>
-            <a:chOff x="2594050" y="1631825"/>
-            <a:chExt cx="439625" cy="439625"/>
-          </a:xfrm>
-        </p:grpSpPr>
-        <p:sp>
-          <p:nvSpPr>
-            <p:cNvPr id="252" name="Google Shape;252;p16"/>
-            <p:cNvSpPr/>
-            <p:nvPr/>
-          </p:nvSpPr>
-          <p:spPr>
-            <a:xfrm>
-              <a:off x="2594050" y="1883300"/>
-              <a:ext cx="188175" cy="188150"/>
-            </a:xfrm>
-            <a:custGeom>
-              <a:avLst/>
-              <a:gdLst/>
-              <a:ahLst/>
-              <a:cxnLst/>
-              <a:rect l="l" t="t" r="r" b="b"/>
-              <a:pathLst>
-                <a:path w="7527" h="7526" fill="none" extrusionOk="0">
-                  <a:moveTo>
-                    <a:pt x="5992" y="0"/>
-                  </a:moveTo>
-                  <a:lnTo>
-                    <a:pt x="537" y="6430"/>
-                  </a:lnTo>
-                  <a:lnTo>
-                    <a:pt x="1" y="7526"/>
-                  </a:lnTo>
-                  <a:lnTo>
-                    <a:pt x="1097" y="6990"/>
-                  </a:lnTo>
-                  <a:lnTo>
-                    <a:pt x="7526" y="1534"/>
-                  </a:lnTo>
-                  <a:lnTo>
-                    <a:pt x="5992" y="0"/>
-                  </a:lnTo>
-                  <a:close/>
-                </a:path>
-              </a:pathLst>
-            </a:custGeom>
-            <a:noFill/>
-            <a:ln w="12175" cap="rnd" cmpd="sng">
-              <a:solidFill>
-                <a:schemeClr val="lt1"/>
-              </a:solidFill>
-              <a:prstDash val="solid"/>
-              <a:round/>
-              <a:headEnd type="none" w="sm" len="sm"/>
-              <a:tailEnd type="none" w="sm" len="sm"/>
-            </a:ln>
-          </p:spPr>
-          <p:txBody>
-            <a:bodyPr spcFirstLastPara="1" wrap="square" lIns="91425" tIns="91425" rIns="91425" bIns="91425" anchor="ctr" anchorCtr="0">
-              <a:noAutofit/>
-            </a:bodyPr>
-            <a:lstStyle/>
-            <a:p>
-              <a:pPr marL="0" lvl="0" indent="0" algn="l" rtl="0">
-                <a:spcBef>
-                  <a:spcPts val="0"/>
-                </a:spcBef>
-                <a:spcAft>
-                  <a:spcPts val="0"/>
-                </a:spcAft>
-                <a:buNone/>
-              </a:pPr>
-              <a:endParaRPr/>
-            </a:p>
-          </p:txBody>
-        </p:sp>
-        <p:sp>
-          <p:nvSpPr>
-            <p:cNvPr id="253" name="Google Shape;253;p16"/>
-            <p:cNvSpPr/>
-            <p:nvPr/>
-          </p:nvSpPr>
-          <p:spPr>
-            <a:xfrm>
-              <a:off x="2857700" y="1631825"/>
-              <a:ext cx="175975" cy="176000"/>
-            </a:xfrm>
-            <a:custGeom>
-              <a:avLst/>
-              <a:gdLst/>
-              <a:ahLst/>
-              <a:cxnLst/>
-              <a:rect l="l" t="t" r="r" b="b"/>
-              <a:pathLst>
-                <a:path w="7039" h="7040" fill="none" extrusionOk="0">
-                  <a:moveTo>
-                    <a:pt x="268" y="2704"/>
-                  </a:moveTo>
-                  <a:lnTo>
-                    <a:pt x="4336" y="6771"/>
-                  </a:lnTo>
-                  <a:lnTo>
-                    <a:pt x="4336" y="6771"/>
-                  </a:lnTo>
-                  <a:lnTo>
-                    <a:pt x="4336" y="6771"/>
-                  </a:lnTo>
-                  <a:lnTo>
-                    <a:pt x="4652" y="6917"/>
-                  </a:lnTo>
-                  <a:lnTo>
-                    <a:pt x="4993" y="7015"/>
-                  </a:lnTo>
-                  <a:lnTo>
-                    <a:pt x="5310" y="7039"/>
-                  </a:lnTo>
-                  <a:lnTo>
-                    <a:pt x="5651" y="7039"/>
-                  </a:lnTo>
-                  <a:lnTo>
-                    <a:pt x="5992" y="6966"/>
-                  </a:lnTo>
-                  <a:lnTo>
-                    <a:pt x="6308" y="6844"/>
-                  </a:lnTo>
-                  <a:lnTo>
-                    <a:pt x="6454" y="6747"/>
-                  </a:lnTo>
-                  <a:lnTo>
-                    <a:pt x="6601" y="6674"/>
-                  </a:lnTo>
-                  <a:lnTo>
-                    <a:pt x="6747" y="6552"/>
-                  </a:lnTo>
-                  <a:lnTo>
-                    <a:pt x="6893" y="6430"/>
-                  </a:lnTo>
-                  <a:lnTo>
-                    <a:pt x="6893" y="6430"/>
-                  </a:lnTo>
-                  <a:lnTo>
-                    <a:pt x="6942" y="6357"/>
-                  </a:lnTo>
-                  <a:lnTo>
-                    <a:pt x="7015" y="6260"/>
-                  </a:lnTo>
-                  <a:lnTo>
-                    <a:pt x="7039" y="6138"/>
-                  </a:lnTo>
-                  <a:lnTo>
-                    <a:pt x="7039" y="6041"/>
-                  </a:lnTo>
-                  <a:lnTo>
-                    <a:pt x="7039" y="6041"/>
-                  </a:lnTo>
-                  <a:lnTo>
-                    <a:pt x="7039" y="5943"/>
-                  </a:lnTo>
-                  <a:lnTo>
-                    <a:pt x="7015" y="5846"/>
-                  </a:lnTo>
-                  <a:lnTo>
-                    <a:pt x="6942" y="5748"/>
-                  </a:lnTo>
-                  <a:lnTo>
-                    <a:pt x="6893" y="5651"/>
-                  </a:lnTo>
-                  <a:lnTo>
-                    <a:pt x="1389" y="147"/>
-                  </a:lnTo>
-                  <a:lnTo>
-                    <a:pt x="1389" y="147"/>
-                  </a:lnTo>
-                  <a:lnTo>
-                    <a:pt x="1291" y="98"/>
-                  </a:lnTo>
-                  <a:lnTo>
-                    <a:pt x="1194" y="25"/>
-                  </a:lnTo>
-                  <a:lnTo>
-                    <a:pt x="1096" y="0"/>
-                  </a:lnTo>
-                  <a:lnTo>
-                    <a:pt x="999" y="0"/>
-                  </a:lnTo>
-                  <a:lnTo>
-                    <a:pt x="999" y="0"/>
-                  </a:lnTo>
-                  <a:lnTo>
-                    <a:pt x="902" y="0"/>
-                  </a:lnTo>
-                  <a:lnTo>
-                    <a:pt x="780" y="25"/>
-                  </a:lnTo>
-                  <a:lnTo>
-                    <a:pt x="682" y="98"/>
-                  </a:lnTo>
-                  <a:lnTo>
-                    <a:pt x="609" y="147"/>
-                  </a:lnTo>
-                  <a:lnTo>
-                    <a:pt x="609" y="147"/>
-                  </a:lnTo>
-                  <a:lnTo>
-                    <a:pt x="487" y="293"/>
-                  </a:lnTo>
-                  <a:lnTo>
-                    <a:pt x="366" y="439"/>
-                  </a:lnTo>
-                  <a:lnTo>
-                    <a:pt x="293" y="585"/>
-                  </a:lnTo>
-                  <a:lnTo>
-                    <a:pt x="195" y="731"/>
-                  </a:lnTo>
-                  <a:lnTo>
-                    <a:pt x="73" y="1048"/>
-                  </a:lnTo>
-                  <a:lnTo>
-                    <a:pt x="0" y="1389"/>
-                  </a:lnTo>
-                  <a:lnTo>
-                    <a:pt x="0" y="1730"/>
-                  </a:lnTo>
-                  <a:lnTo>
-                    <a:pt x="25" y="2046"/>
-                  </a:lnTo>
-                  <a:lnTo>
-                    <a:pt x="122" y="2387"/>
-                  </a:lnTo>
-                  <a:lnTo>
-                    <a:pt x="268" y="2704"/>
-                  </a:lnTo>
-                  <a:lnTo>
-                    <a:pt x="268" y="2704"/>
-                  </a:lnTo>
-                  <a:close/>
-                </a:path>
-              </a:pathLst>
-            </a:custGeom>
-            <a:noFill/>
-            <a:ln w="12175" cap="rnd" cmpd="sng">
-              <a:solidFill>
-                <a:schemeClr val="lt1"/>
-              </a:solidFill>
-              <a:prstDash val="solid"/>
-              <a:round/>
-              <a:headEnd type="none" w="sm" len="sm"/>
-              <a:tailEnd type="none" w="sm" len="sm"/>
-            </a:ln>
-          </p:spPr>
-          <p:txBody>
-            <a:bodyPr spcFirstLastPara="1" wrap="square" lIns="91425" tIns="91425" rIns="91425" bIns="91425" anchor="ctr" anchorCtr="0">
-              <a:noAutofit/>
-            </a:bodyPr>
-            <a:lstStyle/>
-            <a:p>
-              <a:pPr marL="0" lvl="0" indent="0" algn="l" rtl="0">
-                <a:spcBef>
-                  <a:spcPts val="0"/>
-                </a:spcBef>
-                <a:spcAft>
-                  <a:spcPts val="0"/>
-                </a:spcAft>
-                <a:buNone/>
-              </a:pPr>
-              <a:endParaRPr/>
-            </a:p>
-          </p:txBody>
-        </p:sp>
-        <p:sp>
-          <p:nvSpPr>
-            <p:cNvPr id="254" name="Google Shape;254;p16"/>
-            <p:cNvSpPr/>
-            <p:nvPr/>
-          </p:nvSpPr>
-          <p:spPr>
-            <a:xfrm>
-              <a:off x="2662850" y="1699400"/>
-              <a:ext cx="303250" cy="303250"/>
-            </a:xfrm>
-            <a:custGeom>
-              <a:avLst/>
-              <a:gdLst/>
-              <a:ahLst/>
-              <a:cxnLst/>
-              <a:rect l="l" t="t" r="r" b="b"/>
-              <a:pathLst>
-                <a:path w="12130" h="12130" fill="none" extrusionOk="0">
-                  <a:moveTo>
-                    <a:pt x="8038" y="1"/>
-                  </a:moveTo>
-                  <a:lnTo>
-                    <a:pt x="4872" y="3191"/>
-                  </a:lnTo>
-                  <a:lnTo>
-                    <a:pt x="4872" y="3191"/>
-                  </a:lnTo>
-                  <a:lnTo>
-                    <a:pt x="4628" y="3094"/>
-                  </a:lnTo>
-                  <a:lnTo>
-                    <a:pt x="4385" y="2997"/>
-                  </a:lnTo>
-                  <a:lnTo>
-                    <a:pt x="4092" y="2899"/>
-                  </a:lnTo>
-                  <a:lnTo>
-                    <a:pt x="3800" y="2850"/>
-                  </a:lnTo>
-                  <a:lnTo>
-                    <a:pt x="3484" y="2777"/>
-                  </a:lnTo>
-                  <a:lnTo>
-                    <a:pt x="3167" y="2729"/>
-                  </a:lnTo>
-                  <a:lnTo>
-                    <a:pt x="2850" y="2704"/>
-                  </a:lnTo>
-                  <a:lnTo>
-                    <a:pt x="2534" y="2704"/>
-                  </a:lnTo>
-                  <a:lnTo>
-                    <a:pt x="2534" y="2704"/>
-                  </a:lnTo>
-                  <a:lnTo>
-                    <a:pt x="2241" y="2704"/>
-                  </a:lnTo>
-                  <a:lnTo>
-                    <a:pt x="1949" y="2729"/>
-                  </a:lnTo>
-                  <a:lnTo>
-                    <a:pt x="1633" y="2777"/>
-                  </a:lnTo>
-                  <a:lnTo>
-                    <a:pt x="1316" y="2850"/>
-                  </a:lnTo>
-                  <a:lnTo>
-                    <a:pt x="999" y="2972"/>
-                  </a:lnTo>
-                  <a:lnTo>
-                    <a:pt x="707" y="3094"/>
-                  </a:lnTo>
-                  <a:lnTo>
-                    <a:pt x="415" y="3289"/>
-                  </a:lnTo>
-                  <a:lnTo>
-                    <a:pt x="147" y="3508"/>
-                  </a:lnTo>
-                  <a:lnTo>
-                    <a:pt x="147" y="3508"/>
-                  </a:lnTo>
-                  <a:lnTo>
-                    <a:pt x="74" y="3581"/>
-                  </a:lnTo>
-                  <a:lnTo>
-                    <a:pt x="25" y="3678"/>
-                  </a:lnTo>
-                  <a:lnTo>
-                    <a:pt x="1" y="3776"/>
-                  </a:lnTo>
-                  <a:lnTo>
-                    <a:pt x="1" y="3898"/>
-                  </a:lnTo>
-                  <a:lnTo>
-                    <a:pt x="1" y="3898"/>
-                  </a:lnTo>
-                  <a:lnTo>
-                    <a:pt x="1" y="3995"/>
-                  </a:lnTo>
-                  <a:lnTo>
-                    <a:pt x="25" y="4093"/>
-                  </a:lnTo>
-                  <a:lnTo>
-                    <a:pt x="74" y="4190"/>
-                  </a:lnTo>
-                  <a:lnTo>
-                    <a:pt x="147" y="4287"/>
-                  </a:lnTo>
-                  <a:lnTo>
-                    <a:pt x="7843" y="11984"/>
-                  </a:lnTo>
-                  <a:lnTo>
-                    <a:pt x="7843" y="11984"/>
-                  </a:lnTo>
-                  <a:lnTo>
-                    <a:pt x="7941" y="12057"/>
-                  </a:lnTo>
-                  <a:lnTo>
-                    <a:pt x="8038" y="12105"/>
-                  </a:lnTo>
-                  <a:lnTo>
-                    <a:pt x="8135" y="12130"/>
-                  </a:lnTo>
-                  <a:lnTo>
-                    <a:pt x="8233" y="12130"/>
-                  </a:lnTo>
-                  <a:lnTo>
-                    <a:pt x="8233" y="12130"/>
-                  </a:lnTo>
-                  <a:lnTo>
-                    <a:pt x="8355" y="12130"/>
-                  </a:lnTo>
-                  <a:lnTo>
-                    <a:pt x="8452" y="12105"/>
-                  </a:lnTo>
-                  <a:lnTo>
-                    <a:pt x="8549" y="12057"/>
-                  </a:lnTo>
-                  <a:lnTo>
-                    <a:pt x="8622" y="11984"/>
-                  </a:lnTo>
-                  <a:lnTo>
-                    <a:pt x="8622" y="11984"/>
-                  </a:lnTo>
-                  <a:lnTo>
-                    <a:pt x="8842" y="11716"/>
-                  </a:lnTo>
-                  <a:lnTo>
-                    <a:pt x="9036" y="11423"/>
-                  </a:lnTo>
-                  <a:lnTo>
-                    <a:pt x="9158" y="11131"/>
-                  </a:lnTo>
-                  <a:lnTo>
-                    <a:pt x="9280" y="10814"/>
-                  </a:lnTo>
-                  <a:lnTo>
-                    <a:pt x="9353" y="10498"/>
-                  </a:lnTo>
-                  <a:lnTo>
-                    <a:pt x="9402" y="10181"/>
-                  </a:lnTo>
-                  <a:lnTo>
-                    <a:pt x="9426" y="9889"/>
-                  </a:lnTo>
-                  <a:lnTo>
-                    <a:pt x="9426" y="9597"/>
-                  </a:lnTo>
-                  <a:lnTo>
-                    <a:pt x="9426" y="9597"/>
-                  </a:lnTo>
-                  <a:lnTo>
-                    <a:pt x="9426" y="9280"/>
-                  </a:lnTo>
-                  <a:lnTo>
-                    <a:pt x="9402" y="8964"/>
-                  </a:lnTo>
-                  <a:lnTo>
-                    <a:pt x="9353" y="8647"/>
-                  </a:lnTo>
-                  <a:lnTo>
-                    <a:pt x="9280" y="8330"/>
-                  </a:lnTo>
-                  <a:lnTo>
-                    <a:pt x="9231" y="8038"/>
-                  </a:lnTo>
-                  <a:lnTo>
-                    <a:pt x="9134" y="7746"/>
-                  </a:lnTo>
-                  <a:lnTo>
-                    <a:pt x="9036" y="7502"/>
-                  </a:lnTo>
-                  <a:lnTo>
-                    <a:pt x="8939" y="7259"/>
-                  </a:lnTo>
-                  <a:lnTo>
-                    <a:pt x="12130" y="4093"/>
-                  </a:lnTo>
-                </a:path>
-              </a:pathLst>
-            </a:custGeom>
-            <a:noFill/>
-            <a:ln w="12175" cap="rnd" cmpd="sng">
-              <a:solidFill>
-                <a:schemeClr val="lt1"/>
-              </a:solidFill>
-              <a:prstDash val="solid"/>
-              <a:round/>
-              <a:headEnd type="none" w="sm" len="sm"/>
-              <a:tailEnd type="none" w="sm" len="sm"/>
-            </a:ln>
-          </p:spPr>
-          <p:txBody>
-            <a:bodyPr spcFirstLastPara="1" wrap="square" lIns="91425" tIns="91425" rIns="91425" bIns="91425" anchor="ctr" anchorCtr="0">
-              <a:noAutofit/>
-            </a:bodyPr>
-            <a:lstStyle/>
-            <a:p>
-              <a:pPr marL="0" lvl="0" indent="0" algn="l" rtl="0">
-                <a:spcBef>
-                  <a:spcPts val="0"/>
-                </a:spcBef>
-                <a:spcAft>
-                  <a:spcPts val="0"/>
-                </a:spcAft>
-                <a:buNone/>
-              </a:pPr>
-              <a:endParaRPr/>
-            </a:p>
-          </p:txBody>
-        </p:sp>
-        <p:sp>
-          <p:nvSpPr>
-            <p:cNvPr id="255" name="Google Shape;255;p16"/>
-            <p:cNvSpPr/>
-            <p:nvPr/>
-          </p:nvSpPr>
-          <p:spPr>
-            <a:xfrm>
-              <a:off x="2801675" y="1740825"/>
-              <a:ext cx="49950" cy="49950"/>
-            </a:xfrm>
-            <a:custGeom>
-              <a:avLst/>
-              <a:gdLst/>
-              <a:ahLst/>
-              <a:cxnLst/>
-              <a:rect l="l" t="t" r="r" b="b"/>
-              <a:pathLst>
-                <a:path w="1998" h="1998" fill="none" extrusionOk="0">
-                  <a:moveTo>
-                    <a:pt x="1" y="1997"/>
-                  </a:moveTo>
-                  <a:lnTo>
-                    <a:pt x="1998" y="0"/>
-                  </a:lnTo>
-                </a:path>
-              </a:pathLst>
-            </a:custGeom>
-            <a:noFill/>
-            <a:ln w="12175" cap="rnd" cmpd="sng">
-              <a:solidFill>
-                <a:schemeClr val="lt1"/>
-              </a:solidFill>
-              <a:prstDash val="solid"/>
-              <a:round/>
-              <a:headEnd type="none" w="sm" len="sm"/>
-              <a:tailEnd type="none" w="sm" len="sm"/>
-            </a:ln>
-          </p:spPr>
-          <p:txBody>
-            <a:bodyPr spcFirstLastPara="1" wrap="square" lIns="91425" tIns="91425" rIns="91425" bIns="91425" anchor="ctr" anchorCtr="0">
-              <a:noAutofit/>
-            </a:bodyPr>
-            <a:lstStyle/>
-            <a:p>
-              <a:pPr marL="0" lvl="0" indent="0" algn="l" rtl="0">
-                <a:spcBef>
-                  <a:spcPts val="0"/>
-                </a:spcBef>
-                <a:spcAft>
-                  <a:spcPts val="0"/>
-                </a:spcAft>
-                <a:buNone/>
-              </a:pPr>
-              <a:endParaRPr/>
-            </a:p>
-          </p:txBody>
-        </p:sp>
-      </p:grpSp>
-      <p:grpSp>
-        <p:nvGrpSpPr>
-          <p:cNvPr id="3" name="Group 2">
-            <a:extLst>
-              <a:ext uri="{FF2B5EF4-FFF2-40B4-BE49-F238E27FC236}">
-                <a16:creationId xmlns:a16="http://schemas.microsoft.com/office/drawing/2014/main" id="{99831F0D-C8E2-B840-BC4A-D8C184DFA567}"/>
-              </a:ext>
-            </a:extLst>
-          </p:cNvPr>
-          <p:cNvGrpSpPr/>
-          <p:nvPr/>
-        </p:nvGrpSpPr>
-        <p:grpSpPr>
-          <a:xfrm>
-            <a:off x="7218250" y="126225"/>
-            <a:ext cx="980775" cy="562200"/>
-            <a:chOff x="7218250" y="126225"/>
-            <a:chExt cx="980775" cy="562200"/>
-          </a:xfrm>
-        </p:grpSpPr>
-        <p:sp>
-          <p:nvSpPr>
-            <p:cNvPr id="256" name="Google Shape;256;p16"/>
-            <p:cNvSpPr/>
-            <p:nvPr/>
-          </p:nvSpPr>
-          <p:spPr>
-            <a:xfrm>
-              <a:off x="7218250" y="126225"/>
-              <a:ext cx="562200" cy="562200"/>
-            </a:xfrm>
-            <a:prstGeom prst="diamond">
-              <a:avLst/>
-            </a:prstGeom>
-            <a:noFill/>
-            <a:ln w="76200" cap="flat" cmpd="sng">
-              <a:solidFill>
-                <a:schemeClr val="dk2"/>
-              </a:solidFill>
-              <a:prstDash val="solid"/>
-              <a:miter lim="8000"/>
-              <a:headEnd type="none" w="sm" len="sm"/>
-              <a:tailEnd type="none" w="sm" len="sm"/>
-            </a:ln>
-          </p:spPr>
-          <p:txBody>
-            <a:bodyPr spcFirstLastPara="1" wrap="square" lIns="91425" tIns="91425" rIns="91425" bIns="91425" anchor="ctr" anchorCtr="0">
-              <a:noAutofit/>
-            </a:bodyPr>
-            <a:lstStyle/>
-            <a:p>
-              <a:pPr marL="0" lvl="0" indent="0" algn="ctr" rtl="0">
-                <a:spcBef>
-                  <a:spcPts val="0"/>
-                </a:spcBef>
-                <a:spcAft>
-                  <a:spcPts val="0"/>
-                </a:spcAft>
-                <a:buNone/>
-              </a:pPr>
-              <a:endParaRPr>
-                <a:solidFill>
-                  <a:schemeClr val="dk2"/>
-                </a:solidFill>
-                <a:latin typeface="Roboto Condensed"/>
-                <a:ea typeface="Roboto Condensed"/>
-                <a:cs typeface="Roboto Condensed"/>
-                <a:sym typeface="Roboto Condensed"/>
-              </a:endParaRPr>
-            </a:p>
-          </p:txBody>
-        </p:sp>
-        <p:sp>
-          <p:nvSpPr>
-            <p:cNvPr id="259" name="Google Shape;259;p16"/>
-            <p:cNvSpPr/>
-            <p:nvPr/>
-          </p:nvSpPr>
-          <p:spPr>
-            <a:xfrm>
-              <a:off x="7636825" y="126225"/>
-              <a:ext cx="562200" cy="562200"/>
-            </a:xfrm>
-            <a:prstGeom prst="diamond">
-              <a:avLst/>
-            </a:prstGeom>
-            <a:solidFill>
-              <a:schemeClr val="lt1"/>
-            </a:solidFill>
-            <a:ln w="76200" cap="flat" cmpd="sng">
-              <a:solidFill>
-                <a:schemeClr val="accent5"/>
-              </a:solidFill>
-              <a:prstDash val="solid"/>
-              <a:miter lim="8000"/>
-              <a:headEnd type="none" w="sm" len="sm"/>
-              <a:tailEnd type="none" w="sm" len="sm"/>
-            </a:ln>
-          </p:spPr>
-          <p:txBody>
-            <a:bodyPr spcFirstLastPara="1" wrap="square" lIns="91425" tIns="91425" rIns="91425" bIns="91425" anchor="ctr" anchorCtr="0">
-              <a:noAutofit/>
-            </a:bodyPr>
-            <a:lstStyle/>
-            <a:p>
-              <a:pPr marL="0" lvl="0" indent="0" algn="ctr" rtl="0">
-                <a:spcBef>
-                  <a:spcPts val="0"/>
-                </a:spcBef>
-                <a:spcAft>
-                  <a:spcPts val="0"/>
-                </a:spcAft>
-                <a:buNone/>
-              </a:pPr>
-              <a:endParaRPr>
-                <a:solidFill>
-                  <a:schemeClr val="dk2"/>
-                </a:solidFill>
-                <a:latin typeface="Roboto Condensed"/>
-                <a:ea typeface="Roboto Condensed"/>
-                <a:cs typeface="Roboto Condensed"/>
-                <a:sym typeface="Roboto Condensed"/>
-              </a:endParaRPr>
-            </a:p>
-          </p:txBody>
-        </p:sp>
-      </p:grpSp>
-      <p:sp>
-        <p:nvSpPr>
-          <p:cNvPr id="260" name="Google Shape;260;p16"/>
-          <p:cNvSpPr txBox="1"/>
-          <p:nvPr/>
-        </p:nvSpPr>
-        <p:spPr>
-          <a:xfrm>
-            <a:off x="7732400" y="48200"/>
-            <a:ext cx="391800" cy="654600"/>
-          </a:xfrm>
-          <a:prstGeom prst="rect">
-            <a:avLst/>
-          </a:prstGeom>
-          <a:noFill/>
-          <a:ln>
-            <a:noFill/>
-          </a:ln>
-        </p:spPr>
-        <p:txBody>
-          <a:bodyPr spcFirstLastPara="1" wrap="square" lIns="91425" tIns="91425" rIns="91425" bIns="91425" anchor="b" anchorCtr="0">
-            <a:noAutofit/>
-          </a:bodyPr>
-          <a:lstStyle/>
-          <a:p>
-            <a:pPr marL="0" lvl="0" indent="0" algn="l" rtl="0">
-              <a:spcBef>
-                <a:spcPts val="0"/>
-              </a:spcBef>
-              <a:spcAft>
-                <a:spcPts val="0"/>
-              </a:spcAft>
-              <a:buNone/>
-            </a:pPr>
-            <a:r>
-              <a:rPr lang="en" sz="2600" b="1" dirty="0">
-                <a:solidFill>
-                  <a:schemeClr val="accent5"/>
-                </a:solidFill>
-                <a:latin typeface="Roboto Condensed"/>
-                <a:ea typeface="Roboto Condensed"/>
-                <a:cs typeface="Roboto Condensed"/>
-                <a:sym typeface="Roboto Condensed"/>
-              </a:rPr>
-              <a:t>2</a:t>
-            </a:r>
-            <a:endParaRPr sz="2600" b="1" dirty="0">
-              <a:solidFill>
-                <a:schemeClr val="accent5"/>
-              </a:solidFill>
-              <a:latin typeface="Roboto Condensed"/>
-              <a:ea typeface="Roboto Condensed"/>
-              <a:cs typeface="Roboto Condensed"/>
-              <a:sym typeface="Roboto Condensed"/>
-            </a:endParaRPr>
-          </a:p>
-        </p:txBody>
-      </p:sp>
-      <mc:AlternateContent xmlns:mc="http://schemas.openxmlformats.org/markup-compatibility/2006" xmlns:a14="http://schemas.microsoft.com/office/drawing/2010/main">
-        <mc:Choice Requires="a14">
-          <p:sp>
-            <p:nvSpPr>
-              <p:cNvPr id="16" name="Text Placeholder 1">
-                <a:extLst>
-                  <a:ext uri="{FF2B5EF4-FFF2-40B4-BE49-F238E27FC236}">
-                    <a16:creationId xmlns:a16="http://schemas.microsoft.com/office/drawing/2014/main" id="{7A3E02D0-9828-E846-BAE7-FE597ACF5892}"/>
-                  </a:ext>
-                </a:extLst>
-              </p:cNvPr>
-              <p:cNvSpPr txBox="1">
-                <a:spLocks/>
-              </p:cNvSpPr>
-              <p:nvPr/>
-            </p:nvSpPr>
-            <p:spPr>
-              <a:xfrm>
-                <a:off x="4529673" y="1729387"/>
-                <a:ext cx="3639509" cy="3217457"/>
-              </a:xfrm>
-              <a:prstGeom prst="rect">
-                <a:avLst/>
-              </a:prstGeom>
-              <a:noFill/>
-              <a:ln>
-                <a:noFill/>
-              </a:ln>
-            </p:spPr>
-            <p:txBody>
-              <a:bodyPr spcFirstLastPara="1" wrap="square" lIns="91425" tIns="91425" rIns="91425" bIns="91425" anchor="t" anchorCtr="0">
-                <a:noAutofit/>
-              </a:bodyPr>
-              <a:lstStyle>
-                <a:defPPr marR="0" lvl="0" algn="l" rtl="0">
-                  <a:lnSpc>
-                    <a:spcPct val="100000"/>
-                  </a:lnSpc>
-                  <a:spcBef>
-                    <a:spcPts val="0"/>
-                  </a:spcBef>
-                  <a:spcAft>
-                    <a:spcPts val="0"/>
-                  </a:spcAft>
-                </a:defPPr>
-                <a:lvl1pPr marL="457200" marR="0" lvl="0" indent="-381000" algn="l" rtl="0">
-                  <a:lnSpc>
-                    <a:spcPct val="100000"/>
-                  </a:lnSpc>
-                  <a:spcBef>
-                    <a:spcPts val="600"/>
-                  </a:spcBef>
-                  <a:spcAft>
-                    <a:spcPts val="0"/>
-                  </a:spcAft>
-                  <a:buClr>
-                    <a:schemeClr val="accent4"/>
-                  </a:buClr>
-                  <a:buSzPts val="2400"/>
-                  <a:buFont typeface="Roboto Condensed Light"/>
-                  <a:buChar char="▰"/>
-                  <a:defRPr sz="2400" b="0" i="0" u="none" strike="noStrike" cap="none">
-                    <a:solidFill>
-                      <a:schemeClr val="dk1"/>
-                    </a:solidFill>
-                    <a:latin typeface="Roboto Condensed Light"/>
-                    <a:ea typeface="Roboto Condensed Light"/>
-                    <a:cs typeface="Roboto Condensed Light"/>
-                    <a:sym typeface="Roboto Condensed Light"/>
-                  </a:defRPr>
-                </a:lvl1pPr>
-                <a:lvl2pPr marL="914400" marR="0" lvl="1" indent="-381000" algn="l" rtl="0">
-                  <a:lnSpc>
-                    <a:spcPct val="100000"/>
-                  </a:lnSpc>
-                  <a:spcBef>
-                    <a:spcPts val="1000"/>
-                  </a:spcBef>
-                  <a:spcAft>
-                    <a:spcPts val="0"/>
-                  </a:spcAft>
-                  <a:buClr>
-                    <a:schemeClr val="accent4"/>
-                  </a:buClr>
-                  <a:buSzPts val="2400"/>
-                  <a:buFont typeface="Roboto Condensed Light"/>
-                  <a:buChar char="▻"/>
-                  <a:defRPr sz="2400" b="0" i="0" u="none" strike="noStrike" cap="none">
-                    <a:solidFill>
-                      <a:schemeClr val="dk1"/>
-                    </a:solidFill>
-                    <a:latin typeface="Roboto Condensed Light"/>
-                    <a:ea typeface="Roboto Condensed Light"/>
-                    <a:cs typeface="Roboto Condensed Light"/>
-                    <a:sym typeface="Roboto Condensed Light"/>
-                  </a:defRPr>
-                </a:lvl2pPr>
-                <a:lvl3pPr marL="1371600" marR="0" lvl="2" indent="-381000" algn="l" rtl="0">
-                  <a:lnSpc>
-                    <a:spcPct val="100000"/>
-                  </a:lnSpc>
-                  <a:spcBef>
-                    <a:spcPts val="1000"/>
-                  </a:spcBef>
-                  <a:spcAft>
-                    <a:spcPts val="0"/>
-                  </a:spcAft>
-                  <a:buClr>
-                    <a:schemeClr val="accent4"/>
-                  </a:buClr>
-                  <a:buSzPts val="2400"/>
-                  <a:buFont typeface="Roboto Condensed Light"/>
-                  <a:buChar char="▻"/>
-                  <a:defRPr sz="2400" b="0" i="0" u="none" strike="noStrike" cap="none">
-                    <a:solidFill>
-                      <a:schemeClr val="dk1"/>
-                    </a:solidFill>
-                    <a:latin typeface="Roboto Condensed Light"/>
-                    <a:ea typeface="Roboto Condensed Light"/>
-                    <a:cs typeface="Roboto Condensed Light"/>
-                    <a:sym typeface="Roboto Condensed Light"/>
-                  </a:defRPr>
-                </a:lvl3pPr>
-                <a:lvl4pPr marL="1828800" marR="0" lvl="3" indent="-381000" algn="l" rtl="0">
-                  <a:lnSpc>
-                    <a:spcPct val="100000"/>
-                  </a:lnSpc>
-                  <a:spcBef>
-                    <a:spcPts val="1000"/>
-                  </a:spcBef>
-                  <a:spcAft>
-                    <a:spcPts val="0"/>
-                  </a:spcAft>
-                  <a:buClr>
-                    <a:schemeClr val="accent4"/>
-                  </a:buClr>
-                  <a:buSzPts val="2400"/>
-                  <a:buFont typeface="Roboto Condensed Light"/>
-                  <a:buChar char="▻"/>
-                  <a:defRPr sz="2400" b="0" i="0" u="none" strike="noStrike" cap="none">
-                    <a:solidFill>
-                      <a:schemeClr val="dk1"/>
-                    </a:solidFill>
-                    <a:latin typeface="Roboto Condensed Light"/>
-                    <a:ea typeface="Roboto Condensed Light"/>
-                    <a:cs typeface="Roboto Condensed Light"/>
-                    <a:sym typeface="Roboto Condensed Light"/>
-                  </a:defRPr>
-                </a:lvl4pPr>
-                <a:lvl5pPr marL="2286000" marR="0" lvl="4" indent="-381000" algn="l" rtl="0">
-                  <a:lnSpc>
-                    <a:spcPct val="100000"/>
-                  </a:lnSpc>
-                  <a:spcBef>
-                    <a:spcPts val="1000"/>
-                  </a:spcBef>
-                  <a:spcAft>
-                    <a:spcPts val="0"/>
-                  </a:spcAft>
-                  <a:buClr>
-                    <a:schemeClr val="accent4"/>
-                  </a:buClr>
-                  <a:buSzPts val="2400"/>
-                  <a:buFont typeface="Roboto Condensed Light"/>
-                  <a:buChar char="▻"/>
-                  <a:defRPr sz="2400" b="0" i="0" u="none" strike="noStrike" cap="none">
-                    <a:solidFill>
-                      <a:schemeClr val="dk1"/>
-                    </a:solidFill>
-                    <a:latin typeface="Roboto Condensed Light"/>
-                    <a:ea typeface="Roboto Condensed Light"/>
-                    <a:cs typeface="Roboto Condensed Light"/>
-                    <a:sym typeface="Roboto Condensed Light"/>
-                  </a:defRPr>
-                </a:lvl5pPr>
-                <a:lvl6pPr marL="2743200" marR="0" lvl="5" indent="-381000" algn="l" rtl="0">
-                  <a:lnSpc>
-                    <a:spcPct val="100000"/>
-                  </a:lnSpc>
-                  <a:spcBef>
-                    <a:spcPts val="1000"/>
-                  </a:spcBef>
-                  <a:spcAft>
-                    <a:spcPts val="0"/>
-                  </a:spcAft>
-                  <a:buClr>
-                    <a:schemeClr val="accent4"/>
-                  </a:buClr>
-                  <a:buSzPts val="2400"/>
-                  <a:buFont typeface="Roboto Condensed Light"/>
-                  <a:buChar char="▻"/>
-                  <a:defRPr sz="2400" b="0" i="0" u="none" strike="noStrike" cap="none">
-                    <a:solidFill>
-                      <a:schemeClr val="dk1"/>
-                    </a:solidFill>
-                    <a:latin typeface="Roboto Condensed Light"/>
-                    <a:ea typeface="Roboto Condensed Light"/>
-                    <a:cs typeface="Roboto Condensed Light"/>
-                    <a:sym typeface="Roboto Condensed Light"/>
-                  </a:defRPr>
-                </a:lvl6pPr>
-                <a:lvl7pPr marL="3200400" marR="0" lvl="6" indent="-381000" algn="l" rtl="0">
-                  <a:lnSpc>
-                    <a:spcPct val="100000"/>
-                  </a:lnSpc>
-                  <a:spcBef>
-                    <a:spcPts val="1000"/>
-                  </a:spcBef>
-                  <a:spcAft>
-                    <a:spcPts val="0"/>
-                  </a:spcAft>
-                  <a:buClr>
-                    <a:schemeClr val="accent4"/>
-                  </a:buClr>
-                  <a:buSzPts val="2400"/>
-                  <a:buFont typeface="Roboto Condensed Light"/>
-                  <a:buChar char="▻"/>
-                  <a:defRPr sz="2400" b="0" i="0" u="none" strike="noStrike" cap="none">
-                    <a:solidFill>
-                      <a:schemeClr val="dk1"/>
-                    </a:solidFill>
-                    <a:latin typeface="Roboto Condensed Light"/>
-                    <a:ea typeface="Roboto Condensed Light"/>
-                    <a:cs typeface="Roboto Condensed Light"/>
-                    <a:sym typeface="Roboto Condensed Light"/>
-                  </a:defRPr>
-                </a:lvl7pPr>
-                <a:lvl8pPr marL="3657600" marR="0" lvl="7" indent="-381000" algn="l" rtl="0">
-                  <a:lnSpc>
-                    <a:spcPct val="100000"/>
-                  </a:lnSpc>
-                  <a:spcBef>
-                    <a:spcPts val="1000"/>
-                  </a:spcBef>
-                  <a:spcAft>
-                    <a:spcPts val="0"/>
-                  </a:spcAft>
-                  <a:buClr>
-                    <a:schemeClr val="accent4"/>
-                  </a:buClr>
-                  <a:buSzPts val="2400"/>
-                  <a:buFont typeface="Roboto Condensed Light"/>
-                  <a:buChar char="▻"/>
-                  <a:defRPr sz="2400" b="0" i="0" u="none" strike="noStrike" cap="none">
-                    <a:solidFill>
-                      <a:schemeClr val="dk1"/>
-                    </a:solidFill>
-                    <a:latin typeface="Roboto Condensed Light"/>
-                    <a:ea typeface="Roboto Condensed Light"/>
-                    <a:cs typeface="Roboto Condensed Light"/>
-                    <a:sym typeface="Roboto Condensed Light"/>
-                  </a:defRPr>
-                </a:lvl8pPr>
-                <a:lvl9pPr marL="4114800" marR="0" lvl="8" indent="-381000" algn="l" rtl="0">
-                  <a:lnSpc>
-                    <a:spcPct val="100000"/>
-                  </a:lnSpc>
-                  <a:spcBef>
-                    <a:spcPts val="1000"/>
-                  </a:spcBef>
-                  <a:spcAft>
-                    <a:spcPts val="1000"/>
-                  </a:spcAft>
-                  <a:buClr>
-                    <a:schemeClr val="accent4"/>
-                  </a:buClr>
-                  <a:buSzPts val="2400"/>
-                  <a:buFont typeface="Roboto Condensed Light"/>
-                  <a:buChar char="▻"/>
-                  <a:defRPr sz="2400" b="0" i="0" u="none" strike="noStrike" cap="none">
-                    <a:solidFill>
-                      <a:schemeClr val="dk1"/>
-                    </a:solidFill>
-                    <a:latin typeface="Roboto Condensed Light"/>
-                    <a:ea typeface="Roboto Condensed Light"/>
-                    <a:cs typeface="Roboto Condensed Light"/>
-                    <a:sym typeface="Roboto Condensed Light"/>
-                  </a:defRPr>
-                </a:lvl9pPr>
-              </a:lstStyle>
-              <a:p>
-                <a:r>
-                  <a:rPr lang="en-US" dirty="0"/>
-                  <a:t>Odds against event A</a:t>
-                </a:r>
-              </a:p>
-              <a:p>
-                <a:pPr lvl="1"/>
-                <a:r>
-                  <a:rPr lang="en-US" dirty="0"/>
-                  <a:t>“Odds against”</a:t>
-                </a:r>
-              </a:p>
-              <a:p>
-                <a:pPr marL="7938" lvl="1" indent="0">
-                  <a:buNone/>
-                </a:pPr>
-                <a:endParaRPr lang="en-US" dirty="0"/>
-              </a:p>
-              <a:p>
-                <a:pPr marL="7938" lvl="1" indent="0">
-                  <a:buNone/>
-                </a:pPr>
-                <a14:m>
-                  <m:oMathPara xmlns:m="http://schemas.openxmlformats.org/officeDocument/2006/math">
-                    <m:oMathParaPr>
-                      <m:jc m:val="centerGroup"/>
-                    </m:oMathParaPr>
-                    <m:oMath xmlns:m="http://schemas.openxmlformats.org/officeDocument/2006/math">
-                      <m:r>
-                        <a:rPr lang="en-US" sz="1800" b="0" i="1" smtClean="0">
-                          <a:latin typeface="Cambria Math" panose="02040503050406030204" pitchFamily="18" charset="0"/>
-                        </a:rPr>
-                        <m:t>𝑂𝑑𝑑𝑠</m:t>
-                      </m:r>
-                      <m:r>
-                        <a:rPr lang="en-US" sz="1800" b="0" i="1" smtClean="0">
-                          <a:latin typeface="Cambria Math" panose="02040503050406030204" pitchFamily="18" charset="0"/>
-                        </a:rPr>
-                        <m:t>=</m:t>
-                      </m:r>
-                      <m:f>
-                        <m:fPr>
-                          <m:ctrlPr>
-                            <a:rPr lang="en-US" sz="1800" b="0" i="1" smtClean="0">
-                              <a:latin typeface="Cambria Math" panose="02040503050406030204" pitchFamily="18" charset="0"/>
-                            </a:rPr>
-                          </m:ctrlPr>
-                        </m:fPr>
-                        <m:num>
-                          <m:r>
-                            <a:rPr lang="en-US" sz="1800" b="0" i="1" smtClean="0">
-                              <a:latin typeface="Cambria Math" panose="02040503050406030204" pitchFamily="18" charset="0"/>
-                            </a:rPr>
-                            <m:t>𝑃</m:t>
-                          </m:r>
-                          <m:r>
-                            <a:rPr lang="en-US" sz="1800" b="0" i="1" smtClean="0">
-                              <a:latin typeface="Cambria Math" panose="02040503050406030204" pitchFamily="18" charset="0"/>
-                            </a:rPr>
-                            <m:t>(</m:t>
-                          </m:r>
-                          <m:sSup>
-                            <m:sSupPr>
-                              <m:ctrlPr>
-                                <a:rPr lang="en-US" sz="1800" b="0" i="1" smtClean="0">
-                                  <a:latin typeface="Cambria Math" panose="02040503050406030204" pitchFamily="18" charset="0"/>
-                                </a:rPr>
-                              </m:ctrlPr>
-                            </m:sSupPr>
-                            <m:e>
-                              <m:r>
-                                <a:rPr lang="en-US" sz="1800" b="0" i="1" smtClean="0">
-                                  <a:latin typeface="Cambria Math" panose="02040503050406030204" pitchFamily="18" charset="0"/>
-                                </a:rPr>
-                                <m:t>𝐴</m:t>
-                              </m:r>
-                            </m:e>
-                            <m:sup>
-                              <m:r>
-                                <a:rPr lang="en-US" sz="1800" b="0" i="1" smtClean="0">
-                                  <a:latin typeface="Cambria Math" panose="02040503050406030204" pitchFamily="18" charset="0"/>
-                                </a:rPr>
-                                <m:t>𝐶</m:t>
-                              </m:r>
-                            </m:sup>
-                          </m:sSup>
-                          <m:r>
-                            <a:rPr lang="en-US" sz="1800" b="0" i="1" smtClean="0">
-                              <a:latin typeface="Cambria Math" panose="02040503050406030204" pitchFamily="18" charset="0"/>
-                            </a:rPr>
-                            <m:t>)</m:t>
-                          </m:r>
-                        </m:num>
-                        <m:den>
-                          <m:r>
-                            <a:rPr lang="en-US" sz="1800" b="0" i="1" smtClean="0">
-                              <a:latin typeface="Cambria Math" panose="02040503050406030204" pitchFamily="18" charset="0"/>
-                            </a:rPr>
-                            <m:t>𝑃</m:t>
-                          </m:r>
-                          <m:r>
-                            <a:rPr lang="en-US" sz="1800" b="0" i="1" smtClean="0">
-                              <a:latin typeface="Cambria Math" panose="02040503050406030204" pitchFamily="18" charset="0"/>
-                            </a:rPr>
-                            <m:t>(</m:t>
-                          </m:r>
-                          <m:r>
-                            <a:rPr lang="en-US" sz="1800" b="0" i="1" smtClean="0">
-                              <a:latin typeface="Cambria Math" panose="02040503050406030204" pitchFamily="18" charset="0"/>
-                            </a:rPr>
-                            <m:t>𝐴</m:t>
-                          </m:r>
-                          <m:r>
-                            <a:rPr lang="en-US" sz="1800" b="0" i="1" smtClean="0">
-                              <a:latin typeface="Cambria Math" panose="02040503050406030204" pitchFamily="18" charset="0"/>
-                            </a:rPr>
-                            <m:t>)</m:t>
-                          </m:r>
-                        </m:den>
-                      </m:f>
-                      <m:r>
-                        <a:rPr lang="en-US" sz="1800" b="0" i="1" smtClean="0">
-                          <a:latin typeface="Cambria Math" panose="02040503050406030204" pitchFamily="18" charset="0"/>
-                        </a:rPr>
-                        <m:t>=</m:t>
-                      </m:r>
-                    </m:oMath>
-                  </m:oMathPara>
-                </a14:m>
-                <a:endParaRPr lang="en-US" dirty="0"/>
-              </a:p>
-            </p:txBody>
-          </p:sp>
-        </mc:Choice>
-        <mc:Fallback xmlns="">
-          <p:sp>
-            <p:nvSpPr>
-              <p:cNvPr id="16" name="Text Placeholder 1">
-                <a:extLst>
-                  <a:ext uri="{FF2B5EF4-FFF2-40B4-BE49-F238E27FC236}">
-                    <a16:creationId xmlns:a16="http://schemas.microsoft.com/office/drawing/2014/main" id="{7A3E02D0-9828-E846-BAE7-FE597ACF5892}"/>
-                  </a:ext>
-                </a:extLst>
-              </p:cNvPr>
-              <p:cNvSpPr txBox="1">
-                <a:spLocks noRot="1" noChangeAspect="1" noMove="1" noResize="1" noEditPoints="1" noAdjustHandles="1" noChangeArrowheads="1" noChangeShapeType="1" noTextEdit="1"/>
-              </p:cNvSpPr>
-              <p:nvPr/>
-            </p:nvSpPr>
-            <p:spPr>
-              <a:xfrm>
-                <a:off x="4529673" y="1729387"/>
-                <a:ext cx="3639509" cy="3217457"/>
-              </a:xfrm>
-              <a:prstGeom prst="rect">
-                <a:avLst/>
-              </a:prstGeom>
-              <a:blipFill>
-                <a:blip r:embed="rId4"/>
-                <a:stretch>
-                  <a:fillRect l="-1042"/>
-                </a:stretch>
-              </a:blipFill>
-              <a:ln>
-                <a:noFill/>
-              </a:ln>
-            </p:spPr>
-            <p:txBody>
-              <a:bodyPr/>
-              <a:lstStyle/>
-              <a:p>
-                <a:r>
-                  <a:rPr lang="en-US">
-                    <a:noFill/>
-                  </a:rPr>
-                  <a:t> </a:t>
-                </a:r>
-              </a:p>
-            </p:txBody>
-          </p:sp>
-        </mc:Fallback>
-      </mc:AlternateContent>
-      <mc:AlternateContent xmlns:mc="http://schemas.openxmlformats.org/markup-compatibility/2006" xmlns:a14="http://schemas.microsoft.com/office/drawing/2010/main">
-        <mc:Choice Requires="a14">
-          <p:sp>
-            <p:nvSpPr>
-              <p:cNvPr id="5" name="TextBox 4">
-                <a:extLst>
-                  <a:ext uri="{FF2B5EF4-FFF2-40B4-BE49-F238E27FC236}">
-                    <a16:creationId xmlns:a16="http://schemas.microsoft.com/office/drawing/2014/main" id="{56197DF9-980A-D22D-062D-4A1DAD9F30CC}"/>
-                  </a:ext>
-                </a:extLst>
-              </p:cNvPr>
-              <p:cNvSpPr txBox="1"/>
-              <p:nvPr/>
-            </p:nvSpPr>
-            <p:spPr>
-              <a:xfrm>
-                <a:off x="3202933" y="3172856"/>
-                <a:ext cx="1170542" cy="669094"/>
-              </a:xfrm>
-              <a:prstGeom prst="rect">
-                <a:avLst/>
-              </a:prstGeom>
-              <a:noFill/>
-            </p:spPr>
-            <p:txBody>
-              <a:bodyPr wrap="square">
-                <a:spAutoFit/>
-              </a:bodyPr>
-              <a:lstStyle/>
-              <a:p>
-                <a:pPr/>
-                <a14:m>
-                  <m:oMathPara xmlns:m="http://schemas.openxmlformats.org/officeDocument/2006/math">
-                    <m:oMathParaPr>
-                      <m:jc m:val="centerGroup"/>
-                    </m:oMathParaPr>
-                    <m:oMath xmlns:m="http://schemas.openxmlformats.org/officeDocument/2006/math">
-                      <m:f>
-                        <m:fPr>
-                          <m:ctrlPr>
-                            <a:rPr lang="en-US" sz="1800" b="0" i="1" smtClean="0">
-                              <a:latin typeface="Cambria Math" panose="02040503050406030204" pitchFamily="18" charset="0"/>
-                            </a:rPr>
-                          </m:ctrlPr>
-                        </m:fPr>
-                        <m:num>
-                          <m:r>
-                            <a:rPr lang="en-US" sz="1800" b="0" i="1" smtClean="0">
-                              <a:latin typeface="Cambria Math" panose="02040503050406030204" pitchFamily="18" charset="0"/>
-                            </a:rPr>
-                            <m:t>𝑃</m:t>
-                          </m:r>
-                          <m:r>
-                            <a:rPr lang="en-US" sz="1800" b="0" i="1" smtClean="0">
-                              <a:latin typeface="Cambria Math" panose="02040503050406030204" pitchFamily="18" charset="0"/>
-                            </a:rPr>
-                            <m:t>(</m:t>
-                          </m:r>
-                          <m:r>
-                            <a:rPr lang="en-US" sz="1800" b="0" i="1" smtClean="0">
-                              <a:latin typeface="Cambria Math" panose="02040503050406030204" pitchFamily="18" charset="0"/>
-                            </a:rPr>
-                            <m:t>𝑊𝑖𝑛</m:t>
-                          </m:r>
-                          <m:r>
-                            <a:rPr lang="en-US" sz="1800" b="0" i="1" smtClean="0">
-                              <a:latin typeface="Cambria Math" panose="02040503050406030204" pitchFamily="18" charset="0"/>
-                            </a:rPr>
-                            <m:t>)</m:t>
-                          </m:r>
-                        </m:num>
-                        <m:den>
-                          <m:r>
-                            <a:rPr lang="en-US" sz="1800" b="0" i="1" smtClean="0">
-                              <a:latin typeface="Cambria Math" panose="02040503050406030204" pitchFamily="18" charset="0"/>
-                            </a:rPr>
-                            <m:t>𝑃</m:t>
-                          </m:r>
-                          <m:r>
-                            <a:rPr lang="en-US" sz="1800" b="0" i="1" smtClean="0">
-                              <a:latin typeface="Cambria Math" panose="02040503050406030204" pitchFamily="18" charset="0"/>
-                            </a:rPr>
-                            <m:t>(</m:t>
-                          </m:r>
-                          <m:r>
-                            <a:rPr lang="en-US" sz="1800" b="0" i="1" smtClean="0">
-                              <a:latin typeface="Cambria Math" panose="02040503050406030204" pitchFamily="18" charset="0"/>
-                            </a:rPr>
-                            <m:t>𝐿𝑜𝑠𝑒</m:t>
-                          </m:r>
-                          <m:r>
-                            <a:rPr lang="en-US" sz="1800" b="0" i="1" smtClean="0">
-                              <a:latin typeface="Cambria Math" panose="02040503050406030204" pitchFamily="18" charset="0"/>
-                            </a:rPr>
-                            <m:t>)</m:t>
-                          </m:r>
-                        </m:den>
-                      </m:f>
-                    </m:oMath>
-                  </m:oMathPara>
-                </a14:m>
-                <a:endParaRPr lang="en-US" sz="1600" dirty="0"/>
-              </a:p>
-            </p:txBody>
-          </p:sp>
-        </mc:Choice>
-        <mc:Fallback xmlns="">
-          <p:sp>
-            <p:nvSpPr>
-              <p:cNvPr id="5" name="TextBox 4">
-                <a:extLst>
-                  <a:ext uri="{FF2B5EF4-FFF2-40B4-BE49-F238E27FC236}">
-                    <a16:creationId xmlns:a16="http://schemas.microsoft.com/office/drawing/2014/main" id="{56197DF9-980A-D22D-062D-4A1DAD9F30CC}"/>
-                  </a:ext>
-                </a:extLst>
-              </p:cNvPr>
-              <p:cNvSpPr txBox="1">
-                <a:spLocks noRot="1" noChangeAspect="1" noMove="1" noResize="1" noEditPoints="1" noAdjustHandles="1" noChangeArrowheads="1" noChangeShapeType="1" noTextEdit="1"/>
-              </p:cNvSpPr>
-              <p:nvPr/>
-            </p:nvSpPr>
-            <p:spPr>
-              <a:xfrm>
-                <a:off x="3202933" y="3172856"/>
-                <a:ext cx="1170542" cy="669094"/>
-              </a:xfrm>
-              <a:prstGeom prst="rect">
-                <a:avLst/>
-              </a:prstGeom>
-              <a:blipFill>
-                <a:blip r:embed="rId5"/>
-                <a:stretch>
-                  <a:fillRect b="-9259"/>
-                </a:stretch>
-              </a:blipFill>
-            </p:spPr>
-            <p:txBody>
-              <a:bodyPr/>
-              <a:lstStyle/>
-              <a:p>
-                <a:r>
-                  <a:rPr lang="en-US">
-                    <a:noFill/>
-                  </a:rPr>
-                  <a:t> </a:t>
-                </a:r>
-              </a:p>
-            </p:txBody>
-          </p:sp>
-        </mc:Fallback>
-      </mc:AlternateContent>
-      <mc:AlternateContent xmlns:mc="http://schemas.openxmlformats.org/markup-compatibility/2006" xmlns:a14="http://schemas.microsoft.com/office/drawing/2010/main">
-        <mc:Choice Requires="a14">
-          <p:sp>
-            <p:nvSpPr>
-              <p:cNvPr id="7" name="TextBox 6">
-                <a:extLst>
-                  <a:ext uri="{FF2B5EF4-FFF2-40B4-BE49-F238E27FC236}">
-                    <a16:creationId xmlns:a16="http://schemas.microsoft.com/office/drawing/2014/main" id="{79877435-3F67-1FB7-CBA6-EFD82EDDD953}"/>
-                  </a:ext>
-                </a:extLst>
-              </p:cNvPr>
-              <p:cNvSpPr txBox="1"/>
-              <p:nvPr/>
-            </p:nvSpPr>
-            <p:spPr>
-              <a:xfrm>
-                <a:off x="6932231" y="3260991"/>
-                <a:ext cx="1685368" cy="669094"/>
-              </a:xfrm>
-              <a:prstGeom prst="rect">
-                <a:avLst/>
-              </a:prstGeom>
-              <a:noFill/>
-            </p:spPr>
-            <p:txBody>
-              <a:bodyPr wrap="square">
-                <a:spAutoFit/>
-              </a:bodyPr>
-              <a:lstStyle/>
-              <a:p>
-                <a:pPr marL="7938" lvl="1" indent="0">
-                  <a:buNone/>
-                </a:pPr>
-                <a14:m>
-                  <m:oMathPara xmlns:m="http://schemas.openxmlformats.org/officeDocument/2006/math">
-                    <m:oMathParaPr>
-                      <m:jc m:val="centerGroup"/>
-                    </m:oMathParaPr>
-                    <m:oMath xmlns:m="http://schemas.openxmlformats.org/officeDocument/2006/math">
-                      <m:f>
-                        <m:fPr>
-                          <m:ctrlPr>
-                            <a:rPr lang="en-US" sz="1800" b="0" i="1" smtClean="0">
-                              <a:latin typeface="Cambria Math" panose="02040503050406030204" pitchFamily="18" charset="0"/>
-                            </a:rPr>
-                          </m:ctrlPr>
-                        </m:fPr>
-                        <m:num>
-                          <m:r>
-                            <a:rPr lang="en-US" sz="1800" b="0" i="1" smtClean="0">
-                              <a:latin typeface="Cambria Math" panose="02040503050406030204" pitchFamily="18" charset="0"/>
-                            </a:rPr>
-                            <m:t>𝑃</m:t>
-                          </m:r>
-                          <m:r>
-                            <a:rPr lang="en-US" sz="1800" b="0" i="1" smtClean="0">
-                              <a:latin typeface="Cambria Math" panose="02040503050406030204" pitchFamily="18" charset="0"/>
-                            </a:rPr>
-                            <m:t>(</m:t>
-                          </m:r>
-                          <m:r>
-                            <a:rPr lang="en-US" sz="1800" b="0" i="1" smtClean="0">
-                              <a:latin typeface="Cambria Math" panose="02040503050406030204" pitchFamily="18" charset="0"/>
-                            </a:rPr>
-                            <m:t>𝐿𝑜𝑠𝑒</m:t>
-                          </m:r>
-                          <m:r>
-                            <a:rPr lang="en-US" sz="1800" b="0" i="1" smtClean="0">
-                              <a:latin typeface="Cambria Math" panose="02040503050406030204" pitchFamily="18" charset="0"/>
-                            </a:rPr>
-                            <m:t>)</m:t>
-                          </m:r>
-                        </m:num>
-                        <m:den>
-                          <m:r>
-                            <a:rPr lang="en-US" sz="1800" b="0" i="1" smtClean="0">
-                              <a:latin typeface="Cambria Math" panose="02040503050406030204" pitchFamily="18" charset="0"/>
-                            </a:rPr>
-                            <m:t>𝑃</m:t>
-                          </m:r>
-                          <m:r>
-                            <a:rPr lang="en-US" sz="1800" b="0" i="1" smtClean="0">
-                              <a:latin typeface="Cambria Math" panose="02040503050406030204" pitchFamily="18" charset="0"/>
-                            </a:rPr>
-                            <m:t>(</m:t>
-                          </m:r>
-                          <m:r>
-                            <a:rPr lang="en-US" sz="1800" b="0" i="1" smtClean="0">
-                              <a:latin typeface="Cambria Math" panose="02040503050406030204" pitchFamily="18" charset="0"/>
-                            </a:rPr>
-                            <m:t>𝑊𝑖𝑛</m:t>
-                          </m:r>
-                          <m:r>
-                            <a:rPr lang="en-US" sz="1800" b="0" i="1" smtClean="0">
-                              <a:latin typeface="Cambria Math" panose="02040503050406030204" pitchFamily="18" charset="0"/>
-                            </a:rPr>
-                            <m:t>)</m:t>
-                          </m:r>
-                        </m:den>
-                      </m:f>
                     </m:oMath>
                   </m:oMathPara>
                 </a14:m>
@@ -20038,33 +19256,33 @@
             </p:txBody>
           </p:sp>
         </mc:Choice>
-        <mc:Fallback xmlns="">
+        <mc:Fallback>
           <p:sp>
             <p:nvSpPr>
-              <p:cNvPr id="7" name="TextBox 6">
+              <p:cNvPr id="5" name="Alternate Process 4">
                 <a:extLst>
                   <a:ext uri="{FF2B5EF4-FFF2-40B4-BE49-F238E27FC236}">
-                    <a16:creationId xmlns:a16="http://schemas.microsoft.com/office/drawing/2014/main" id="{79877435-3F67-1FB7-CBA6-EFD82EDDD953}"/>
+                    <a16:creationId xmlns:a16="http://schemas.microsoft.com/office/drawing/2014/main" id="{ED891DFF-FF1F-E88A-46DB-399304A1A620}"/>
                   </a:ext>
                 </a:extLst>
               </p:cNvPr>
-              <p:cNvSpPr txBox="1">
+              <p:cNvSpPr>
                 <a:spLocks noRot="1" noChangeAspect="1" noMove="1" noResize="1" noEditPoints="1" noAdjustHandles="1" noChangeArrowheads="1" noChangeShapeType="1" noTextEdit="1"/>
               </p:cNvSpPr>
               <p:nvPr/>
             </p:nvSpPr>
             <p:spPr>
               <a:xfrm>
-                <a:off x="6932231" y="3260991"/>
-                <a:ext cx="1685368" cy="669094"/>
+                <a:off x="4572000" y="4138049"/>
+                <a:ext cx="2597543" cy="567879"/>
               </a:xfrm>
-              <a:prstGeom prst="rect">
+              <a:prstGeom prst="flowChartAlternateProcess">
                 <a:avLst/>
               </a:prstGeom>
               <a:blipFill>
-                <a:blip r:embed="rId6"/>
+                <a:blip r:embed="rId4"/>
                 <a:stretch>
-                  <a:fillRect b="-7407"/>
+                  <a:fillRect/>
                 </a:stretch>
               </a:blipFill>
             </p:spPr>
@@ -20086,7 +19304,7 @@
     </p:spTree>
     <p:extLst>
       <p:ext uri="{BB962C8B-B14F-4D97-AF65-F5344CB8AC3E}">
-        <p14:creationId xmlns:p14="http://schemas.microsoft.com/office/powerpoint/2010/main" val="3094561326"/>
+        <p14:creationId xmlns:p14="http://schemas.microsoft.com/office/powerpoint/2010/main" val="1173695790"/>
       </p:ext>
     </p:extLst>
   </p:cSld>
@@ -20146,51 +19364,6 @@
                       </p:childTnLst>
                     </p:cTn>
                   </p:par>
-                  <p:par>
-                    <p:cTn id="7" fill="hold">
-                      <p:stCondLst>
-                        <p:cond delay="indefinite"/>
-                      </p:stCondLst>
-                      <p:childTnLst>
-                        <p:par>
-                          <p:cTn id="8" fill="hold">
-                            <p:stCondLst>
-                              <p:cond delay="0"/>
-                            </p:stCondLst>
-                            <p:childTnLst>
-                              <p:par>
-                                <p:cTn id="9" presetID="1" presetClass="entr" presetSubtype="0" fill="hold" grpId="0" nodeType="clickEffect">
-                                  <p:stCondLst>
-                                    <p:cond delay="0"/>
-                                  </p:stCondLst>
-                                  <p:childTnLst>
-                                    <p:set>
-                                      <p:cBhvr>
-                                        <p:cTn id="10" dur="1" fill="hold">
-                                          <p:stCondLst>
-                                            <p:cond delay="0"/>
-                                          </p:stCondLst>
-                                        </p:cTn>
-                                        <p:tgtEl>
-                                          <p:spTgt spid="7"/>
-                                        </p:tgtEl>
-                                        <p:attrNameLst>
-                                          <p:attrName>style.visibility</p:attrName>
-                                        </p:attrNameLst>
-                                      </p:cBhvr>
-                                      <p:to>
-                                        <p:strVal val="visible"/>
-                                      </p:to>
-                                    </p:set>
-                                  </p:childTnLst>
-                                </p:cTn>
-                              </p:par>
-                            </p:childTnLst>
-                          </p:cTn>
-                        </p:par>
-                      </p:childTnLst>
-                    </p:cTn>
-                  </p:par>
                 </p:childTnLst>
               </p:cTn>
               <p:prevCondLst>
@@ -20213,3664 +19386,8 @@
       </p:par>
     </p:tnLst>
     <p:bldLst>
-      <p:bldP spid="5" grpId="0"/>
-      <p:bldP spid="7" grpId="0"/>
+      <p:bldP spid="5" grpId="0" animBg="1"/>
     </p:bldLst>
-  </p:timing>
-</p:sld>
-</file>
-
-<file path=ppt/slides/slide13.xml><?xml version="1.0" encoding="utf-8"?>
-<p:sld xmlns:a="http://schemas.openxmlformats.org/drawingml/2006/main" xmlns:r="http://schemas.openxmlformats.org/officeDocument/2006/relationships" xmlns:p="http://schemas.openxmlformats.org/presentationml/2006/main">
-  <p:cSld>
-    <p:spTree>
-      <p:nvGrpSpPr>
-        <p:cNvPr id="1" name="Shape 247"/>
-        <p:cNvGrpSpPr/>
-        <p:nvPr/>
-      </p:nvGrpSpPr>
-      <p:grpSpPr>
-        <a:xfrm>
-          <a:off x="0" y="0"/>
-          <a:ext cx="0" cy="0"/>
-          <a:chOff x="0" y="0"/>
-          <a:chExt cx="0" cy="0"/>
-        </a:xfrm>
-      </p:grpSpPr>
-      <p:sp>
-        <p:nvSpPr>
-          <p:cNvPr id="248" name="Google Shape;248;p16"/>
-          <p:cNvSpPr txBox="1">
-            <a:spLocks noGrp="1"/>
-          </p:cNvSpPr>
-          <p:nvPr>
-            <p:ph type="title"/>
-          </p:nvPr>
-        </p:nvSpPr>
-        <p:spPr>
-          <a:prstGeom prst="rect">
-            <a:avLst/>
-          </a:prstGeom>
-        </p:spPr>
-        <p:txBody>
-          <a:bodyPr spcFirstLastPara="1" wrap="square" lIns="91425" tIns="91425" rIns="91425" bIns="91425" anchor="ctr" anchorCtr="0">
-            <a:noAutofit/>
-          </a:bodyPr>
-          <a:lstStyle/>
-          <a:p>
-            <a:pPr marL="0" lvl="0" indent="0" algn="l" rtl="0">
-              <a:spcBef>
-                <a:spcPts val="0"/>
-              </a:spcBef>
-              <a:spcAft>
-                <a:spcPts val="0"/>
-              </a:spcAft>
-              <a:buNone/>
-            </a:pPr>
-            <a:r>
-              <a:rPr lang="en" dirty="0"/>
-              <a:t>Odds</a:t>
-            </a:r>
-            <a:endParaRPr dirty="0"/>
-          </a:p>
-        </p:txBody>
-      </p:sp>
-      <p:sp>
-        <p:nvSpPr>
-          <p:cNvPr id="2" name="Text Placeholder 1">
-            <a:extLst>
-              <a:ext uri="{FF2B5EF4-FFF2-40B4-BE49-F238E27FC236}">
-                <a16:creationId xmlns:a16="http://schemas.microsoft.com/office/drawing/2014/main" id="{ADC04ADF-3C89-B545-B3AC-998590695FDC}"/>
-              </a:ext>
-            </a:extLst>
-          </p:cNvPr>
-          <p:cNvSpPr>
-            <a:spLocks noGrp="1"/>
-          </p:cNvSpPr>
-          <p:nvPr>
-            <p:ph type="body" idx="1"/>
-          </p:nvPr>
-        </p:nvSpPr>
-        <p:spPr>
-          <a:xfrm>
-            <a:off x="577767" y="1384143"/>
-            <a:ext cx="7621258" cy="1187608"/>
-          </a:xfrm>
-        </p:spPr>
-        <p:txBody>
-          <a:bodyPr anchor="t"/>
-          <a:lstStyle/>
-          <a:p>
-            <a:pPr marL="76200" indent="0">
-              <a:buNone/>
-            </a:pPr>
-            <a:r>
-              <a:rPr lang="en-US" sz="2000" b="1" u="sng" dirty="0"/>
-              <a:t>Example</a:t>
-            </a:r>
-            <a:endParaRPr lang="en-US" sz="2000" dirty="0"/>
-          </a:p>
-          <a:p>
-            <a:pPr marL="76200" indent="0">
-              <a:buNone/>
-            </a:pPr>
-            <a:r>
-              <a:rPr lang="en-US" sz="2000" dirty="0"/>
-              <a:t>Suppose the probability of a soccer team winning a playoff game is 0.20. What are the odds of winning? Express your answer in the form </a:t>
-            </a:r>
-            <a:r>
-              <a:rPr lang="en-US" sz="2000" dirty="0" err="1"/>
-              <a:t>a:b</a:t>
-            </a:r>
-            <a:r>
-              <a:rPr lang="en-US" sz="2000" dirty="0"/>
-              <a:t>.</a:t>
-            </a:r>
-          </a:p>
-          <a:p>
-            <a:pPr marL="76200" indent="0">
-              <a:buNone/>
-            </a:pPr>
-            <a:endParaRPr lang="en-US" sz="600" dirty="0"/>
-          </a:p>
-        </p:txBody>
-      </p:sp>
-      <p:sp>
-        <p:nvSpPr>
-          <p:cNvPr id="250" name="Google Shape;250;p16"/>
-          <p:cNvSpPr txBox="1">
-            <a:spLocks noGrp="1"/>
-          </p:cNvSpPr>
-          <p:nvPr>
-            <p:ph type="sldNum" idx="12"/>
-          </p:nvPr>
-        </p:nvSpPr>
-        <p:spPr>
-          <a:prstGeom prst="rect">
-            <a:avLst/>
-          </a:prstGeom>
-        </p:spPr>
-        <p:txBody>
-          <a:bodyPr spcFirstLastPara="1" wrap="square" lIns="91425" tIns="91425" rIns="91425" bIns="91425" anchor="ctr" anchorCtr="0">
-            <a:noAutofit/>
-          </a:bodyPr>
-          <a:lstStyle/>
-          <a:p>
-            <a:pPr marL="0" lvl="0" indent="0" algn="r" rtl="0">
-              <a:spcBef>
-                <a:spcPts val="0"/>
-              </a:spcBef>
-              <a:spcAft>
-                <a:spcPts val="0"/>
-              </a:spcAft>
-              <a:buNone/>
-            </a:pPr>
-            <a:fld id="{00000000-1234-1234-1234-123412341234}" type="slidenum">
-              <a:rPr lang="en"/>
-              <a:t>13</a:t>
-            </a:fld>
-            <a:endParaRPr/>
-          </a:p>
-        </p:txBody>
-      </p:sp>
-      <p:grpSp>
-        <p:nvGrpSpPr>
-          <p:cNvPr id="251" name="Google Shape;251;p16"/>
-          <p:cNvGrpSpPr/>
-          <p:nvPr/>
-        </p:nvGrpSpPr>
-        <p:grpSpPr>
-          <a:xfrm>
-            <a:off x="282216" y="590918"/>
-            <a:ext cx="369505" cy="369505"/>
-            <a:chOff x="2594050" y="1631825"/>
-            <a:chExt cx="439625" cy="439625"/>
-          </a:xfrm>
-        </p:grpSpPr>
-        <p:sp>
-          <p:nvSpPr>
-            <p:cNvPr id="252" name="Google Shape;252;p16"/>
-            <p:cNvSpPr/>
-            <p:nvPr/>
-          </p:nvSpPr>
-          <p:spPr>
-            <a:xfrm>
-              <a:off x="2594050" y="1883300"/>
-              <a:ext cx="188175" cy="188150"/>
-            </a:xfrm>
-            <a:custGeom>
-              <a:avLst/>
-              <a:gdLst/>
-              <a:ahLst/>
-              <a:cxnLst/>
-              <a:rect l="l" t="t" r="r" b="b"/>
-              <a:pathLst>
-                <a:path w="7527" h="7526" fill="none" extrusionOk="0">
-                  <a:moveTo>
-                    <a:pt x="5992" y="0"/>
-                  </a:moveTo>
-                  <a:lnTo>
-                    <a:pt x="537" y="6430"/>
-                  </a:lnTo>
-                  <a:lnTo>
-                    <a:pt x="1" y="7526"/>
-                  </a:lnTo>
-                  <a:lnTo>
-                    <a:pt x="1097" y="6990"/>
-                  </a:lnTo>
-                  <a:lnTo>
-                    <a:pt x="7526" y="1534"/>
-                  </a:lnTo>
-                  <a:lnTo>
-                    <a:pt x="5992" y="0"/>
-                  </a:lnTo>
-                  <a:close/>
-                </a:path>
-              </a:pathLst>
-            </a:custGeom>
-            <a:noFill/>
-            <a:ln w="12175" cap="rnd" cmpd="sng">
-              <a:solidFill>
-                <a:schemeClr val="lt1"/>
-              </a:solidFill>
-              <a:prstDash val="solid"/>
-              <a:round/>
-              <a:headEnd type="none" w="sm" len="sm"/>
-              <a:tailEnd type="none" w="sm" len="sm"/>
-            </a:ln>
-          </p:spPr>
-          <p:txBody>
-            <a:bodyPr spcFirstLastPara="1" wrap="square" lIns="91425" tIns="91425" rIns="91425" bIns="91425" anchor="ctr" anchorCtr="0">
-              <a:noAutofit/>
-            </a:bodyPr>
-            <a:lstStyle/>
-            <a:p>
-              <a:pPr marL="0" lvl="0" indent="0" algn="l" rtl="0">
-                <a:spcBef>
-                  <a:spcPts val="0"/>
-                </a:spcBef>
-                <a:spcAft>
-                  <a:spcPts val="0"/>
-                </a:spcAft>
-                <a:buNone/>
-              </a:pPr>
-              <a:endParaRPr/>
-            </a:p>
-          </p:txBody>
-        </p:sp>
-        <p:sp>
-          <p:nvSpPr>
-            <p:cNvPr id="253" name="Google Shape;253;p16"/>
-            <p:cNvSpPr/>
-            <p:nvPr/>
-          </p:nvSpPr>
-          <p:spPr>
-            <a:xfrm>
-              <a:off x="2857700" y="1631825"/>
-              <a:ext cx="175975" cy="176000"/>
-            </a:xfrm>
-            <a:custGeom>
-              <a:avLst/>
-              <a:gdLst/>
-              <a:ahLst/>
-              <a:cxnLst/>
-              <a:rect l="l" t="t" r="r" b="b"/>
-              <a:pathLst>
-                <a:path w="7039" h="7040" fill="none" extrusionOk="0">
-                  <a:moveTo>
-                    <a:pt x="268" y="2704"/>
-                  </a:moveTo>
-                  <a:lnTo>
-                    <a:pt x="4336" y="6771"/>
-                  </a:lnTo>
-                  <a:lnTo>
-                    <a:pt x="4336" y="6771"/>
-                  </a:lnTo>
-                  <a:lnTo>
-                    <a:pt x="4336" y="6771"/>
-                  </a:lnTo>
-                  <a:lnTo>
-                    <a:pt x="4652" y="6917"/>
-                  </a:lnTo>
-                  <a:lnTo>
-                    <a:pt x="4993" y="7015"/>
-                  </a:lnTo>
-                  <a:lnTo>
-                    <a:pt x="5310" y="7039"/>
-                  </a:lnTo>
-                  <a:lnTo>
-                    <a:pt x="5651" y="7039"/>
-                  </a:lnTo>
-                  <a:lnTo>
-                    <a:pt x="5992" y="6966"/>
-                  </a:lnTo>
-                  <a:lnTo>
-                    <a:pt x="6308" y="6844"/>
-                  </a:lnTo>
-                  <a:lnTo>
-                    <a:pt x="6454" y="6747"/>
-                  </a:lnTo>
-                  <a:lnTo>
-                    <a:pt x="6601" y="6674"/>
-                  </a:lnTo>
-                  <a:lnTo>
-                    <a:pt x="6747" y="6552"/>
-                  </a:lnTo>
-                  <a:lnTo>
-                    <a:pt x="6893" y="6430"/>
-                  </a:lnTo>
-                  <a:lnTo>
-                    <a:pt x="6893" y="6430"/>
-                  </a:lnTo>
-                  <a:lnTo>
-                    <a:pt x="6942" y="6357"/>
-                  </a:lnTo>
-                  <a:lnTo>
-                    <a:pt x="7015" y="6260"/>
-                  </a:lnTo>
-                  <a:lnTo>
-                    <a:pt x="7039" y="6138"/>
-                  </a:lnTo>
-                  <a:lnTo>
-                    <a:pt x="7039" y="6041"/>
-                  </a:lnTo>
-                  <a:lnTo>
-                    <a:pt x="7039" y="6041"/>
-                  </a:lnTo>
-                  <a:lnTo>
-                    <a:pt x="7039" y="5943"/>
-                  </a:lnTo>
-                  <a:lnTo>
-                    <a:pt x="7015" y="5846"/>
-                  </a:lnTo>
-                  <a:lnTo>
-                    <a:pt x="6942" y="5748"/>
-                  </a:lnTo>
-                  <a:lnTo>
-                    <a:pt x="6893" y="5651"/>
-                  </a:lnTo>
-                  <a:lnTo>
-                    <a:pt x="1389" y="147"/>
-                  </a:lnTo>
-                  <a:lnTo>
-                    <a:pt x="1389" y="147"/>
-                  </a:lnTo>
-                  <a:lnTo>
-                    <a:pt x="1291" y="98"/>
-                  </a:lnTo>
-                  <a:lnTo>
-                    <a:pt x="1194" y="25"/>
-                  </a:lnTo>
-                  <a:lnTo>
-                    <a:pt x="1096" y="0"/>
-                  </a:lnTo>
-                  <a:lnTo>
-                    <a:pt x="999" y="0"/>
-                  </a:lnTo>
-                  <a:lnTo>
-                    <a:pt x="999" y="0"/>
-                  </a:lnTo>
-                  <a:lnTo>
-                    <a:pt x="902" y="0"/>
-                  </a:lnTo>
-                  <a:lnTo>
-                    <a:pt x="780" y="25"/>
-                  </a:lnTo>
-                  <a:lnTo>
-                    <a:pt x="682" y="98"/>
-                  </a:lnTo>
-                  <a:lnTo>
-                    <a:pt x="609" y="147"/>
-                  </a:lnTo>
-                  <a:lnTo>
-                    <a:pt x="609" y="147"/>
-                  </a:lnTo>
-                  <a:lnTo>
-                    <a:pt x="487" y="293"/>
-                  </a:lnTo>
-                  <a:lnTo>
-                    <a:pt x="366" y="439"/>
-                  </a:lnTo>
-                  <a:lnTo>
-                    <a:pt x="293" y="585"/>
-                  </a:lnTo>
-                  <a:lnTo>
-                    <a:pt x="195" y="731"/>
-                  </a:lnTo>
-                  <a:lnTo>
-                    <a:pt x="73" y="1048"/>
-                  </a:lnTo>
-                  <a:lnTo>
-                    <a:pt x="0" y="1389"/>
-                  </a:lnTo>
-                  <a:lnTo>
-                    <a:pt x="0" y="1730"/>
-                  </a:lnTo>
-                  <a:lnTo>
-                    <a:pt x="25" y="2046"/>
-                  </a:lnTo>
-                  <a:lnTo>
-                    <a:pt x="122" y="2387"/>
-                  </a:lnTo>
-                  <a:lnTo>
-                    <a:pt x="268" y="2704"/>
-                  </a:lnTo>
-                  <a:lnTo>
-                    <a:pt x="268" y="2704"/>
-                  </a:lnTo>
-                  <a:close/>
-                </a:path>
-              </a:pathLst>
-            </a:custGeom>
-            <a:noFill/>
-            <a:ln w="12175" cap="rnd" cmpd="sng">
-              <a:solidFill>
-                <a:schemeClr val="lt1"/>
-              </a:solidFill>
-              <a:prstDash val="solid"/>
-              <a:round/>
-              <a:headEnd type="none" w="sm" len="sm"/>
-              <a:tailEnd type="none" w="sm" len="sm"/>
-            </a:ln>
-          </p:spPr>
-          <p:txBody>
-            <a:bodyPr spcFirstLastPara="1" wrap="square" lIns="91425" tIns="91425" rIns="91425" bIns="91425" anchor="ctr" anchorCtr="0">
-              <a:noAutofit/>
-            </a:bodyPr>
-            <a:lstStyle/>
-            <a:p>
-              <a:pPr marL="0" lvl="0" indent="0" algn="l" rtl="0">
-                <a:spcBef>
-                  <a:spcPts val="0"/>
-                </a:spcBef>
-                <a:spcAft>
-                  <a:spcPts val="0"/>
-                </a:spcAft>
-                <a:buNone/>
-              </a:pPr>
-              <a:endParaRPr/>
-            </a:p>
-          </p:txBody>
-        </p:sp>
-        <p:sp>
-          <p:nvSpPr>
-            <p:cNvPr id="254" name="Google Shape;254;p16"/>
-            <p:cNvSpPr/>
-            <p:nvPr/>
-          </p:nvSpPr>
-          <p:spPr>
-            <a:xfrm>
-              <a:off x="2662850" y="1699400"/>
-              <a:ext cx="303250" cy="303250"/>
-            </a:xfrm>
-            <a:custGeom>
-              <a:avLst/>
-              <a:gdLst/>
-              <a:ahLst/>
-              <a:cxnLst/>
-              <a:rect l="l" t="t" r="r" b="b"/>
-              <a:pathLst>
-                <a:path w="12130" h="12130" fill="none" extrusionOk="0">
-                  <a:moveTo>
-                    <a:pt x="8038" y="1"/>
-                  </a:moveTo>
-                  <a:lnTo>
-                    <a:pt x="4872" y="3191"/>
-                  </a:lnTo>
-                  <a:lnTo>
-                    <a:pt x="4872" y="3191"/>
-                  </a:lnTo>
-                  <a:lnTo>
-                    <a:pt x="4628" y="3094"/>
-                  </a:lnTo>
-                  <a:lnTo>
-                    <a:pt x="4385" y="2997"/>
-                  </a:lnTo>
-                  <a:lnTo>
-                    <a:pt x="4092" y="2899"/>
-                  </a:lnTo>
-                  <a:lnTo>
-                    <a:pt x="3800" y="2850"/>
-                  </a:lnTo>
-                  <a:lnTo>
-                    <a:pt x="3484" y="2777"/>
-                  </a:lnTo>
-                  <a:lnTo>
-                    <a:pt x="3167" y="2729"/>
-                  </a:lnTo>
-                  <a:lnTo>
-                    <a:pt x="2850" y="2704"/>
-                  </a:lnTo>
-                  <a:lnTo>
-                    <a:pt x="2534" y="2704"/>
-                  </a:lnTo>
-                  <a:lnTo>
-                    <a:pt x="2534" y="2704"/>
-                  </a:lnTo>
-                  <a:lnTo>
-                    <a:pt x="2241" y="2704"/>
-                  </a:lnTo>
-                  <a:lnTo>
-                    <a:pt x="1949" y="2729"/>
-                  </a:lnTo>
-                  <a:lnTo>
-                    <a:pt x="1633" y="2777"/>
-                  </a:lnTo>
-                  <a:lnTo>
-                    <a:pt x="1316" y="2850"/>
-                  </a:lnTo>
-                  <a:lnTo>
-                    <a:pt x="999" y="2972"/>
-                  </a:lnTo>
-                  <a:lnTo>
-                    <a:pt x="707" y="3094"/>
-                  </a:lnTo>
-                  <a:lnTo>
-                    <a:pt x="415" y="3289"/>
-                  </a:lnTo>
-                  <a:lnTo>
-                    <a:pt x="147" y="3508"/>
-                  </a:lnTo>
-                  <a:lnTo>
-                    <a:pt x="147" y="3508"/>
-                  </a:lnTo>
-                  <a:lnTo>
-                    <a:pt x="74" y="3581"/>
-                  </a:lnTo>
-                  <a:lnTo>
-                    <a:pt x="25" y="3678"/>
-                  </a:lnTo>
-                  <a:lnTo>
-                    <a:pt x="1" y="3776"/>
-                  </a:lnTo>
-                  <a:lnTo>
-                    <a:pt x="1" y="3898"/>
-                  </a:lnTo>
-                  <a:lnTo>
-                    <a:pt x="1" y="3898"/>
-                  </a:lnTo>
-                  <a:lnTo>
-                    <a:pt x="1" y="3995"/>
-                  </a:lnTo>
-                  <a:lnTo>
-                    <a:pt x="25" y="4093"/>
-                  </a:lnTo>
-                  <a:lnTo>
-                    <a:pt x="74" y="4190"/>
-                  </a:lnTo>
-                  <a:lnTo>
-                    <a:pt x="147" y="4287"/>
-                  </a:lnTo>
-                  <a:lnTo>
-                    <a:pt x="7843" y="11984"/>
-                  </a:lnTo>
-                  <a:lnTo>
-                    <a:pt x="7843" y="11984"/>
-                  </a:lnTo>
-                  <a:lnTo>
-                    <a:pt x="7941" y="12057"/>
-                  </a:lnTo>
-                  <a:lnTo>
-                    <a:pt x="8038" y="12105"/>
-                  </a:lnTo>
-                  <a:lnTo>
-                    <a:pt x="8135" y="12130"/>
-                  </a:lnTo>
-                  <a:lnTo>
-                    <a:pt x="8233" y="12130"/>
-                  </a:lnTo>
-                  <a:lnTo>
-                    <a:pt x="8233" y="12130"/>
-                  </a:lnTo>
-                  <a:lnTo>
-                    <a:pt x="8355" y="12130"/>
-                  </a:lnTo>
-                  <a:lnTo>
-                    <a:pt x="8452" y="12105"/>
-                  </a:lnTo>
-                  <a:lnTo>
-                    <a:pt x="8549" y="12057"/>
-                  </a:lnTo>
-                  <a:lnTo>
-                    <a:pt x="8622" y="11984"/>
-                  </a:lnTo>
-                  <a:lnTo>
-                    <a:pt x="8622" y="11984"/>
-                  </a:lnTo>
-                  <a:lnTo>
-                    <a:pt x="8842" y="11716"/>
-                  </a:lnTo>
-                  <a:lnTo>
-                    <a:pt x="9036" y="11423"/>
-                  </a:lnTo>
-                  <a:lnTo>
-                    <a:pt x="9158" y="11131"/>
-                  </a:lnTo>
-                  <a:lnTo>
-                    <a:pt x="9280" y="10814"/>
-                  </a:lnTo>
-                  <a:lnTo>
-                    <a:pt x="9353" y="10498"/>
-                  </a:lnTo>
-                  <a:lnTo>
-                    <a:pt x="9402" y="10181"/>
-                  </a:lnTo>
-                  <a:lnTo>
-                    <a:pt x="9426" y="9889"/>
-                  </a:lnTo>
-                  <a:lnTo>
-                    <a:pt x="9426" y="9597"/>
-                  </a:lnTo>
-                  <a:lnTo>
-                    <a:pt x="9426" y="9597"/>
-                  </a:lnTo>
-                  <a:lnTo>
-                    <a:pt x="9426" y="9280"/>
-                  </a:lnTo>
-                  <a:lnTo>
-                    <a:pt x="9402" y="8964"/>
-                  </a:lnTo>
-                  <a:lnTo>
-                    <a:pt x="9353" y="8647"/>
-                  </a:lnTo>
-                  <a:lnTo>
-                    <a:pt x="9280" y="8330"/>
-                  </a:lnTo>
-                  <a:lnTo>
-                    <a:pt x="9231" y="8038"/>
-                  </a:lnTo>
-                  <a:lnTo>
-                    <a:pt x="9134" y="7746"/>
-                  </a:lnTo>
-                  <a:lnTo>
-                    <a:pt x="9036" y="7502"/>
-                  </a:lnTo>
-                  <a:lnTo>
-                    <a:pt x="8939" y="7259"/>
-                  </a:lnTo>
-                  <a:lnTo>
-                    <a:pt x="12130" y="4093"/>
-                  </a:lnTo>
-                </a:path>
-              </a:pathLst>
-            </a:custGeom>
-            <a:noFill/>
-            <a:ln w="12175" cap="rnd" cmpd="sng">
-              <a:solidFill>
-                <a:schemeClr val="lt1"/>
-              </a:solidFill>
-              <a:prstDash val="solid"/>
-              <a:round/>
-              <a:headEnd type="none" w="sm" len="sm"/>
-              <a:tailEnd type="none" w="sm" len="sm"/>
-            </a:ln>
-          </p:spPr>
-          <p:txBody>
-            <a:bodyPr spcFirstLastPara="1" wrap="square" lIns="91425" tIns="91425" rIns="91425" bIns="91425" anchor="ctr" anchorCtr="0">
-              <a:noAutofit/>
-            </a:bodyPr>
-            <a:lstStyle/>
-            <a:p>
-              <a:pPr marL="0" lvl="0" indent="0" algn="l" rtl="0">
-                <a:spcBef>
-                  <a:spcPts val="0"/>
-                </a:spcBef>
-                <a:spcAft>
-                  <a:spcPts val="0"/>
-                </a:spcAft>
-                <a:buNone/>
-              </a:pPr>
-              <a:endParaRPr/>
-            </a:p>
-          </p:txBody>
-        </p:sp>
-        <p:sp>
-          <p:nvSpPr>
-            <p:cNvPr id="255" name="Google Shape;255;p16"/>
-            <p:cNvSpPr/>
-            <p:nvPr/>
-          </p:nvSpPr>
-          <p:spPr>
-            <a:xfrm>
-              <a:off x="2801675" y="1740825"/>
-              <a:ext cx="49950" cy="49950"/>
-            </a:xfrm>
-            <a:custGeom>
-              <a:avLst/>
-              <a:gdLst/>
-              <a:ahLst/>
-              <a:cxnLst/>
-              <a:rect l="l" t="t" r="r" b="b"/>
-              <a:pathLst>
-                <a:path w="1998" h="1998" fill="none" extrusionOk="0">
-                  <a:moveTo>
-                    <a:pt x="1" y="1997"/>
-                  </a:moveTo>
-                  <a:lnTo>
-                    <a:pt x="1998" y="0"/>
-                  </a:lnTo>
-                </a:path>
-              </a:pathLst>
-            </a:custGeom>
-            <a:noFill/>
-            <a:ln w="12175" cap="rnd" cmpd="sng">
-              <a:solidFill>
-                <a:schemeClr val="lt1"/>
-              </a:solidFill>
-              <a:prstDash val="solid"/>
-              <a:round/>
-              <a:headEnd type="none" w="sm" len="sm"/>
-              <a:tailEnd type="none" w="sm" len="sm"/>
-            </a:ln>
-          </p:spPr>
-          <p:txBody>
-            <a:bodyPr spcFirstLastPara="1" wrap="square" lIns="91425" tIns="91425" rIns="91425" bIns="91425" anchor="ctr" anchorCtr="0">
-              <a:noAutofit/>
-            </a:bodyPr>
-            <a:lstStyle/>
-            <a:p>
-              <a:pPr marL="0" lvl="0" indent="0" algn="l" rtl="0">
-                <a:spcBef>
-                  <a:spcPts val="0"/>
-                </a:spcBef>
-                <a:spcAft>
-                  <a:spcPts val="0"/>
-                </a:spcAft>
-                <a:buNone/>
-              </a:pPr>
-              <a:endParaRPr/>
-            </a:p>
-          </p:txBody>
-        </p:sp>
-      </p:grpSp>
-      <p:grpSp>
-        <p:nvGrpSpPr>
-          <p:cNvPr id="3" name="Group 2">
-            <a:extLst>
-              <a:ext uri="{FF2B5EF4-FFF2-40B4-BE49-F238E27FC236}">
-                <a16:creationId xmlns:a16="http://schemas.microsoft.com/office/drawing/2014/main" id="{99831F0D-C8E2-B840-BC4A-D8C184DFA567}"/>
-              </a:ext>
-            </a:extLst>
-          </p:cNvPr>
-          <p:cNvGrpSpPr/>
-          <p:nvPr/>
-        </p:nvGrpSpPr>
-        <p:grpSpPr>
-          <a:xfrm>
-            <a:off x="7218250" y="126225"/>
-            <a:ext cx="980775" cy="562200"/>
-            <a:chOff x="7218250" y="126225"/>
-            <a:chExt cx="980775" cy="562200"/>
-          </a:xfrm>
-        </p:grpSpPr>
-        <p:sp>
-          <p:nvSpPr>
-            <p:cNvPr id="256" name="Google Shape;256;p16"/>
-            <p:cNvSpPr/>
-            <p:nvPr/>
-          </p:nvSpPr>
-          <p:spPr>
-            <a:xfrm>
-              <a:off x="7218250" y="126225"/>
-              <a:ext cx="562200" cy="562200"/>
-            </a:xfrm>
-            <a:prstGeom prst="diamond">
-              <a:avLst/>
-            </a:prstGeom>
-            <a:noFill/>
-            <a:ln w="76200" cap="flat" cmpd="sng">
-              <a:solidFill>
-                <a:schemeClr val="dk2"/>
-              </a:solidFill>
-              <a:prstDash val="solid"/>
-              <a:miter lim="8000"/>
-              <a:headEnd type="none" w="sm" len="sm"/>
-              <a:tailEnd type="none" w="sm" len="sm"/>
-            </a:ln>
-          </p:spPr>
-          <p:txBody>
-            <a:bodyPr spcFirstLastPara="1" wrap="square" lIns="91425" tIns="91425" rIns="91425" bIns="91425" anchor="ctr" anchorCtr="0">
-              <a:noAutofit/>
-            </a:bodyPr>
-            <a:lstStyle/>
-            <a:p>
-              <a:pPr marL="0" lvl="0" indent="0" algn="ctr" rtl="0">
-                <a:spcBef>
-                  <a:spcPts val="0"/>
-                </a:spcBef>
-                <a:spcAft>
-                  <a:spcPts val="0"/>
-                </a:spcAft>
-                <a:buNone/>
-              </a:pPr>
-              <a:endParaRPr>
-                <a:solidFill>
-                  <a:schemeClr val="dk2"/>
-                </a:solidFill>
-                <a:latin typeface="Roboto Condensed"/>
-                <a:ea typeface="Roboto Condensed"/>
-                <a:cs typeface="Roboto Condensed"/>
-                <a:sym typeface="Roboto Condensed"/>
-              </a:endParaRPr>
-            </a:p>
-          </p:txBody>
-        </p:sp>
-        <p:sp>
-          <p:nvSpPr>
-            <p:cNvPr id="259" name="Google Shape;259;p16"/>
-            <p:cNvSpPr/>
-            <p:nvPr/>
-          </p:nvSpPr>
-          <p:spPr>
-            <a:xfrm>
-              <a:off x="7636825" y="126225"/>
-              <a:ext cx="562200" cy="562200"/>
-            </a:xfrm>
-            <a:prstGeom prst="diamond">
-              <a:avLst/>
-            </a:prstGeom>
-            <a:solidFill>
-              <a:schemeClr val="lt1"/>
-            </a:solidFill>
-            <a:ln w="76200" cap="flat" cmpd="sng">
-              <a:solidFill>
-                <a:schemeClr val="accent5"/>
-              </a:solidFill>
-              <a:prstDash val="solid"/>
-              <a:miter lim="8000"/>
-              <a:headEnd type="none" w="sm" len="sm"/>
-              <a:tailEnd type="none" w="sm" len="sm"/>
-            </a:ln>
-          </p:spPr>
-          <p:txBody>
-            <a:bodyPr spcFirstLastPara="1" wrap="square" lIns="91425" tIns="91425" rIns="91425" bIns="91425" anchor="ctr" anchorCtr="0">
-              <a:noAutofit/>
-            </a:bodyPr>
-            <a:lstStyle/>
-            <a:p>
-              <a:pPr marL="0" lvl="0" indent="0" algn="ctr" rtl="0">
-                <a:spcBef>
-                  <a:spcPts val="0"/>
-                </a:spcBef>
-                <a:spcAft>
-                  <a:spcPts val="0"/>
-                </a:spcAft>
-                <a:buNone/>
-              </a:pPr>
-              <a:endParaRPr>
-                <a:solidFill>
-                  <a:schemeClr val="dk2"/>
-                </a:solidFill>
-                <a:latin typeface="Roboto Condensed"/>
-                <a:ea typeface="Roboto Condensed"/>
-                <a:cs typeface="Roboto Condensed"/>
-                <a:sym typeface="Roboto Condensed"/>
-              </a:endParaRPr>
-            </a:p>
-          </p:txBody>
-        </p:sp>
-      </p:grpSp>
-      <p:sp>
-        <p:nvSpPr>
-          <p:cNvPr id="260" name="Google Shape;260;p16"/>
-          <p:cNvSpPr txBox="1"/>
-          <p:nvPr/>
-        </p:nvSpPr>
-        <p:spPr>
-          <a:xfrm>
-            <a:off x="7732400" y="48200"/>
-            <a:ext cx="391800" cy="654600"/>
-          </a:xfrm>
-          <a:prstGeom prst="rect">
-            <a:avLst/>
-          </a:prstGeom>
-          <a:noFill/>
-          <a:ln>
-            <a:noFill/>
-          </a:ln>
-        </p:spPr>
-        <p:txBody>
-          <a:bodyPr spcFirstLastPara="1" wrap="square" lIns="91425" tIns="91425" rIns="91425" bIns="91425" anchor="b" anchorCtr="0">
-            <a:noAutofit/>
-          </a:bodyPr>
-          <a:lstStyle/>
-          <a:p>
-            <a:pPr marL="0" lvl="0" indent="0" algn="l" rtl="0">
-              <a:spcBef>
-                <a:spcPts val="0"/>
-              </a:spcBef>
-              <a:spcAft>
-                <a:spcPts val="0"/>
-              </a:spcAft>
-              <a:buNone/>
-            </a:pPr>
-            <a:r>
-              <a:rPr lang="en" sz="2600" b="1" dirty="0">
-                <a:solidFill>
-                  <a:schemeClr val="accent5"/>
-                </a:solidFill>
-                <a:latin typeface="Roboto Condensed"/>
-                <a:ea typeface="Roboto Condensed"/>
-                <a:cs typeface="Roboto Condensed"/>
-                <a:sym typeface="Roboto Condensed"/>
-              </a:rPr>
-              <a:t>2</a:t>
-            </a:r>
-            <a:endParaRPr sz="2600" b="1" dirty="0">
-              <a:solidFill>
-                <a:schemeClr val="accent5"/>
-              </a:solidFill>
-              <a:latin typeface="Roboto Condensed"/>
-              <a:ea typeface="Roboto Condensed"/>
-              <a:cs typeface="Roboto Condensed"/>
-              <a:sym typeface="Roboto Condensed"/>
-            </a:endParaRPr>
-          </a:p>
-        </p:txBody>
-      </p:sp>
-      <mc:AlternateContent xmlns:mc="http://schemas.openxmlformats.org/markup-compatibility/2006" xmlns:a14="http://schemas.microsoft.com/office/drawing/2010/main">
-        <mc:Choice Requires="a14">
-          <p:sp>
-            <p:nvSpPr>
-              <p:cNvPr id="4" name="TextBox 3">
-                <a:extLst>
-                  <a:ext uri="{FF2B5EF4-FFF2-40B4-BE49-F238E27FC236}">
-                    <a16:creationId xmlns:a16="http://schemas.microsoft.com/office/drawing/2014/main" id="{D6B40421-84BC-1C32-B7A1-B2C6A6C646ED}"/>
-                  </a:ext>
-                </a:extLst>
-              </p:cNvPr>
-              <p:cNvSpPr txBox="1"/>
-              <p:nvPr/>
-            </p:nvSpPr>
-            <p:spPr>
-              <a:xfrm>
-                <a:off x="2937448" y="3322329"/>
-                <a:ext cx="465127" cy="612796"/>
-              </a:xfrm>
-              <a:prstGeom prst="rect">
-                <a:avLst/>
-              </a:prstGeom>
-              <a:noFill/>
-            </p:spPr>
-            <p:txBody>
-              <a:bodyPr wrap="square" rtlCol="0">
-                <a:spAutoFit/>
-              </a:bodyPr>
-              <a:lstStyle/>
-              <a:p>
-                <a:pPr/>
-                <a14:m>
-                  <m:oMathPara xmlns:m="http://schemas.openxmlformats.org/officeDocument/2006/math">
-                    <m:oMathParaPr>
-                      <m:jc m:val="centerGroup"/>
-                    </m:oMathParaPr>
-                    <m:oMath xmlns:m="http://schemas.openxmlformats.org/officeDocument/2006/math">
-                      <m:f>
-                        <m:fPr>
-                          <m:ctrlPr>
-                            <a:rPr lang="en-US" sz="1800" b="0" i="1" smtClean="0">
-                              <a:latin typeface="Cambria Math" panose="02040503050406030204" pitchFamily="18" charset="0"/>
-                            </a:rPr>
-                          </m:ctrlPr>
-                        </m:fPr>
-                        <m:num>
-                          <m:r>
-                            <a:rPr lang="en-US" sz="1800" b="0" i="1" smtClean="0">
-                              <a:latin typeface="Cambria Math" panose="02040503050406030204" pitchFamily="18" charset="0"/>
-                            </a:rPr>
-                            <m:t>1</m:t>
-                          </m:r>
-                        </m:num>
-                        <m:den>
-                          <m:r>
-                            <a:rPr lang="en-US" sz="1800" b="0" i="1" smtClean="0">
-                              <a:latin typeface="Cambria Math" panose="02040503050406030204" pitchFamily="18" charset="0"/>
-                            </a:rPr>
-                            <m:t>5</m:t>
-                          </m:r>
-                        </m:den>
-                      </m:f>
-                    </m:oMath>
-                  </m:oMathPara>
-                </a14:m>
-                <a:endParaRPr lang="en-US" sz="1800" dirty="0"/>
-              </a:p>
-            </p:txBody>
-          </p:sp>
-        </mc:Choice>
-        <mc:Fallback xmlns="">
-          <p:sp>
-            <p:nvSpPr>
-              <p:cNvPr id="4" name="TextBox 3">
-                <a:extLst>
-                  <a:ext uri="{FF2B5EF4-FFF2-40B4-BE49-F238E27FC236}">
-                    <a16:creationId xmlns:a16="http://schemas.microsoft.com/office/drawing/2014/main" id="{D6B40421-84BC-1C32-B7A1-B2C6A6C646ED}"/>
-                  </a:ext>
-                </a:extLst>
-              </p:cNvPr>
-              <p:cNvSpPr txBox="1">
-                <a:spLocks noRot="1" noChangeAspect="1" noMove="1" noResize="1" noEditPoints="1" noAdjustHandles="1" noChangeArrowheads="1" noChangeShapeType="1" noTextEdit="1"/>
-              </p:cNvSpPr>
-              <p:nvPr/>
-            </p:nvSpPr>
-            <p:spPr>
-              <a:xfrm>
-                <a:off x="2937448" y="3322329"/>
-                <a:ext cx="465127" cy="612796"/>
-              </a:xfrm>
-              <a:prstGeom prst="rect">
-                <a:avLst/>
-              </a:prstGeom>
-              <a:blipFill>
-                <a:blip r:embed="rId3"/>
-                <a:stretch>
-                  <a:fillRect b="-2000"/>
-                </a:stretch>
-              </a:blipFill>
-            </p:spPr>
-            <p:txBody>
-              <a:bodyPr/>
-              <a:lstStyle/>
-              <a:p>
-                <a:r>
-                  <a:rPr lang="en-US">
-                    <a:noFill/>
-                  </a:rPr>
-                  <a:t> </a:t>
-                </a:r>
-              </a:p>
-            </p:txBody>
-          </p:sp>
-        </mc:Fallback>
-      </mc:AlternateContent>
-      <mc:AlternateContent xmlns:mc="http://schemas.openxmlformats.org/markup-compatibility/2006" xmlns:a14="http://schemas.microsoft.com/office/drawing/2010/main">
-        <mc:Choice Requires="a14">
-          <p:sp>
-            <p:nvSpPr>
-              <p:cNvPr id="6" name="TextBox 5">
-                <a:extLst>
-                  <a:ext uri="{FF2B5EF4-FFF2-40B4-BE49-F238E27FC236}">
-                    <a16:creationId xmlns:a16="http://schemas.microsoft.com/office/drawing/2014/main" id="{B58661E2-4F70-B343-8907-B69F50E5260E}"/>
-                  </a:ext>
-                </a:extLst>
-              </p:cNvPr>
-              <p:cNvSpPr txBox="1"/>
-              <p:nvPr/>
-            </p:nvSpPr>
-            <p:spPr>
-              <a:xfrm>
-                <a:off x="1112704" y="3416969"/>
-                <a:ext cx="1903365" cy="369332"/>
-              </a:xfrm>
-              <a:prstGeom prst="rect">
-                <a:avLst/>
-              </a:prstGeom>
-              <a:noFill/>
-            </p:spPr>
-            <p:txBody>
-              <a:bodyPr wrap="square">
-                <a:spAutoFit/>
-              </a:bodyPr>
-              <a:lstStyle/>
-              <a:p>
-                <a:pPr marL="76200" indent="0">
-                  <a:buNone/>
-                </a:pPr>
-                <a14:m>
-                  <m:oMathPara xmlns:m="http://schemas.openxmlformats.org/officeDocument/2006/math">
-                    <m:oMathParaPr>
-                      <m:jc m:val="centerGroup"/>
-                    </m:oMathParaPr>
-                    <m:oMath xmlns:m="http://schemas.openxmlformats.org/officeDocument/2006/math">
-                      <m:r>
-                        <a:rPr lang="en-US" sz="1800" b="0" i="1" smtClean="0">
-                          <a:latin typeface="Cambria Math" panose="02040503050406030204" pitchFamily="18" charset="0"/>
-                        </a:rPr>
-                        <m:t>𝑃</m:t>
-                      </m:r>
-                      <m:d>
-                        <m:dPr>
-                          <m:ctrlPr>
-                            <a:rPr lang="en-US" sz="1800" b="0" i="1" smtClean="0">
-                              <a:latin typeface="Cambria Math" panose="02040503050406030204" pitchFamily="18" charset="0"/>
-                            </a:rPr>
-                          </m:ctrlPr>
-                        </m:dPr>
-                        <m:e>
-                          <m:r>
-                            <a:rPr lang="en-US" sz="1800" b="0" i="1" smtClean="0">
-                              <a:latin typeface="Cambria Math" panose="02040503050406030204" pitchFamily="18" charset="0"/>
-                            </a:rPr>
-                            <m:t>𝑊</m:t>
-                          </m:r>
-                        </m:e>
-                      </m:d>
-                      <m:r>
-                        <a:rPr lang="en-US" sz="1800" b="0" i="1" smtClean="0">
-                          <a:latin typeface="Cambria Math" panose="02040503050406030204" pitchFamily="18" charset="0"/>
-                        </a:rPr>
-                        <m:t>=0.20=</m:t>
-                      </m:r>
-                    </m:oMath>
-                  </m:oMathPara>
-                </a14:m>
-                <a:endParaRPr lang="en-US" sz="1800" b="0" dirty="0"/>
-              </a:p>
-            </p:txBody>
-          </p:sp>
-        </mc:Choice>
-        <mc:Fallback xmlns="">
-          <p:sp>
-            <p:nvSpPr>
-              <p:cNvPr id="6" name="TextBox 5">
-                <a:extLst>
-                  <a:ext uri="{FF2B5EF4-FFF2-40B4-BE49-F238E27FC236}">
-                    <a16:creationId xmlns:a16="http://schemas.microsoft.com/office/drawing/2014/main" id="{B58661E2-4F70-B343-8907-B69F50E5260E}"/>
-                  </a:ext>
-                </a:extLst>
-              </p:cNvPr>
-              <p:cNvSpPr txBox="1">
-                <a:spLocks noRot="1" noChangeAspect="1" noMove="1" noResize="1" noEditPoints="1" noAdjustHandles="1" noChangeArrowheads="1" noChangeShapeType="1" noTextEdit="1"/>
-              </p:cNvSpPr>
-              <p:nvPr/>
-            </p:nvSpPr>
-            <p:spPr>
-              <a:xfrm>
-                <a:off x="1112704" y="3416969"/>
-                <a:ext cx="1903365" cy="369332"/>
-              </a:xfrm>
-              <a:prstGeom prst="rect">
-                <a:avLst/>
-              </a:prstGeom>
-              <a:blipFill>
-                <a:blip r:embed="rId4"/>
-                <a:stretch>
-                  <a:fillRect/>
-                </a:stretch>
-              </a:blipFill>
-            </p:spPr>
-            <p:txBody>
-              <a:bodyPr/>
-              <a:lstStyle/>
-              <a:p>
-                <a:r>
-                  <a:rPr lang="en-US">
-                    <a:noFill/>
-                  </a:rPr>
-                  <a:t> </a:t>
-                </a:r>
-              </a:p>
-            </p:txBody>
-          </p:sp>
-        </mc:Fallback>
-      </mc:AlternateContent>
-      <p:grpSp>
-        <p:nvGrpSpPr>
-          <p:cNvPr id="15" name="Group 14">
-            <a:extLst>
-              <a:ext uri="{FF2B5EF4-FFF2-40B4-BE49-F238E27FC236}">
-                <a16:creationId xmlns:a16="http://schemas.microsoft.com/office/drawing/2014/main" id="{AD25A738-C800-62FF-3813-3025F4F15ED0}"/>
-              </a:ext>
-            </a:extLst>
-          </p:cNvPr>
-          <p:cNvGrpSpPr/>
-          <p:nvPr/>
-        </p:nvGrpSpPr>
-        <p:grpSpPr>
-          <a:xfrm>
-            <a:off x="3473021" y="3149091"/>
-            <a:ext cx="2971347" cy="369332"/>
-            <a:chOff x="3473021" y="3149091"/>
-            <a:chExt cx="2971347" cy="369332"/>
-          </a:xfrm>
-        </p:grpSpPr>
-        <p:cxnSp>
-          <p:nvCxnSpPr>
-            <p:cNvPr id="8" name="Straight Arrow Connector 7">
-              <a:extLst>
-                <a:ext uri="{FF2B5EF4-FFF2-40B4-BE49-F238E27FC236}">
-                  <a16:creationId xmlns:a16="http://schemas.microsoft.com/office/drawing/2014/main" id="{9D90A229-51BB-75ED-13FD-3FB72751E313}"/>
-                </a:ext>
-              </a:extLst>
-            </p:cNvPr>
-            <p:cNvCxnSpPr>
-              <a:cxnSpLocks/>
-            </p:cNvCxnSpPr>
-            <p:nvPr/>
-          </p:nvCxnSpPr>
-          <p:spPr>
-            <a:xfrm flipV="1">
-              <a:off x="3473021" y="3333757"/>
-              <a:ext cx="711320" cy="94640"/>
-            </a:xfrm>
-            <a:prstGeom prst="straightConnector1">
-              <a:avLst/>
-            </a:prstGeom>
-            <a:ln>
-              <a:tailEnd type="triangle"/>
-            </a:ln>
-          </p:spPr>
-          <p:style>
-            <a:lnRef idx="1">
-              <a:schemeClr val="accent1"/>
-            </a:lnRef>
-            <a:fillRef idx="0">
-              <a:schemeClr val="accent1"/>
-            </a:fillRef>
-            <a:effectRef idx="0">
-              <a:schemeClr val="accent1"/>
-            </a:effectRef>
-            <a:fontRef idx="minor">
-              <a:schemeClr val="tx1"/>
-            </a:fontRef>
-          </p:style>
-        </p:cxnSp>
-        <p:sp>
-          <p:nvSpPr>
-            <p:cNvPr id="9" name="TextBox 8">
-              <a:extLst>
-                <a:ext uri="{FF2B5EF4-FFF2-40B4-BE49-F238E27FC236}">
-                  <a16:creationId xmlns:a16="http://schemas.microsoft.com/office/drawing/2014/main" id="{D070A159-B87A-4938-6953-6ADACA0493D8}"/>
-                </a:ext>
-              </a:extLst>
-            </p:cNvPr>
-            <p:cNvSpPr txBox="1"/>
-            <p:nvPr/>
-          </p:nvSpPr>
-          <p:spPr>
-            <a:xfrm>
-              <a:off x="4254788" y="3149091"/>
-              <a:ext cx="2189580" cy="369332"/>
-            </a:xfrm>
-            <a:prstGeom prst="rect">
-              <a:avLst/>
-            </a:prstGeom>
-            <a:noFill/>
-          </p:spPr>
-          <p:txBody>
-            <a:bodyPr wrap="square" rtlCol="0">
-              <a:spAutoFit/>
-            </a:bodyPr>
-            <a:lstStyle/>
-            <a:p>
-              <a:r>
-                <a:rPr lang="en-US" sz="1800" dirty="0"/>
-                <a:t>1 “part” winning</a:t>
-              </a:r>
-            </a:p>
-          </p:txBody>
-        </p:sp>
-      </p:grpSp>
-      <p:grpSp>
-        <p:nvGrpSpPr>
-          <p:cNvPr id="16" name="Group 15">
-            <a:extLst>
-              <a:ext uri="{FF2B5EF4-FFF2-40B4-BE49-F238E27FC236}">
-                <a16:creationId xmlns:a16="http://schemas.microsoft.com/office/drawing/2014/main" id="{17E2759D-9C9C-F953-5962-276EEA0AA8E0}"/>
-              </a:ext>
-            </a:extLst>
-          </p:cNvPr>
-          <p:cNvGrpSpPr/>
-          <p:nvPr/>
-        </p:nvGrpSpPr>
-        <p:grpSpPr>
-          <a:xfrm>
-            <a:off x="3359295" y="3689828"/>
-            <a:ext cx="3070646" cy="369332"/>
-            <a:chOff x="3359295" y="3689828"/>
-            <a:chExt cx="3070646" cy="369332"/>
-          </a:xfrm>
-        </p:grpSpPr>
-        <p:sp>
-          <p:nvSpPr>
-            <p:cNvPr id="10" name="TextBox 9">
-              <a:extLst>
-                <a:ext uri="{FF2B5EF4-FFF2-40B4-BE49-F238E27FC236}">
-                  <a16:creationId xmlns:a16="http://schemas.microsoft.com/office/drawing/2014/main" id="{8A8D1097-A224-EA12-46BF-122404DE86ED}"/>
-                </a:ext>
-              </a:extLst>
-            </p:cNvPr>
-            <p:cNvSpPr txBox="1"/>
-            <p:nvPr/>
-          </p:nvSpPr>
-          <p:spPr>
-            <a:xfrm>
-              <a:off x="4319464" y="3689828"/>
-              <a:ext cx="2110477" cy="369332"/>
-            </a:xfrm>
-            <a:prstGeom prst="rect">
-              <a:avLst/>
-            </a:prstGeom>
-            <a:noFill/>
-          </p:spPr>
-          <p:txBody>
-            <a:bodyPr wrap="square" rtlCol="0">
-              <a:spAutoFit/>
-            </a:bodyPr>
-            <a:lstStyle/>
-            <a:p>
-              <a:r>
-                <a:rPr lang="en-US" sz="1800" dirty="0"/>
-                <a:t>4 “parts” losing</a:t>
-              </a:r>
-            </a:p>
-          </p:txBody>
-        </p:sp>
-        <p:cxnSp>
-          <p:nvCxnSpPr>
-            <p:cNvPr id="11" name="Straight Arrow Connector 10">
-              <a:extLst>
-                <a:ext uri="{FF2B5EF4-FFF2-40B4-BE49-F238E27FC236}">
-                  <a16:creationId xmlns:a16="http://schemas.microsoft.com/office/drawing/2014/main" id="{0C79D9C4-0A43-F64C-C6D4-A013DB97D10C}"/>
-                </a:ext>
-              </a:extLst>
-            </p:cNvPr>
-            <p:cNvCxnSpPr>
-              <a:cxnSpLocks/>
-            </p:cNvCxnSpPr>
-            <p:nvPr/>
-          </p:nvCxnSpPr>
-          <p:spPr>
-            <a:xfrm>
-              <a:off x="3359295" y="3735886"/>
-              <a:ext cx="850931" cy="153889"/>
-            </a:xfrm>
-            <a:prstGeom prst="straightConnector1">
-              <a:avLst/>
-            </a:prstGeom>
-            <a:ln>
-              <a:tailEnd type="triangle"/>
-            </a:ln>
-          </p:spPr>
-          <p:style>
-            <a:lnRef idx="1">
-              <a:schemeClr val="accent1"/>
-            </a:lnRef>
-            <a:fillRef idx="0">
-              <a:schemeClr val="accent1"/>
-            </a:fillRef>
-            <a:effectRef idx="0">
-              <a:schemeClr val="accent1"/>
-            </a:effectRef>
-            <a:fontRef idx="minor">
-              <a:schemeClr val="tx1"/>
-            </a:fontRef>
-          </p:style>
-        </p:cxnSp>
-      </p:grpSp>
-      <mc:AlternateContent xmlns:mc="http://schemas.openxmlformats.org/markup-compatibility/2006" xmlns:a14="http://schemas.microsoft.com/office/drawing/2010/main">
-        <mc:Choice Requires="a14">
-          <p:sp>
-            <p:nvSpPr>
-              <p:cNvPr id="17" name="TextBox 16">
-                <a:extLst>
-                  <a:ext uri="{FF2B5EF4-FFF2-40B4-BE49-F238E27FC236}">
-                    <a16:creationId xmlns:a16="http://schemas.microsoft.com/office/drawing/2014/main" id="{F8C88400-90AF-273A-35DE-811506CE95BE}"/>
-                  </a:ext>
-                </a:extLst>
-              </p:cNvPr>
-              <p:cNvSpPr txBox="1"/>
-              <p:nvPr/>
-            </p:nvSpPr>
-            <p:spPr>
-              <a:xfrm>
-                <a:off x="1685581" y="4472848"/>
-                <a:ext cx="1982338" cy="369332"/>
-              </a:xfrm>
-              <a:prstGeom prst="rect">
-                <a:avLst/>
-              </a:prstGeom>
-              <a:noFill/>
-            </p:spPr>
-            <p:txBody>
-              <a:bodyPr wrap="none" rtlCol="0">
-                <a:spAutoFit/>
-              </a:bodyPr>
-              <a:lstStyle/>
-              <a:p>
-                <a:pPr/>
-                <a14:m>
-                  <m:oMathPara xmlns:m="http://schemas.openxmlformats.org/officeDocument/2006/math">
-                    <m:oMathParaPr>
-                      <m:jc m:val="centerGroup"/>
-                    </m:oMathParaPr>
-                    <m:oMath xmlns:m="http://schemas.openxmlformats.org/officeDocument/2006/math">
-                      <m:r>
-                        <a:rPr lang="en-US" sz="1800" b="0" i="1" smtClean="0">
-                          <a:latin typeface="Cambria Math" panose="02040503050406030204" pitchFamily="18" charset="0"/>
-                        </a:rPr>
-                        <m:t>𝑂𝑑𝑑𝑠</m:t>
-                      </m:r>
-                      <m:r>
-                        <a:rPr lang="en-US" sz="1800" b="0" i="1" smtClean="0">
-                          <a:latin typeface="Cambria Math" panose="02040503050406030204" pitchFamily="18" charset="0"/>
-                        </a:rPr>
-                        <m:t> </m:t>
-                      </m:r>
-                      <m:r>
-                        <a:rPr lang="en-US" sz="1800" b="0" i="1" smtClean="0">
-                          <a:latin typeface="Cambria Math" panose="02040503050406030204" pitchFamily="18" charset="0"/>
-                        </a:rPr>
-                        <m:t>𝑊𝑖𝑛𝑛𝑖𝑛𝑔</m:t>
-                      </m:r>
-                      <m:r>
-                        <a:rPr lang="en-US" sz="1800" b="0" i="1" smtClean="0">
-                          <a:latin typeface="Cambria Math" panose="02040503050406030204" pitchFamily="18" charset="0"/>
-                        </a:rPr>
-                        <m:t>=</m:t>
-                      </m:r>
-                    </m:oMath>
-                  </m:oMathPara>
-                </a14:m>
-                <a:endParaRPr lang="en-US" sz="1800" dirty="0"/>
-              </a:p>
-            </p:txBody>
-          </p:sp>
-        </mc:Choice>
-        <mc:Fallback xmlns="">
-          <p:sp>
-            <p:nvSpPr>
-              <p:cNvPr id="17" name="TextBox 16">
-                <a:extLst>
-                  <a:ext uri="{FF2B5EF4-FFF2-40B4-BE49-F238E27FC236}">
-                    <a16:creationId xmlns:a16="http://schemas.microsoft.com/office/drawing/2014/main" id="{F8C88400-90AF-273A-35DE-811506CE95BE}"/>
-                  </a:ext>
-                </a:extLst>
-              </p:cNvPr>
-              <p:cNvSpPr txBox="1">
-                <a:spLocks noRot="1" noChangeAspect="1" noMove="1" noResize="1" noEditPoints="1" noAdjustHandles="1" noChangeArrowheads="1" noChangeShapeType="1" noTextEdit="1"/>
-              </p:cNvSpPr>
-              <p:nvPr/>
-            </p:nvSpPr>
-            <p:spPr>
-              <a:xfrm>
-                <a:off x="1685581" y="4472848"/>
-                <a:ext cx="1982338" cy="369332"/>
-              </a:xfrm>
-              <a:prstGeom prst="rect">
-                <a:avLst/>
-              </a:prstGeom>
-              <a:blipFill>
-                <a:blip r:embed="rId5"/>
-                <a:stretch>
-                  <a:fillRect b="-16667"/>
-                </a:stretch>
-              </a:blipFill>
-            </p:spPr>
-            <p:txBody>
-              <a:bodyPr/>
-              <a:lstStyle/>
-              <a:p>
-                <a:r>
-                  <a:rPr lang="en-US">
-                    <a:noFill/>
-                  </a:rPr>
-                  <a:t> </a:t>
-                </a:r>
-              </a:p>
-            </p:txBody>
-          </p:sp>
-        </mc:Fallback>
-      </mc:AlternateContent>
-      <mc:AlternateContent xmlns:mc="http://schemas.openxmlformats.org/markup-compatibility/2006" xmlns:a14="http://schemas.microsoft.com/office/drawing/2010/main">
-        <mc:Choice Requires="a14">
-          <p:sp>
-            <p:nvSpPr>
-              <p:cNvPr id="18" name="TextBox 17">
-                <a:extLst>
-                  <a:ext uri="{FF2B5EF4-FFF2-40B4-BE49-F238E27FC236}">
-                    <a16:creationId xmlns:a16="http://schemas.microsoft.com/office/drawing/2014/main" id="{1B28BB0C-BCF2-555C-B231-B4C218CA9BF4}"/>
-                  </a:ext>
-                </a:extLst>
-              </p:cNvPr>
-              <p:cNvSpPr txBox="1"/>
-              <p:nvPr/>
-            </p:nvSpPr>
-            <p:spPr>
-              <a:xfrm>
-                <a:off x="3579688" y="4472848"/>
-                <a:ext cx="604653" cy="369332"/>
-              </a:xfrm>
-              <a:prstGeom prst="rect">
-                <a:avLst/>
-              </a:prstGeom>
-              <a:noFill/>
-            </p:spPr>
-            <p:txBody>
-              <a:bodyPr wrap="none" rtlCol="0">
-                <a:spAutoFit/>
-              </a:bodyPr>
-              <a:lstStyle/>
-              <a:p>
-                <a:pPr/>
-                <a14:m>
-                  <m:oMathPara xmlns:m="http://schemas.openxmlformats.org/officeDocument/2006/math">
-                    <m:oMathParaPr>
-                      <m:jc m:val="centerGroup"/>
-                    </m:oMathParaPr>
-                    <m:oMath xmlns:m="http://schemas.openxmlformats.org/officeDocument/2006/math">
-                      <m:r>
-                        <a:rPr lang="en-US" sz="1800" b="0" i="1" smtClean="0">
-                          <a:latin typeface="Cambria Math" panose="02040503050406030204" pitchFamily="18" charset="0"/>
-                        </a:rPr>
-                        <m:t>1:4</m:t>
-                      </m:r>
-                    </m:oMath>
-                  </m:oMathPara>
-                </a14:m>
-                <a:endParaRPr lang="en-US" sz="1800" dirty="0"/>
-              </a:p>
-            </p:txBody>
-          </p:sp>
-        </mc:Choice>
-        <mc:Fallback xmlns="">
-          <p:sp>
-            <p:nvSpPr>
-              <p:cNvPr id="18" name="TextBox 17">
-                <a:extLst>
-                  <a:ext uri="{FF2B5EF4-FFF2-40B4-BE49-F238E27FC236}">
-                    <a16:creationId xmlns:a16="http://schemas.microsoft.com/office/drawing/2014/main" id="{1B28BB0C-BCF2-555C-B231-B4C218CA9BF4}"/>
-                  </a:ext>
-                </a:extLst>
-              </p:cNvPr>
-              <p:cNvSpPr txBox="1">
-                <a:spLocks noRot="1" noChangeAspect="1" noMove="1" noResize="1" noEditPoints="1" noAdjustHandles="1" noChangeArrowheads="1" noChangeShapeType="1" noTextEdit="1"/>
-              </p:cNvSpPr>
-              <p:nvPr/>
-            </p:nvSpPr>
-            <p:spPr>
-              <a:xfrm>
-                <a:off x="3579688" y="4472848"/>
-                <a:ext cx="604653" cy="369332"/>
-              </a:xfrm>
-              <a:prstGeom prst="rect">
-                <a:avLst/>
-              </a:prstGeom>
-              <a:blipFill>
-                <a:blip r:embed="rId6"/>
-                <a:stretch>
-                  <a:fillRect/>
-                </a:stretch>
-              </a:blipFill>
-            </p:spPr>
-            <p:txBody>
-              <a:bodyPr/>
-              <a:lstStyle/>
-              <a:p>
-                <a:r>
-                  <a:rPr lang="en-US">
-                    <a:noFill/>
-                  </a:rPr>
-                  <a:t> </a:t>
-                </a:r>
-              </a:p>
-            </p:txBody>
-          </p:sp>
-        </mc:Fallback>
-      </mc:AlternateContent>
-    </p:spTree>
-    <p:extLst>
-      <p:ext uri="{BB962C8B-B14F-4D97-AF65-F5344CB8AC3E}">
-        <p14:creationId xmlns:p14="http://schemas.microsoft.com/office/powerpoint/2010/main" val="2441485081"/>
-      </p:ext>
-    </p:extLst>
-  </p:cSld>
-  <p:clrMapOvr>
-    <a:masterClrMapping/>
-  </p:clrMapOvr>
-  <p:timing>
-    <p:tnLst>
-      <p:par>
-        <p:cTn id="1" dur="indefinite" restart="never" nodeType="tmRoot">
-          <p:childTnLst>
-            <p:seq concurrent="1" nextAc="seek">
-              <p:cTn id="2" dur="indefinite" nodeType="mainSeq">
-                <p:childTnLst>
-                  <p:par>
-                    <p:cTn id="3" fill="hold">
-                      <p:stCondLst>
-                        <p:cond delay="indefinite"/>
-                      </p:stCondLst>
-                      <p:childTnLst>
-                        <p:par>
-                          <p:cTn id="4" fill="hold">
-                            <p:stCondLst>
-                              <p:cond delay="0"/>
-                            </p:stCondLst>
-                            <p:childTnLst>
-                              <p:par>
-                                <p:cTn id="5" presetID="1" presetClass="entr" presetSubtype="0" fill="hold" grpId="0" nodeType="clickEffect">
-                                  <p:stCondLst>
-                                    <p:cond delay="0"/>
-                                  </p:stCondLst>
-                                  <p:childTnLst>
-                                    <p:set>
-                                      <p:cBhvr>
-                                        <p:cTn id="6" dur="1" fill="hold">
-                                          <p:stCondLst>
-                                            <p:cond delay="0"/>
-                                          </p:stCondLst>
-                                        </p:cTn>
-                                        <p:tgtEl>
-                                          <p:spTgt spid="6"/>
-                                        </p:tgtEl>
-                                        <p:attrNameLst>
-                                          <p:attrName>style.visibility</p:attrName>
-                                        </p:attrNameLst>
-                                      </p:cBhvr>
-                                      <p:to>
-                                        <p:strVal val="visible"/>
-                                      </p:to>
-                                    </p:set>
-                                  </p:childTnLst>
-                                </p:cTn>
-                              </p:par>
-                            </p:childTnLst>
-                          </p:cTn>
-                        </p:par>
-                      </p:childTnLst>
-                    </p:cTn>
-                  </p:par>
-                  <p:par>
-                    <p:cTn id="7" fill="hold">
-                      <p:stCondLst>
-                        <p:cond delay="indefinite"/>
-                      </p:stCondLst>
-                      <p:childTnLst>
-                        <p:par>
-                          <p:cTn id="8" fill="hold">
-                            <p:stCondLst>
-                              <p:cond delay="0"/>
-                            </p:stCondLst>
-                            <p:childTnLst>
-                              <p:par>
-                                <p:cTn id="9" presetID="1" presetClass="entr" presetSubtype="0" fill="hold" grpId="0" nodeType="clickEffect">
-                                  <p:stCondLst>
-                                    <p:cond delay="0"/>
-                                  </p:stCondLst>
-                                  <p:childTnLst>
-                                    <p:set>
-                                      <p:cBhvr>
-                                        <p:cTn id="10" dur="1" fill="hold">
-                                          <p:stCondLst>
-                                            <p:cond delay="0"/>
-                                          </p:stCondLst>
-                                        </p:cTn>
-                                        <p:tgtEl>
-                                          <p:spTgt spid="4"/>
-                                        </p:tgtEl>
-                                        <p:attrNameLst>
-                                          <p:attrName>style.visibility</p:attrName>
-                                        </p:attrNameLst>
-                                      </p:cBhvr>
-                                      <p:to>
-                                        <p:strVal val="visible"/>
-                                      </p:to>
-                                    </p:set>
-                                  </p:childTnLst>
-                                </p:cTn>
-                              </p:par>
-                            </p:childTnLst>
-                          </p:cTn>
-                        </p:par>
-                      </p:childTnLst>
-                    </p:cTn>
-                  </p:par>
-                  <p:par>
-                    <p:cTn id="11" fill="hold">
-                      <p:stCondLst>
-                        <p:cond delay="indefinite"/>
-                      </p:stCondLst>
-                      <p:childTnLst>
-                        <p:par>
-                          <p:cTn id="12" fill="hold">
-                            <p:stCondLst>
-                              <p:cond delay="0"/>
-                            </p:stCondLst>
-                            <p:childTnLst>
-                              <p:par>
-                                <p:cTn id="13" presetID="1" presetClass="entr" presetSubtype="0" fill="hold" nodeType="clickEffect">
-                                  <p:stCondLst>
-                                    <p:cond delay="0"/>
-                                  </p:stCondLst>
-                                  <p:childTnLst>
-                                    <p:set>
-                                      <p:cBhvr>
-                                        <p:cTn id="14" dur="1" fill="hold">
-                                          <p:stCondLst>
-                                            <p:cond delay="0"/>
-                                          </p:stCondLst>
-                                        </p:cTn>
-                                        <p:tgtEl>
-                                          <p:spTgt spid="15"/>
-                                        </p:tgtEl>
-                                        <p:attrNameLst>
-                                          <p:attrName>style.visibility</p:attrName>
-                                        </p:attrNameLst>
-                                      </p:cBhvr>
-                                      <p:to>
-                                        <p:strVal val="visible"/>
-                                      </p:to>
-                                    </p:set>
-                                  </p:childTnLst>
-                                </p:cTn>
-                              </p:par>
-                            </p:childTnLst>
-                          </p:cTn>
-                        </p:par>
-                      </p:childTnLst>
-                    </p:cTn>
-                  </p:par>
-                  <p:par>
-                    <p:cTn id="15" fill="hold">
-                      <p:stCondLst>
-                        <p:cond delay="indefinite"/>
-                      </p:stCondLst>
-                      <p:childTnLst>
-                        <p:par>
-                          <p:cTn id="16" fill="hold">
-                            <p:stCondLst>
-                              <p:cond delay="0"/>
-                            </p:stCondLst>
-                            <p:childTnLst>
-                              <p:par>
-                                <p:cTn id="17" presetID="1" presetClass="entr" presetSubtype="0" fill="hold" nodeType="clickEffect">
-                                  <p:stCondLst>
-                                    <p:cond delay="0"/>
-                                  </p:stCondLst>
-                                  <p:childTnLst>
-                                    <p:set>
-                                      <p:cBhvr>
-                                        <p:cTn id="18" dur="1" fill="hold">
-                                          <p:stCondLst>
-                                            <p:cond delay="0"/>
-                                          </p:stCondLst>
-                                        </p:cTn>
-                                        <p:tgtEl>
-                                          <p:spTgt spid="16"/>
-                                        </p:tgtEl>
-                                        <p:attrNameLst>
-                                          <p:attrName>style.visibility</p:attrName>
-                                        </p:attrNameLst>
-                                      </p:cBhvr>
-                                      <p:to>
-                                        <p:strVal val="visible"/>
-                                      </p:to>
-                                    </p:set>
-                                  </p:childTnLst>
-                                </p:cTn>
-                              </p:par>
-                            </p:childTnLst>
-                          </p:cTn>
-                        </p:par>
-                      </p:childTnLst>
-                    </p:cTn>
-                  </p:par>
-                  <p:par>
-                    <p:cTn id="19" fill="hold">
-                      <p:stCondLst>
-                        <p:cond delay="indefinite"/>
-                      </p:stCondLst>
-                      <p:childTnLst>
-                        <p:par>
-                          <p:cTn id="20" fill="hold">
-                            <p:stCondLst>
-                              <p:cond delay="0"/>
-                            </p:stCondLst>
-                            <p:childTnLst>
-                              <p:par>
-                                <p:cTn id="21" presetID="1" presetClass="entr" presetSubtype="0" fill="hold" grpId="0" nodeType="clickEffect">
-                                  <p:stCondLst>
-                                    <p:cond delay="0"/>
-                                  </p:stCondLst>
-                                  <p:childTnLst>
-                                    <p:set>
-                                      <p:cBhvr>
-                                        <p:cTn id="22" dur="1" fill="hold">
-                                          <p:stCondLst>
-                                            <p:cond delay="0"/>
-                                          </p:stCondLst>
-                                        </p:cTn>
-                                        <p:tgtEl>
-                                          <p:spTgt spid="17"/>
-                                        </p:tgtEl>
-                                        <p:attrNameLst>
-                                          <p:attrName>style.visibility</p:attrName>
-                                        </p:attrNameLst>
-                                      </p:cBhvr>
-                                      <p:to>
-                                        <p:strVal val="visible"/>
-                                      </p:to>
-                                    </p:set>
-                                  </p:childTnLst>
-                                </p:cTn>
-                              </p:par>
-                            </p:childTnLst>
-                          </p:cTn>
-                        </p:par>
-                      </p:childTnLst>
-                    </p:cTn>
-                  </p:par>
-                  <p:par>
-                    <p:cTn id="23" fill="hold">
-                      <p:stCondLst>
-                        <p:cond delay="indefinite"/>
-                      </p:stCondLst>
-                      <p:childTnLst>
-                        <p:par>
-                          <p:cTn id="24" fill="hold">
-                            <p:stCondLst>
-                              <p:cond delay="0"/>
-                            </p:stCondLst>
-                            <p:childTnLst>
-                              <p:par>
-                                <p:cTn id="25" presetID="1" presetClass="entr" presetSubtype="0" fill="hold" grpId="0" nodeType="clickEffect">
-                                  <p:stCondLst>
-                                    <p:cond delay="0"/>
-                                  </p:stCondLst>
-                                  <p:childTnLst>
-                                    <p:set>
-                                      <p:cBhvr>
-                                        <p:cTn id="26" dur="1" fill="hold">
-                                          <p:stCondLst>
-                                            <p:cond delay="0"/>
-                                          </p:stCondLst>
-                                        </p:cTn>
-                                        <p:tgtEl>
-                                          <p:spTgt spid="18"/>
-                                        </p:tgtEl>
-                                        <p:attrNameLst>
-                                          <p:attrName>style.visibility</p:attrName>
-                                        </p:attrNameLst>
-                                      </p:cBhvr>
-                                      <p:to>
-                                        <p:strVal val="visible"/>
-                                      </p:to>
-                                    </p:set>
-                                  </p:childTnLst>
-                                </p:cTn>
-                              </p:par>
-                            </p:childTnLst>
-                          </p:cTn>
-                        </p:par>
-                      </p:childTnLst>
-                    </p:cTn>
-                  </p:par>
-                </p:childTnLst>
-              </p:cTn>
-              <p:prevCondLst>
-                <p:cond evt="onPrev" delay="0">
-                  <p:tgtEl>
-                    <p:sldTgt/>
-                  </p:tgtEl>
-                </p:cond>
-              </p:prevCondLst>
-              <p:nextCondLst>
-                <p:cond evt="onNext" delay="0">
-                  <p:tgtEl>
-                    <p:sldTgt/>
-                  </p:tgtEl>
-                </p:cond>
-              </p:nextCondLst>
-            </p:seq>
-          </p:childTnLst>
-        </p:cTn>
-      </p:par>
-    </p:tnLst>
-    <p:bldLst>
-      <p:bldP spid="4" grpId="0"/>
-      <p:bldP spid="6" grpId="0"/>
-      <p:bldP spid="17" grpId="0"/>
-      <p:bldP spid="18" grpId="0"/>
-    </p:bldLst>
-  </p:timing>
-</p:sld>
-</file>
-
-<file path=ppt/slides/slide14.xml><?xml version="1.0" encoding="utf-8"?>
-<p:sld xmlns:a="http://schemas.openxmlformats.org/drawingml/2006/main" xmlns:r="http://schemas.openxmlformats.org/officeDocument/2006/relationships" xmlns:p="http://schemas.openxmlformats.org/presentationml/2006/main">
-  <p:cSld>
-    <p:spTree>
-      <p:nvGrpSpPr>
-        <p:cNvPr id="1" name="Shape 247"/>
-        <p:cNvGrpSpPr/>
-        <p:nvPr/>
-      </p:nvGrpSpPr>
-      <p:grpSpPr>
-        <a:xfrm>
-          <a:off x="0" y="0"/>
-          <a:ext cx="0" cy="0"/>
-          <a:chOff x="0" y="0"/>
-          <a:chExt cx="0" cy="0"/>
-        </a:xfrm>
-      </p:grpSpPr>
-      <p:sp>
-        <p:nvSpPr>
-          <p:cNvPr id="248" name="Google Shape;248;p16"/>
-          <p:cNvSpPr txBox="1">
-            <a:spLocks noGrp="1"/>
-          </p:cNvSpPr>
-          <p:nvPr>
-            <p:ph type="title"/>
-          </p:nvPr>
-        </p:nvSpPr>
-        <p:spPr>
-          <a:prstGeom prst="rect">
-            <a:avLst/>
-          </a:prstGeom>
-        </p:spPr>
-        <p:txBody>
-          <a:bodyPr spcFirstLastPara="1" wrap="square" lIns="91425" tIns="91425" rIns="91425" bIns="91425" anchor="ctr" anchorCtr="0">
-            <a:noAutofit/>
-          </a:bodyPr>
-          <a:lstStyle/>
-          <a:p>
-            <a:pPr marL="0" lvl="0" indent="0" algn="l" rtl="0">
-              <a:spcBef>
-                <a:spcPts val="0"/>
-              </a:spcBef>
-              <a:spcAft>
-                <a:spcPts val="0"/>
-              </a:spcAft>
-              <a:buNone/>
-            </a:pPr>
-            <a:r>
-              <a:rPr lang="en" dirty="0"/>
-              <a:t>Odds</a:t>
-            </a:r>
-            <a:endParaRPr dirty="0"/>
-          </a:p>
-        </p:txBody>
-      </p:sp>
-      <p:sp>
-        <p:nvSpPr>
-          <p:cNvPr id="2" name="Text Placeholder 1">
-            <a:extLst>
-              <a:ext uri="{FF2B5EF4-FFF2-40B4-BE49-F238E27FC236}">
-                <a16:creationId xmlns:a16="http://schemas.microsoft.com/office/drawing/2014/main" id="{ADC04ADF-3C89-B545-B3AC-998590695FDC}"/>
-              </a:ext>
-            </a:extLst>
-          </p:cNvPr>
-          <p:cNvSpPr>
-            <a:spLocks noGrp="1"/>
-          </p:cNvSpPr>
-          <p:nvPr>
-            <p:ph type="body" idx="1"/>
-          </p:nvPr>
-        </p:nvSpPr>
-        <p:spPr>
-          <a:xfrm>
-            <a:off x="577767" y="1384142"/>
-            <a:ext cx="7621258" cy="3217457"/>
-          </a:xfrm>
-        </p:spPr>
-        <p:txBody>
-          <a:bodyPr anchor="t"/>
-          <a:lstStyle/>
-          <a:p>
-            <a:pPr marL="76200" indent="0">
-              <a:buNone/>
-            </a:pPr>
-            <a:r>
-              <a:rPr lang="en-US" sz="2000" b="1" u="sng" dirty="0"/>
-              <a:t>Example</a:t>
-            </a:r>
-            <a:endParaRPr lang="en-US" sz="2000" dirty="0"/>
-          </a:p>
-          <a:p>
-            <a:pPr marL="76200" indent="0">
-              <a:buNone/>
-            </a:pPr>
-            <a:r>
-              <a:rPr lang="en-US" sz="2000" dirty="0"/>
-              <a:t>If the odds on a bet are 18:1 against, what is the probability of </a:t>
-            </a:r>
-            <a:r>
-              <a:rPr lang="en-US" sz="2000" u="sng" dirty="0"/>
-              <a:t>winning</a:t>
-            </a:r>
-            <a:r>
-              <a:rPr lang="en-US" sz="2000" dirty="0"/>
-              <a:t>?</a:t>
-            </a:r>
-          </a:p>
-          <a:p>
-            <a:pPr marL="76200" indent="0">
-              <a:buNone/>
-            </a:pPr>
-            <a:endParaRPr lang="en-US" sz="600" dirty="0"/>
-          </a:p>
-          <a:p>
-            <a:pPr marL="76200" indent="0">
-              <a:buNone/>
-            </a:pPr>
-            <a:endParaRPr lang="en-US" sz="600" b="0" dirty="0"/>
-          </a:p>
-          <a:p>
-            <a:pPr marL="76200" indent="0">
-              <a:buNone/>
-            </a:pPr>
-            <a:endParaRPr lang="en-US" sz="1800" b="0" i="1" dirty="0">
-              <a:latin typeface="Cambria Math" panose="02040503050406030204" pitchFamily="18" charset="0"/>
-            </a:endParaRPr>
-          </a:p>
-        </p:txBody>
-      </p:sp>
-      <p:sp>
-        <p:nvSpPr>
-          <p:cNvPr id="250" name="Google Shape;250;p16"/>
-          <p:cNvSpPr txBox="1">
-            <a:spLocks noGrp="1"/>
-          </p:cNvSpPr>
-          <p:nvPr>
-            <p:ph type="sldNum" idx="12"/>
-          </p:nvPr>
-        </p:nvSpPr>
-        <p:spPr>
-          <a:prstGeom prst="rect">
-            <a:avLst/>
-          </a:prstGeom>
-        </p:spPr>
-        <p:txBody>
-          <a:bodyPr spcFirstLastPara="1" wrap="square" lIns="91425" tIns="91425" rIns="91425" bIns="91425" anchor="ctr" anchorCtr="0">
-            <a:noAutofit/>
-          </a:bodyPr>
-          <a:lstStyle/>
-          <a:p>
-            <a:pPr marL="0" lvl="0" indent="0" algn="r" rtl="0">
-              <a:spcBef>
-                <a:spcPts val="0"/>
-              </a:spcBef>
-              <a:spcAft>
-                <a:spcPts val="0"/>
-              </a:spcAft>
-              <a:buNone/>
-            </a:pPr>
-            <a:fld id="{00000000-1234-1234-1234-123412341234}" type="slidenum">
-              <a:rPr lang="en"/>
-              <a:t>14</a:t>
-            </a:fld>
-            <a:endParaRPr/>
-          </a:p>
-        </p:txBody>
-      </p:sp>
-      <p:grpSp>
-        <p:nvGrpSpPr>
-          <p:cNvPr id="251" name="Google Shape;251;p16"/>
-          <p:cNvGrpSpPr/>
-          <p:nvPr/>
-        </p:nvGrpSpPr>
-        <p:grpSpPr>
-          <a:xfrm>
-            <a:off x="282216" y="590918"/>
-            <a:ext cx="369505" cy="369505"/>
-            <a:chOff x="2594050" y="1631825"/>
-            <a:chExt cx="439625" cy="439625"/>
-          </a:xfrm>
-        </p:grpSpPr>
-        <p:sp>
-          <p:nvSpPr>
-            <p:cNvPr id="252" name="Google Shape;252;p16"/>
-            <p:cNvSpPr/>
-            <p:nvPr/>
-          </p:nvSpPr>
-          <p:spPr>
-            <a:xfrm>
-              <a:off x="2594050" y="1883300"/>
-              <a:ext cx="188175" cy="188150"/>
-            </a:xfrm>
-            <a:custGeom>
-              <a:avLst/>
-              <a:gdLst/>
-              <a:ahLst/>
-              <a:cxnLst/>
-              <a:rect l="l" t="t" r="r" b="b"/>
-              <a:pathLst>
-                <a:path w="7527" h="7526" fill="none" extrusionOk="0">
-                  <a:moveTo>
-                    <a:pt x="5992" y="0"/>
-                  </a:moveTo>
-                  <a:lnTo>
-                    <a:pt x="537" y="6430"/>
-                  </a:lnTo>
-                  <a:lnTo>
-                    <a:pt x="1" y="7526"/>
-                  </a:lnTo>
-                  <a:lnTo>
-                    <a:pt x="1097" y="6990"/>
-                  </a:lnTo>
-                  <a:lnTo>
-                    <a:pt x="7526" y="1534"/>
-                  </a:lnTo>
-                  <a:lnTo>
-                    <a:pt x="5992" y="0"/>
-                  </a:lnTo>
-                  <a:close/>
-                </a:path>
-              </a:pathLst>
-            </a:custGeom>
-            <a:noFill/>
-            <a:ln w="12175" cap="rnd" cmpd="sng">
-              <a:solidFill>
-                <a:schemeClr val="lt1"/>
-              </a:solidFill>
-              <a:prstDash val="solid"/>
-              <a:round/>
-              <a:headEnd type="none" w="sm" len="sm"/>
-              <a:tailEnd type="none" w="sm" len="sm"/>
-            </a:ln>
-          </p:spPr>
-          <p:txBody>
-            <a:bodyPr spcFirstLastPara="1" wrap="square" lIns="91425" tIns="91425" rIns="91425" bIns="91425" anchor="ctr" anchorCtr="0">
-              <a:noAutofit/>
-            </a:bodyPr>
-            <a:lstStyle/>
-            <a:p>
-              <a:pPr marL="0" lvl="0" indent="0" algn="l" rtl="0">
-                <a:spcBef>
-                  <a:spcPts val="0"/>
-                </a:spcBef>
-                <a:spcAft>
-                  <a:spcPts val="0"/>
-                </a:spcAft>
-                <a:buNone/>
-              </a:pPr>
-              <a:endParaRPr/>
-            </a:p>
-          </p:txBody>
-        </p:sp>
-        <p:sp>
-          <p:nvSpPr>
-            <p:cNvPr id="253" name="Google Shape;253;p16"/>
-            <p:cNvSpPr/>
-            <p:nvPr/>
-          </p:nvSpPr>
-          <p:spPr>
-            <a:xfrm>
-              <a:off x="2857700" y="1631825"/>
-              <a:ext cx="175975" cy="176000"/>
-            </a:xfrm>
-            <a:custGeom>
-              <a:avLst/>
-              <a:gdLst/>
-              <a:ahLst/>
-              <a:cxnLst/>
-              <a:rect l="l" t="t" r="r" b="b"/>
-              <a:pathLst>
-                <a:path w="7039" h="7040" fill="none" extrusionOk="0">
-                  <a:moveTo>
-                    <a:pt x="268" y="2704"/>
-                  </a:moveTo>
-                  <a:lnTo>
-                    <a:pt x="4336" y="6771"/>
-                  </a:lnTo>
-                  <a:lnTo>
-                    <a:pt x="4336" y="6771"/>
-                  </a:lnTo>
-                  <a:lnTo>
-                    <a:pt x="4336" y="6771"/>
-                  </a:lnTo>
-                  <a:lnTo>
-                    <a:pt x="4652" y="6917"/>
-                  </a:lnTo>
-                  <a:lnTo>
-                    <a:pt x="4993" y="7015"/>
-                  </a:lnTo>
-                  <a:lnTo>
-                    <a:pt x="5310" y="7039"/>
-                  </a:lnTo>
-                  <a:lnTo>
-                    <a:pt x="5651" y="7039"/>
-                  </a:lnTo>
-                  <a:lnTo>
-                    <a:pt x="5992" y="6966"/>
-                  </a:lnTo>
-                  <a:lnTo>
-                    <a:pt x="6308" y="6844"/>
-                  </a:lnTo>
-                  <a:lnTo>
-                    <a:pt x="6454" y="6747"/>
-                  </a:lnTo>
-                  <a:lnTo>
-                    <a:pt x="6601" y="6674"/>
-                  </a:lnTo>
-                  <a:lnTo>
-                    <a:pt x="6747" y="6552"/>
-                  </a:lnTo>
-                  <a:lnTo>
-                    <a:pt x="6893" y="6430"/>
-                  </a:lnTo>
-                  <a:lnTo>
-                    <a:pt x="6893" y="6430"/>
-                  </a:lnTo>
-                  <a:lnTo>
-                    <a:pt x="6942" y="6357"/>
-                  </a:lnTo>
-                  <a:lnTo>
-                    <a:pt x="7015" y="6260"/>
-                  </a:lnTo>
-                  <a:lnTo>
-                    <a:pt x="7039" y="6138"/>
-                  </a:lnTo>
-                  <a:lnTo>
-                    <a:pt x="7039" y="6041"/>
-                  </a:lnTo>
-                  <a:lnTo>
-                    <a:pt x="7039" y="6041"/>
-                  </a:lnTo>
-                  <a:lnTo>
-                    <a:pt x="7039" y="5943"/>
-                  </a:lnTo>
-                  <a:lnTo>
-                    <a:pt x="7015" y="5846"/>
-                  </a:lnTo>
-                  <a:lnTo>
-                    <a:pt x="6942" y="5748"/>
-                  </a:lnTo>
-                  <a:lnTo>
-                    <a:pt x="6893" y="5651"/>
-                  </a:lnTo>
-                  <a:lnTo>
-                    <a:pt x="1389" y="147"/>
-                  </a:lnTo>
-                  <a:lnTo>
-                    <a:pt x="1389" y="147"/>
-                  </a:lnTo>
-                  <a:lnTo>
-                    <a:pt x="1291" y="98"/>
-                  </a:lnTo>
-                  <a:lnTo>
-                    <a:pt x="1194" y="25"/>
-                  </a:lnTo>
-                  <a:lnTo>
-                    <a:pt x="1096" y="0"/>
-                  </a:lnTo>
-                  <a:lnTo>
-                    <a:pt x="999" y="0"/>
-                  </a:lnTo>
-                  <a:lnTo>
-                    <a:pt x="999" y="0"/>
-                  </a:lnTo>
-                  <a:lnTo>
-                    <a:pt x="902" y="0"/>
-                  </a:lnTo>
-                  <a:lnTo>
-                    <a:pt x="780" y="25"/>
-                  </a:lnTo>
-                  <a:lnTo>
-                    <a:pt x="682" y="98"/>
-                  </a:lnTo>
-                  <a:lnTo>
-                    <a:pt x="609" y="147"/>
-                  </a:lnTo>
-                  <a:lnTo>
-                    <a:pt x="609" y="147"/>
-                  </a:lnTo>
-                  <a:lnTo>
-                    <a:pt x="487" y="293"/>
-                  </a:lnTo>
-                  <a:lnTo>
-                    <a:pt x="366" y="439"/>
-                  </a:lnTo>
-                  <a:lnTo>
-                    <a:pt x="293" y="585"/>
-                  </a:lnTo>
-                  <a:lnTo>
-                    <a:pt x="195" y="731"/>
-                  </a:lnTo>
-                  <a:lnTo>
-                    <a:pt x="73" y="1048"/>
-                  </a:lnTo>
-                  <a:lnTo>
-                    <a:pt x="0" y="1389"/>
-                  </a:lnTo>
-                  <a:lnTo>
-                    <a:pt x="0" y="1730"/>
-                  </a:lnTo>
-                  <a:lnTo>
-                    <a:pt x="25" y="2046"/>
-                  </a:lnTo>
-                  <a:lnTo>
-                    <a:pt x="122" y="2387"/>
-                  </a:lnTo>
-                  <a:lnTo>
-                    <a:pt x="268" y="2704"/>
-                  </a:lnTo>
-                  <a:lnTo>
-                    <a:pt x="268" y="2704"/>
-                  </a:lnTo>
-                  <a:close/>
-                </a:path>
-              </a:pathLst>
-            </a:custGeom>
-            <a:noFill/>
-            <a:ln w="12175" cap="rnd" cmpd="sng">
-              <a:solidFill>
-                <a:schemeClr val="lt1"/>
-              </a:solidFill>
-              <a:prstDash val="solid"/>
-              <a:round/>
-              <a:headEnd type="none" w="sm" len="sm"/>
-              <a:tailEnd type="none" w="sm" len="sm"/>
-            </a:ln>
-          </p:spPr>
-          <p:txBody>
-            <a:bodyPr spcFirstLastPara="1" wrap="square" lIns="91425" tIns="91425" rIns="91425" bIns="91425" anchor="ctr" anchorCtr="0">
-              <a:noAutofit/>
-            </a:bodyPr>
-            <a:lstStyle/>
-            <a:p>
-              <a:pPr marL="0" lvl="0" indent="0" algn="l" rtl="0">
-                <a:spcBef>
-                  <a:spcPts val="0"/>
-                </a:spcBef>
-                <a:spcAft>
-                  <a:spcPts val="0"/>
-                </a:spcAft>
-                <a:buNone/>
-              </a:pPr>
-              <a:endParaRPr/>
-            </a:p>
-          </p:txBody>
-        </p:sp>
-        <p:sp>
-          <p:nvSpPr>
-            <p:cNvPr id="254" name="Google Shape;254;p16"/>
-            <p:cNvSpPr/>
-            <p:nvPr/>
-          </p:nvSpPr>
-          <p:spPr>
-            <a:xfrm>
-              <a:off x="2662850" y="1699400"/>
-              <a:ext cx="303250" cy="303250"/>
-            </a:xfrm>
-            <a:custGeom>
-              <a:avLst/>
-              <a:gdLst/>
-              <a:ahLst/>
-              <a:cxnLst/>
-              <a:rect l="l" t="t" r="r" b="b"/>
-              <a:pathLst>
-                <a:path w="12130" h="12130" fill="none" extrusionOk="0">
-                  <a:moveTo>
-                    <a:pt x="8038" y="1"/>
-                  </a:moveTo>
-                  <a:lnTo>
-                    <a:pt x="4872" y="3191"/>
-                  </a:lnTo>
-                  <a:lnTo>
-                    <a:pt x="4872" y="3191"/>
-                  </a:lnTo>
-                  <a:lnTo>
-                    <a:pt x="4628" y="3094"/>
-                  </a:lnTo>
-                  <a:lnTo>
-                    <a:pt x="4385" y="2997"/>
-                  </a:lnTo>
-                  <a:lnTo>
-                    <a:pt x="4092" y="2899"/>
-                  </a:lnTo>
-                  <a:lnTo>
-                    <a:pt x="3800" y="2850"/>
-                  </a:lnTo>
-                  <a:lnTo>
-                    <a:pt x="3484" y="2777"/>
-                  </a:lnTo>
-                  <a:lnTo>
-                    <a:pt x="3167" y="2729"/>
-                  </a:lnTo>
-                  <a:lnTo>
-                    <a:pt x="2850" y="2704"/>
-                  </a:lnTo>
-                  <a:lnTo>
-                    <a:pt x="2534" y="2704"/>
-                  </a:lnTo>
-                  <a:lnTo>
-                    <a:pt x="2534" y="2704"/>
-                  </a:lnTo>
-                  <a:lnTo>
-                    <a:pt x="2241" y="2704"/>
-                  </a:lnTo>
-                  <a:lnTo>
-                    <a:pt x="1949" y="2729"/>
-                  </a:lnTo>
-                  <a:lnTo>
-                    <a:pt x="1633" y="2777"/>
-                  </a:lnTo>
-                  <a:lnTo>
-                    <a:pt x="1316" y="2850"/>
-                  </a:lnTo>
-                  <a:lnTo>
-                    <a:pt x="999" y="2972"/>
-                  </a:lnTo>
-                  <a:lnTo>
-                    <a:pt x="707" y="3094"/>
-                  </a:lnTo>
-                  <a:lnTo>
-                    <a:pt x="415" y="3289"/>
-                  </a:lnTo>
-                  <a:lnTo>
-                    <a:pt x="147" y="3508"/>
-                  </a:lnTo>
-                  <a:lnTo>
-                    <a:pt x="147" y="3508"/>
-                  </a:lnTo>
-                  <a:lnTo>
-                    <a:pt x="74" y="3581"/>
-                  </a:lnTo>
-                  <a:lnTo>
-                    <a:pt x="25" y="3678"/>
-                  </a:lnTo>
-                  <a:lnTo>
-                    <a:pt x="1" y="3776"/>
-                  </a:lnTo>
-                  <a:lnTo>
-                    <a:pt x="1" y="3898"/>
-                  </a:lnTo>
-                  <a:lnTo>
-                    <a:pt x="1" y="3898"/>
-                  </a:lnTo>
-                  <a:lnTo>
-                    <a:pt x="1" y="3995"/>
-                  </a:lnTo>
-                  <a:lnTo>
-                    <a:pt x="25" y="4093"/>
-                  </a:lnTo>
-                  <a:lnTo>
-                    <a:pt x="74" y="4190"/>
-                  </a:lnTo>
-                  <a:lnTo>
-                    <a:pt x="147" y="4287"/>
-                  </a:lnTo>
-                  <a:lnTo>
-                    <a:pt x="7843" y="11984"/>
-                  </a:lnTo>
-                  <a:lnTo>
-                    <a:pt x="7843" y="11984"/>
-                  </a:lnTo>
-                  <a:lnTo>
-                    <a:pt x="7941" y="12057"/>
-                  </a:lnTo>
-                  <a:lnTo>
-                    <a:pt x="8038" y="12105"/>
-                  </a:lnTo>
-                  <a:lnTo>
-                    <a:pt x="8135" y="12130"/>
-                  </a:lnTo>
-                  <a:lnTo>
-                    <a:pt x="8233" y="12130"/>
-                  </a:lnTo>
-                  <a:lnTo>
-                    <a:pt x="8233" y="12130"/>
-                  </a:lnTo>
-                  <a:lnTo>
-                    <a:pt x="8355" y="12130"/>
-                  </a:lnTo>
-                  <a:lnTo>
-                    <a:pt x="8452" y="12105"/>
-                  </a:lnTo>
-                  <a:lnTo>
-                    <a:pt x="8549" y="12057"/>
-                  </a:lnTo>
-                  <a:lnTo>
-                    <a:pt x="8622" y="11984"/>
-                  </a:lnTo>
-                  <a:lnTo>
-                    <a:pt x="8622" y="11984"/>
-                  </a:lnTo>
-                  <a:lnTo>
-                    <a:pt x="8842" y="11716"/>
-                  </a:lnTo>
-                  <a:lnTo>
-                    <a:pt x="9036" y="11423"/>
-                  </a:lnTo>
-                  <a:lnTo>
-                    <a:pt x="9158" y="11131"/>
-                  </a:lnTo>
-                  <a:lnTo>
-                    <a:pt x="9280" y="10814"/>
-                  </a:lnTo>
-                  <a:lnTo>
-                    <a:pt x="9353" y="10498"/>
-                  </a:lnTo>
-                  <a:lnTo>
-                    <a:pt x="9402" y="10181"/>
-                  </a:lnTo>
-                  <a:lnTo>
-                    <a:pt x="9426" y="9889"/>
-                  </a:lnTo>
-                  <a:lnTo>
-                    <a:pt x="9426" y="9597"/>
-                  </a:lnTo>
-                  <a:lnTo>
-                    <a:pt x="9426" y="9597"/>
-                  </a:lnTo>
-                  <a:lnTo>
-                    <a:pt x="9426" y="9280"/>
-                  </a:lnTo>
-                  <a:lnTo>
-                    <a:pt x="9402" y="8964"/>
-                  </a:lnTo>
-                  <a:lnTo>
-                    <a:pt x="9353" y="8647"/>
-                  </a:lnTo>
-                  <a:lnTo>
-                    <a:pt x="9280" y="8330"/>
-                  </a:lnTo>
-                  <a:lnTo>
-                    <a:pt x="9231" y="8038"/>
-                  </a:lnTo>
-                  <a:lnTo>
-                    <a:pt x="9134" y="7746"/>
-                  </a:lnTo>
-                  <a:lnTo>
-                    <a:pt x="9036" y="7502"/>
-                  </a:lnTo>
-                  <a:lnTo>
-                    <a:pt x="8939" y="7259"/>
-                  </a:lnTo>
-                  <a:lnTo>
-                    <a:pt x="12130" y="4093"/>
-                  </a:lnTo>
-                </a:path>
-              </a:pathLst>
-            </a:custGeom>
-            <a:noFill/>
-            <a:ln w="12175" cap="rnd" cmpd="sng">
-              <a:solidFill>
-                <a:schemeClr val="lt1"/>
-              </a:solidFill>
-              <a:prstDash val="solid"/>
-              <a:round/>
-              <a:headEnd type="none" w="sm" len="sm"/>
-              <a:tailEnd type="none" w="sm" len="sm"/>
-            </a:ln>
-          </p:spPr>
-          <p:txBody>
-            <a:bodyPr spcFirstLastPara="1" wrap="square" lIns="91425" tIns="91425" rIns="91425" bIns="91425" anchor="ctr" anchorCtr="0">
-              <a:noAutofit/>
-            </a:bodyPr>
-            <a:lstStyle/>
-            <a:p>
-              <a:pPr marL="0" lvl="0" indent="0" algn="l" rtl="0">
-                <a:spcBef>
-                  <a:spcPts val="0"/>
-                </a:spcBef>
-                <a:spcAft>
-                  <a:spcPts val="0"/>
-                </a:spcAft>
-                <a:buNone/>
-              </a:pPr>
-              <a:endParaRPr/>
-            </a:p>
-          </p:txBody>
-        </p:sp>
-        <p:sp>
-          <p:nvSpPr>
-            <p:cNvPr id="255" name="Google Shape;255;p16"/>
-            <p:cNvSpPr/>
-            <p:nvPr/>
-          </p:nvSpPr>
-          <p:spPr>
-            <a:xfrm>
-              <a:off x="2801675" y="1740825"/>
-              <a:ext cx="49950" cy="49950"/>
-            </a:xfrm>
-            <a:custGeom>
-              <a:avLst/>
-              <a:gdLst/>
-              <a:ahLst/>
-              <a:cxnLst/>
-              <a:rect l="l" t="t" r="r" b="b"/>
-              <a:pathLst>
-                <a:path w="1998" h="1998" fill="none" extrusionOk="0">
-                  <a:moveTo>
-                    <a:pt x="1" y="1997"/>
-                  </a:moveTo>
-                  <a:lnTo>
-                    <a:pt x="1998" y="0"/>
-                  </a:lnTo>
-                </a:path>
-              </a:pathLst>
-            </a:custGeom>
-            <a:noFill/>
-            <a:ln w="12175" cap="rnd" cmpd="sng">
-              <a:solidFill>
-                <a:schemeClr val="lt1"/>
-              </a:solidFill>
-              <a:prstDash val="solid"/>
-              <a:round/>
-              <a:headEnd type="none" w="sm" len="sm"/>
-              <a:tailEnd type="none" w="sm" len="sm"/>
-            </a:ln>
-          </p:spPr>
-          <p:txBody>
-            <a:bodyPr spcFirstLastPara="1" wrap="square" lIns="91425" tIns="91425" rIns="91425" bIns="91425" anchor="ctr" anchorCtr="0">
-              <a:noAutofit/>
-            </a:bodyPr>
-            <a:lstStyle/>
-            <a:p>
-              <a:pPr marL="0" lvl="0" indent="0" algn="l" rtl="0">
-                <a:spcBef>
-                  <a:spcPts val="0"/>
-                </a:spcBef>
-                <a:spcAft>
-                  <a:spcPts val="0"/>
-                </a:spcAft>
-                <a:buNone/>
-              </a:pPr>
-              <a:endParaRPr/>
-            </a:p>
-          </p:txBody>
-        </p:sp>
-      </p:grpSp>
-      <p:grpSp>
-        <p:nvGrpSpPr>
-          <p:cNvPr id="3" name="Group 2">
-            <a:extLst>
-              <a:ext uri="{FF2B5EF4-FFF2-40B4-BE49-F238E27FC236}">
-                <a16:creationId xmlns:a16="http://schemas.microsoft.com/office/drawing/2014/main" id="{99831F0D-C8E2-B840-BC4A-D8C184DFA567}"/>
-              </a:ext>
-            </a:extLst>
-          </p:cNvPr>
-          <p:cNvGrpSpPr/>
-          <p:nvPr/>
-        </p:nvGrpSpPr>
-        <p:grpSpPr>
-          <a:xfrm>
-            <a:off x="7218250" y="126225"/>
-            <a:ext cx="980775" cy="562200"/>
-            <a:chOff x="7218250" y="126225"/>
-            <a:chExt cx="980775" cy="562200"/>
-          </a:xfrm>
-        </p:grpSpPr>
-        <p:sp>
-          <p:nvSpPr>
-            <p:cNvPr id="256" name="Google Shape;256;p16"/>
-            <p:cNvSpPr/>
-            <p:nvPr/>
-          </p:nvSpPr>
-          <p:spPr>
-            <a:xfrm>
-              <a:off x="7218250" y="126225"/>
-              <a:ext cx="562200" cy="562200"/>
-            </a:xfrm>
-            <a:prstGeom prst="diamond">
-              <a:avLst/>
-            </a:prstGeom>
-            <a:noFill/>
-            <a:ln w="76200" cap="flat" cmpd="sng">
-              <a:solidFill>
-                <a:schemeClr val="dk2"/>
-              </a:solidFill>
-              <a:prstDash val="solid"/>
-              <a:miter lim="8000"/>
-              <a:headEnd type="none" w="sm" len="sm"/>
-              <a:tailEnd type="none" w="sm" len="sm"/>
-            </a:ln>
-          </p:spPr>
-          <p:txBody>
-            <a:bodyPr spcFirstLastPara="1" wrap="square" lIns="91425" tIns="91425" rIns="91425" bIns="91425" anchor="ctr" anchorCtr="0">
-              <a:noAutofit/>
-            </a:bodyPr>
-            <a:lstStyle/>
-            <a:p>
-              <a:pPr marL="0" lvl="0" indent="0" algn="ctr" rtl="0">
-                <a:spcBef>
-                  <a:spcPts val="0"/>
-                </a:spcBef>
-                <a:spcAft>
-                  <a:spcPts val="0"/>
-                </a:spcAft>
-                <a:buNone/>
-              </a:pPr>
-              <a:endParaRPr>
-                <a:solidFill>
-                  <a:schemeClr val="dk2"/>
-                </a:solidFill>
-                <a:latin typeface="Roboto Condensed"/>
-                <a:ea typeface="Roboto Condensed"/>
-                <a:cs typeface="Roboto Condensed"/>
-                <a:sym typeface="Roboto Condensed"/>
-              </a:endParaRPr>
-            </a:p>
-          </p:txBody>
-        </p:sp>
-        <p:sp>
-          <p:nvSpPr>
-            <p:cNvPr id="259" name="Google Shape;259;p16"/>
-            <p:cNvSpPr/>
-            <p:nvPr/>
-          </p:nvSpPr>
-          <p:spPr>
-            <a:xfrm>
-              <a:off x="7636825" y="126225"/>
-              <a:ext cx="562200" cy="562200"/>
-            </a:xfrm>
-            <a:prstGeom prst="diamond">
-              <a:avLst/>
-            </a:prstGeom>
-            <a:solidFill>
-              <a:schemeClr val="lt1"/>
-            </a:solidFill>
-            <a:ln w="76200" cap="flat" cmpd="sng">
-              <a:solidFill>
-                <a:schemeClr val="accent5"/>
-              </a:solidFill>
-              <a:prstDash val="solid"/>
-              <a:miter lim="8000"/>
-              <a:headEnd type="none" w="sm" len="sm"/>
-              <a:tailEnd type="none" w="sm" len="sm"/>
-            </a:ln>
-          </p:spPr>
-          <p:txBody>
-            <a:bodyPr spcFirstLastPara="1" wrap="square" lIns="91425" tIns="91425" rIns="91425" bIns="91425" anchor="ctr" anchorCtr="0">
-              <a:noAutofit/>
-            </a:bodyPr>
-            <a:lstStyle/>
-            <a:p>
-              <a:pPr marL="0" lvl="0" indent="0" algn="ctr" rtl="0">
-                <a:spcBef>
-                  <a:spcPts val="0"/>
-                </a:spcBef>
-                <a:spcAft>
-                  <a:spcPts val="0"/>
-                </a:spcAft>
-                <a:buNone/>
-              </a:pPr>
-              <a:endParaRPr>
-                <a:solidFill>
-                  <a:schemeClr val="dk2"/>
-                </a:solidFill>
-                <a:latin typeface="Roboto Condensed"/>
-                <a:ea typeface="Roboto Condensed"/>
-                <a:cs typeface="Roboto Condensed"/>
-                <a:sym typeface="Roboto Condensed"/>
-              </a:endParaRPr>
-            </a:p>
-          </p:txBody>
-        </p:sp>
-      </p:grpSp>
-      <p:sp>
-        <p:nvSpPr>
-          <p:cNvPr id="260" name="Google Shape;260;p16"/>
-          <p:cNvSpPr txBox="1"/>
-          <p:nvPr/>
-        </p:nvSpPr>
-        <p:spPr>
-          <a:xfrm>
-            <a:off x="7732400" y="48200"/>
-            <a:ext cx="391800" cy="654600"/>
-          </a:xfrm>
-          <a:prstGeom prst="rect">
-            <a:avLst/>
-          </a:prstGeom>
-          <a:noFill/>
-          <a:ln>
-            <a:noFill/>
-          </a:ln>
-        </p:spPr>
-        <p:txBody>
-          <a:bodyPr spcFirstLastPara="1" wrap="square" lIns="91425" tIns="91425" rIns="91425" bIns="91425" anchor="b" anchorCtr="0">
-            <a:noAutofit/>
-          </a:bodyPr>
-          <a:lstStyle/>
-          <a:p>
-            <a:pPr marL="0" lvl="0" indent="0" algn="l" rtl="0">
-              <a:spcBef>
-                <a:spcPts val="0"/>
-              </a:spcBef>
-              <a:spcAft>
-                <a:spcPts val="0"/>
-              </a:spcAft>
-              <a:buNone/>
-            </a:pPr>
-            <a:r>
-              <a:rPr lang="en" sz="2600" b="1" dirty="0">
-                <a:solidFill>
-                  <a:schemeClr val="accent5"/>
-                </a:solidFill>
-                <a:latin typeface="Roboto Condensed"/>
-                <a:ea typeface="Roboto Condensed"/>
-                <a:cs typeface="Roboto Condensed"/>
-                <a:sym typeface="Roboto Condensed"/>
-              </a:rPr>
-              <a:t>2</a:t>
-            </a:r>
-            <a:endParaRPr sz="2600" b="1" dirty="0">
-              <a:solidFill>
-                <a:schemeClr val="accent5"/>
-              </a:solidFill>
-              <a:latin typeface="Roboto Condensed"/>
-              <a:ea typeface="Roboto Condensed"/>
-              <a:cs typeface="Roboto Condensed"/>
-              <a:sym typeface="Roboto Condensed"/>
-            </a:endParaRPr>
-          </a:p>
-        </p:txBody>
-      </p:sp>
-      <mc:AlternateContent xmlns:mc="http://schemas.openxmlformats.org/markup-compatibility/2006" xmlns:a14="http://schemas.microsoft.com/office/drawing/2010/main">
-        <mc:Choice Requires="a14">
-          <p:sp>
-            <p:nvSpPr>
-              <p:cNvPr id="5" name="TextBox 4">
-                <a:extLst>
-                  <a:ext uri="{FF2B5EF4-FFF2-40B4-BE49-F238E27FC236}">
-                    <a16:creationId xmlns:a16="http://schemas.microsoft.com/office/drawing/2014/main" id="{BBB5731C-6A12-D00D-0DD6-F74B048440B0}"/>
-                  </a:ext>
-                </a:extLst>
-              </p:cNvPr>
-              <p:cNvSpPr txBox="1"/>
-              <p:nvPr/>
-            </p:nvSpPr>
-            <p:spPr>
-              <a:xfrm>
-                <a:off x="1187210" y="2451572"/>
-                <a:ext cx="6545190" cy="421782"/>
-              </a:xfrm>
-              <a:prstGeom prst="rect">
-                <a:avLst/>
-              </a:prstGeom>
-              <a:noFill/>
-              <a:ln>
-                <a:solidFill>
-                  <a:schemeClr val="accent2"/>
-                </a:solidFill>
-              </a:ln>
-            </p:spPr>
-            <p:txBody>
-              <a:bodyPr wrap="none" rtlCol="0">
-                <a:spAutoFit/>
-              </a:bodyPr>
-              <a:lstStyle/>
-              <a:p>
-                <a:pPr marL="76200" indent="0">
-                  <a:buNone/>
-                </a:pPr>
-                <a:r>
-                  <a:rPr lang="en-US" sz="1600" b="0" u="sng" dirty="0"/>
-                  <a:t>Strategy</a:t>
-                </a:r>
-                <a:r>
-                  <a:rPr lang="en-US" sz="1600" b="0" dirty="0"/>
-                  <a:t>: To convert from odds to a probability        </a:t>
-                </a:r>
-                <a14:m>
-                  <m:oMath xmlns:m="http://schemas.openxmlformats.org/officeDocument/2006/math">
-                    <m:r>
-                      <a:rPr lang="en-US" sz="1600" b="0" i="1" smtClean="0">
-                        <a:latin typeface="Cambria Math" panose="02040503050406030204" pitchFamily="18" charset="0"/>
-                      </a:rPr>
-                      <m:t>𝑎</m:t>
-                    </m:r>
-                    <m:r>
-                      <a:rPr lang="en-US" sz="1600" b="0" i="1" smtClean="0">
-                        <a:latin typeface="Cambria Math" panose="02040503050406030204" pitchFamily="18" charset="0"/>
-                      </a:rPr>
-                      <m:t>:</m:t>
-                    </m:r>
-                    <m:r>
-                      <a:rPr lang="en-US" sz="1600" b="0" i="1" smtClean="0">
-                        <a:latin typeface="Cambria Math" panose="02040503050406030204" pitchFamily="18" charset="0"/>
-                      </a:rPr>
-                      <m:t>𝑏</m:t>
-                    </m:r>
-                    <m:r>
-                      <a:rPr lang="en-US" sz="1600" b="0" i="1" smtClean="0">
-                        <a:latin typeface="Cambria Math" panose="02040503050406030204" pitchFamily="18" charset="0"/>
-                      </a:rPr>
-                      <m:t>→</m:t>
-                    </m:r>
-                    <m:r>
-                      <a:rPr lang="en-US" sz="1600" b="0" i="1" smtClean="0">
-                        <a:latin typeface="Cambria Math" panose="02040503050406030204" pitchFamily="18" charset="0"/>
-                      </a:rPr>
-                      <m:t>𝑃</m:t>
-                    </m:r>
-                    <m:d>
-                      <m:dPr>
-                        <m:ctrlPr>
-                          <a:rPr lang="en-US" sz="1600" b="0" i="1" smtClean="0">
-                            <a:latin typeface="Cambria Math" panose="02040503050406030204" pitchFamily="18" charset="0"/>
-                          </a:rPr>
-                        </m:ctrlPr>
-                      </m:dPr>
-                      <m:e>
-                        <m:r>
-                          <a:rPr lang="en-US" sz="1600" b="0" i="1" smtClean="0">
-                            <a:latin typeface="Cambria Math" panose="02040503050406030204" pitchFamily="18" charset="0"/>
-                          </a:rPr>
-                          <m:t>𝐴</m:t>
-                        </m:r>
-                      </m:e>
-                    </m:d>
-                    <m:r>
-                      <a:rPr lang="en-US" sz="1600" b="0" i="1" smtClean="0">
-                        <a:latin typeface="Cambria Math" panose="02040503050406030204" pitchFamily="18" charset="0"/>
-                      </a:rPr>
-                      <m:t>=</m:t>
-                    </m:r>
-                    <m:f>
-                      <m:fPr>
-                        <m:ctrlPr>
-                          <a:rPr lang="en-US" sz="1600" b="0" i="1" smtClean="0">
-                            <a:latin typeface="Cambria Math" panose="02040503050406030204" pitchFamily="18" charset="0"/>
-                          </a:rPr>
-                        </m:ctrlPr>
-                      </m:fPr>
-                      <m:num>
-                        <m:r>
-                          <a:rPr lang="en-US" sz="1600" b="0" i="1" smtClean="0">
-                            <a:latin typeface="Cambria Math" panose="02040503050406030204" pitchFamily="18" charset="0"/>
-                          </a:rPr>
-                          <m:t>𝑎</m:t>
-                        </m:r>
-                      </m:num>
-                      <m:den>
-                        <m:r>
-                          <a:rPr lang="en-US" sz="1600" b="0" i="1" smtClean="0">
-                            <a:latin typeface="Cambria Math" panose="02040503050406030204" pitchFamily="18" charset="0"/>
-                          </a:rPr>
-                          <m:t>𝑎</m:t>
-                        </m:r>
-                        <m:r>
-                          <a:rPr lang="en-US" sz="1600" b="0" i="1" smtClean="0">
-                            <a:latin typeface="Cambria Math" panose="02040503050406030204" pitchFamily="18" charset="0"/>
-                          </a:rPr>
-                          <m:t>+</m:t>
-                        </m:r>
-                        <m:r>
-                          <a:rPr lang="en-US" sz="1600" b="0" i="1" smtClean="0">
-                            <a:latin typeface="Cambria Math" panose="02040503050406030204" pitchFamily="18" charset="0"/>
-                          </a:rPr>
-                          <m:t>𝑏</m:t>
-                        </m:r>
-                      </m:den>
-                    </m:f>
-                  </m:oMath>
-                </a14:m>
-                <a:endParaRPr lang="en-US" sz="1600" b="0" dirty="0"/>
-              </a:p>
-            </p:txBody>
-          </p:sp>
-        </mc:Choice>
-        <mc:Fallback xmlns="">
-          <p:sp>
-            <p:nvSpPr>
-              <p:cNvPr id="5" name="TextBox 4">
-                <a:extLst>
-                  <a:ext uri="{FF2B5EF4-FFF2-40B4-BE49-F238E27FC236}">
-                    <a16:creationId xmlns:a16="http://schemas.microsoft.com/office/drawing/2014/main" id="{BBB5731C-6A12-D00D-0DD6-F74B048440B0}"/>
-                  </a:ext>
-                </a:extLst>
-              </p:cNvPr>
-              <p:cNvSpPr txBox="1">
-                <a:spLocks noRot="1" noChangeAspect="1" noMove="1" noResize="1" noEditPoints="1" noAdjustHandles="1" noChangeArrowheads="1" noChangeShapeType="1" noTextEdit="1"/>
-              </p:cNvSpPr>
-              <p:nvPr/>
-            </p:nvSpPr>
-            <p:spPr>
-              <a:xfrm>
-                <a:off x="1187210" y="2451572"/>
-                <a:ext cx="6545190" cy="421782"/>
-              </a:xfrm>
-              <a:prstGeom prst="rect">
-                <a:avLst/>
-              </a:prstGeom>
-              <a:blipFill>
-                <a:blip r:embed="rId3"/>
-                <a:stretch>
-                  <a:fillRect b="-5714"/>
-                </a:stretch>
-              </a:blipFill>
-              <a:ln>
-                <a:solidFill>
-                  <a:schemeClr val="accent2"/>
-                </a:solidFill>
-              </a:ln>
-            </p:spPr>
-            <p:txBody>
-              <a:bodyPr/>
-              <a:lstStyle/>
-              <a:p>
-                <a:r>
-                  <a:rPr lang="en-US">
-                    <a:noFill/>
-                  </a:rPr>
-                  <a:t> </a:t>
-                </a:r>
-              </a:p>
-            </p:txBody>
-          </p:sp>
-        </mc:Fallback>
-      </mc:AlternateContent>
-      <p:grpSp>
-        <p:nvGrpSpPr>
-          <p:cNvPr id="8" name="Group 7">
-            <a:extLst>
-              <a:ext uri="{FF2B5EF4-FFF2-40B4-BE49-F238E27FC236}">
-                <a16:creationId xmlns:a16="http://schemas.microsoft.com/office/drawing/2014/main" id="{263970FC-871A-EFA1-8640-B8F5278F259A}"/>
-              </a:ext>
-            </a:extLst>
-          </p:cNvPr>
-          <p:cNvGrpSpPr/>
-          <p:nvPr/>
-        </p:nvGrpSpPr>
-        <p:grpSpPr>
-          <a:xfrm>
-            <a:off x="1187210" y="3114773"/>
-            <a:ext cx="5831305" cy="2136932"/>
-            <a:chOff x="1187210" y="3114773"/>
-            <a:chExt cx="5831305" cy="2136932"/>
-          </a:xfrm>
-        </p:grpSpPr>
-        <p:sp>
-          <p:nvSpPr>
-            <p:cNvPr id="7" name="Alternate Process 6">
-              <a:extLst>
-                <a:ext uri="{FF2B5EF4-FFF2-40B4-BE49-F238E27FC236}">
-                  <a16:creationId xmlns:a16="http://schemas.microsoft.com/office/drawing/2014/main" id="{6A13875B-1698-2E4D-55A5-CA12EB227704}"/>
-                </a:ext>
-              </a:extLst>
-            </p:cNvPr>
-            <p:cNvSpPr/>
-            <p:nvPr/>
-          </p:nvSpPr>
-          <p:spPr>
-            <a:xfrm>
-              <a:off x="1187210" y="3114773"/>
-              <a:ext cx="5831305" cy="1832756"/>
-            </a:xfrm>
-            <a:prstGeom prst="flowChartAlternateProcess">
-              <a:avLst/>
-            </a:prstGeom>
-            <a:solidFill>
-              <a:schemeClr val="accent5"/>
-            </a:solidFill>
-          </p:spPr>
-          <p:style>
-            <a:lnRef idx="2">
-              <a:schemeClr val="accent1">
-                <a:shade val="50000"/>
-              </a:schemeClr>
-            </a:lnRef>
-            <a:fillRef idx="1">
-              <a:schemeClr val="accent1"/>
-            </a:fillRef>
-            <a:effectRef idx="0">
-              <a:schemeClr val="accent1"/>
-            </a:effectRef>
-            <a:fontRef idx="minor">
-              <a:schemeClr val="lt1"/>
-            </a:fontRef>
-          </p:style>
-          <p:txBody>
-            <a:bodyPr rtlCol="0" anchor="ctr"/>
-            <a:lstStyle/>
-            <a:p>
-              <a:r>
-                <a:rPr lang="en-US" sz="1800" dirty="0"/>
-                <a:t> </a:t>
-              </a:r>
-            </a:p>
-            <a:p>
-              <a:endParaRPr lang="en-US" sz="1800" dirty="0"/>
-            </a:p>
-            <a:p>
-              <a:endParaRPr lang="en-US" sz="1800" dirty="0"/>
-            </a:p>
-            <a:p>
-              <a:endParaRPr lang="en-US" sz="1800" dirty="0"/>
-            </a:p>
-          </p:txBody>
-        </p:sp>
-        <mc:AlternateContent xmlns:mc="http://schemas.openxmlformats.org/markup-compatibility/2006" xmlns:a14="http://schemas.microsoft.com/office/drawing/2010/main">
-          <mc:Choice Requires="a14">
-            <p:sp>
-              <p:nvSpPr>
-                <p:cNvPr id="6" name="TextBox 5">
-                  <a:extLst>
-                    <a:ext uri="{FF2B5EF4-FFF2-40B4-BE49-F238E27FC236}">
-                      <a16:creationId xmlns:a16="http://schemas.microsoft.com/office/drawing/2014/main" id="{5AF08F24-493B-351F-6161-5F89B5323658}"/>
-                    </a:ext>
-                  </a:extLst>
-                </p:cNvPr>
-                <p:cNvSpPr txBox="1"/>
-                <p:nvPr/>
-              </p:nvSpPr>
-              <p:spPr>
-                <a:xfrm>
-                  <a:off x="1500643" y="3252183"/>
-                  <a:ext cx="5204438" cy="1999522"/>
-                </a:xfrm>
-                <a:prstGeom prst="rect">
-                  <a:avLst/>
-                </a:prstGeom>
-                <a:noFill/>
-              </p:spPr>
-              <p:txBody>
-                <a:bodyPr wrap="none" rtlCol="0">
-                  <a:spAutoFit/>
-                </a:bodyPr>
-                <a:lstStyle/>
-                <a:p>
-                  <a:pPr marL="76200" indent="0">
-                    <a:buNone/>
-                  </a:pPr>
-                  <a14:m>
-                    <m:oMathPara xmlns:m="http://schemas.openxmlformats.org/officeDocument/2006/math">
-                      <m:oMathParaPr>
-                        <m:jc m:val="centerGroup"/>
-                      </m:oMathParaPr>
-                      <m:oMath xmlns:m="http://schemas.openxmlformats.org/officeDocument/2006/math">
-                        <m:r>
-                          <a:rPr lang="en-US" sz="1800" b="0" i="1" smtClean="0">
-                            <a:solidFill>
-                              <a:schemeClr val="bg1"/>
-                            </a:solidFill>
-                            <a:latin typeface="Cambria Math" panose="02040503050406030204" pitchFamily="18" charset="0"/>
-                          </a:rPr>
-                          <m:t>𝑂𝑑𝑑𝑠</m:t>
-                        </m:r>
-                        <m:r>
-                          <a:rPr lang="en-US" sz="1800" b="0" i="1" smtClean="0">
-                            <a:solidFill>
-                              <a:schemeClr val="bg1"/>
-                            </a:solidFill>
-                            <a:latin typeface="Cambria Math" panose="02040503050406030204" pitchFamily="18" charset="0"/>
-                          </a:rPr>
-                          <m:t> </m:t>
-                        </m:r>
-                        <m:r>
-                          <a:rPr lang="en-US" sz="1800" b="0" i="1" smtClean="0">
-                            <a:solidFill>
-                              <a:schemeClr val="bg1"/>
-                            </a:solidFill>
-                            <a:latin typeface="Cambria Math" panose="02040503050406030204" pitchFamily="18" charset="0"/>
-                          </a:rPr>
-                          <m:t>𝑎𝑔𝑎𝑖𝑛𝑠𝑡</m:t>
-                        </m:r>
-                        <m:r>
-                          <a:rPr lang="en-US" sz="1800" b="0" i="1" smtClean="0">
-                            <a:solidFill>
-                              <a:schemeClr val="bg1"/>
-                            </a:solidFill>
-                            <a:latin typeface="Cambria Math" panose="02040503050406030204" pitchFamily="18" charset="0"/>
-                          </a:rPr>
-                          <m:t>=18:1→ </m:t>
-                        </m:r>
-                        <m:r>
-                          <a:rPr lang="en-US" sz="1800" b="0" i="1" smtClean="0">
-                            <a:solidFill>
-                              <a:schemeClr val="bg1"/>
-                            </a:solidFill>
-                            <a:latin typeface="Cambria Math" panose="02040503050406030204" pitchFamily="18" charset="0"/>
-                          </a:rPr>
-                          <m:t>𝑃</m:t>
-                        </m:r>
-                        <m:d>
-                          <m:dPr>
-                            <m:ctrlPr>
-                              <a:rPr lang="en-US" sz="1800" b="0" i="1" smtClean="0">
-                                <a:solidFill>
-                                  <a:schemeClr val="bg1"/>
-                                </a:solidFill>
-                                <a:latin typeface="Cambria Math" panose="02040503050406030204" pitchFamily="18" charset="0"/>
-                              </a:rPr>
-                            </m:ctrlPr>
-                          </m:dPr>
-                          <m:e>
-                            <m:r>
-                              <a:rPr lang="en-US" sz="1800" b="0" i="1" smtClean="0">
-                                <a:solidFill>
-                                  <a:schemeClr val="bg1"/>
-                                </a:solidFill>
-                                <a:latin typeface="Cambria Math" panose="02040503050406030204" pitchFamily="18" charset="0"/>
-                              </a:rPr>
-                              <m:t>𝐿𝑜𝑠𝑠</m:t>
-                            </m:r>
-                          </m:e>
-                        </m:d>
-                        <m:r>
-                          <a:rPr lang="en-US" sz="1800" b="0" i="1" smtClean="0">
-                            <a:solidFill>
-                              <a:schemeClr val="bg1"/>
-                            </a:solidFill>
-                            <a:latin typeface="Cambria Math" panose="02040503050406030204" pitchFamily="18" charset="0"/>
-                          </a:rPr>
-                          <m:t>=</m:t>
-                        </m:r>
-                        <m:f>
-                          <m:fPr>
-                            <m:ctrlPr>
-                              <a:rPr lang="en-US" sz="1800" b="0" i="1" smtClean="0">
-                                <a:solidFill>
-                                  <a:schemeClr val="bg1"/>
-                                </a:solidFill>
-                                <a:latin typeface="Cambria Math" panose="02040503050406030204" pitchFamily="18" charset="0"/>
-                              </a:rPr>
-                            </m:ctrlPr>
-                          </m:fPr>
-                          <m:num>
-                            <m:r>
-                              <a:rPr lang="en-US" sz="1800" b="0" i="1" smtClean="0">
-                                <a:solidFill>
-                                  <a:schemeClr val="bg1"/>
-                                </a:solidFill>
-                                <a:latin typeface="Cambria Math" panose="02040503050406030204" pitchFamily="18" charset="0"/>
-                              </a:rPr>
-                              <m:t>18</m:t>
-                            </m:r>
-                          </m:num>
-                          <m:den>
-                            <m:r>
-                              <a:rPr lang="en-US" sz="1800" b="0" i="1" smtClean="0">
-                                <a:solidFill>
-                                  <a:schemeClr val="bg1"/>
-                                </a:solidFill>
-                                <a:latin typeface="Cambria Math" panose="02040503050406030204" pitchFamily="18" charset="0"/>
-                              </a:rPr>
-                              <m:t>18+1</m:t>
-                            </m:r>
-                          </m:den>
-                        </m:f>
-                        <m:r>
-                          <a:rPr lang="en-US" sz="1800" b="0" i="1" smtClean="0">
-                            <a:solidFill>
-                              <a:schemeClr val="bg1"/>
-                            </a:solidFill>
-                            <a:latin typeface="Cambria Math" panose="02040503050406030204" pitchFamily="18" charset="0"/>
-                          </a:rPr>
-                          <m:t>=</m:t>
-                        </m:r>
-                        <m:f>
-                          <m:fPr>
-                            <m:ctrlPr>
-                              <a:rPr lang="en-US" sz="1800" b="0" i="1" smtClean="0">
-                                <a:solidFill>
-                                  <a:schemeClr val="bg1"/>
-                                </a:solidFill>
-                                <a:latin typeface="Cambria Math" panose="02040503050406030204" pitchFamily="18" charset="0"/>
-                              </a:rPr>
-                            </m:ctrlPr>
-                          </m:fPr>
-                          <m:num>
-                            <m:r>
-                              <a:rPr lang="en-US" sz="1800" b="0" i="1" smtClean="0">
-                                <a:solidFill>
-                                  <a:schemeClr val="bg1"/>
-                                </a:solidFill>
-                                <a:latin typeface="Cambria Math" panose="02040503050406030204" pitchFamily="18" charset="0"/>
-                              </a:rPr>
-                              <m:t>18</m:t>
-                            </m:r>
-                          </m:num>
-                          <m:den>
-                            <m:r>
-                              <a:rPr lang="en-US" sz="1800" b="0" i="1" smtClean="0">
-                                <a:solidFill>
-                                  <a:schemeClr val="bg1"/>
-                                </a:solidFill>
-                                <a:latin typeface="Cambria Math" panose="02040503050406030204" pitchFamily="18" charset="0"/>
-                              </a:rPr>
-                              <m:t>19</m:t>
-                            </m:r>
-                          </m:den>
-                        </m:f>
-                      </m:oMath>
-                    </m:oMathPara>
-                  </a14:m>
-                  <a:endParaRPr lang="en-US" sz="1800" b="0" dirty="0">
-                    <a:solidFill>
-                      <a:schemeClr val="bg1"/>
-                    </a:solidFill>
-                  </a:endParaRPr>
-                </a:p>
-                <a:p>
-                  <a:pPr marL="76200" indent="0">
-                    <a:buNone/>
-                  </a:pPr>
-                  <a:endParaRPr lang="en-US" sz="1600" b="0" dirty="0">
-                    <a:solidFill>
-                      <a:schemeClr val="bg1"/>
-                    </a:solidFill>
-                  </a:endParaRPr>
-                </a:p>
-                <a:p>
-                  <a:pPr marL="76200" indent="0">
-                    <a:buNone/>
-                  </a:pPr>
-                  <a:endParaRPr lang="en-US" sz="600" b="0" dirty="0">
-                    <a:solidFill>
-                      <a:schemeClr val="bg1"/>
-                    </a:solidFill>
-                  </a:endParaRPr>
-                </a:p>
-                <a:p>
-                  <a:pPr marL="76200" indent="0">
-                    <a:buNone/>
-                  </a:pPr>
-                  <a14:m>
-                    <m:oMathPara xmlns:m="http://schemas.openxmlformats.org/officeDocument/2006/math">
-                      <m:oMathParaPr>
-                        <m:jc m:val="centerGroup"/>
-                      </m:oMathParaPr>
-                      <m:oMath xmlns:m="http://schemas.openxmlformats.org/officeDocument/2006/math">
-                        <m:r>
-                          <a:rPr lang="en-US" sz="1800" b="0" i="1" smtClean="0">
-                            <a:solidFill>
-                              <a:schemeClr val="bg1"/>
-                            </a:solidFill>
-                            <a:latin typeface="Cambria Math" panose="02040503050406030204" pitchFamily="18" charset="0"/>
-                          </a:rPr>
-                          <m:t>𝑃</m:t>
-                        </m:r>
-                        <m:d>
-                          <m:dPr>
-                            <m:ctrlPr>
-                              <a:rPr lang="en-US" sz="1800" b="0" i="1" smtClean="0">
-                                <a:solidFill>
-                                  <a:schemeClr val="bg1"/>
-                                </a:solidFill>
-                                <a:latin typeface="Cambria Math" panose="02040503050406030204" pitchFamily="18" charset="0"/>
-                              </a:rPr>
-                            </m:ctrlPr>
-                          </m:dPr>
-                          <m:e>
-                            <m:r>
-                              <a:rPr lang="en-US" sz="1800" b="0" i="1" smtClean="0">
-                                <a:solidFill>
-                                  <a:schemeClr val="bg1"/>
-                                </a:solidFill>
-                                <a:latin typeface="Cambria Math" panose="02040503050406030204" pitchFamily="18" charset="0"/>
-                              </a:rPr>
-                              <m:t>𝑊𝑖𝑛</m:t>
-                            </m:r>
-                          </m:e>
-                        </m:d>
-                        <m:r>
-                          <a:rPr lang="en-US" sz="1800" b="0" i="1" smtClean="0">
-                            <a:solidFill>
-                              <a:schemeClr val="bg1"/>
-                            </a:solidFill>
-                            <a:latin typeface="Cambria Math" panose="02040503050406030204" pitchFamily="18" charset="0"/>
-                          </a:rPr>
-                          <m:t>=1−</m:t>
-                        </m:r>
-                        <m:r>
-                          <a:rPr lang="en-US" sz="1800" b="0" i="1" smtClean="0">
-                            <a:solidFill>
-                              <a:schemeClr val="bg1"/>
-                            </a:solidFill>
-                            <a:latin typeface="Cambria Math" panose="02040503050406030204" pitchFamily="18" charset="0"/>
-                          </a:rPr>
-                          <m:t>𝑃</m:t>
-                        </m:r>
-                        <m:d>
-                          <m:dPr>
-                            <m:ctrlPr>
-                              <a:rPr lang="en-US" sz="1800" b="0" i="1" smtClean="0">
-                                <a:solidFill>
-                                  <a:schemeClr val="bg1"/>
-                                </a:solidFill>
-                                <a:latin typeface="Cambria Math" panose="02040503050406030204" pitchFamily="18" charset="0"/>
-                              </a:rPr>
-                            </m:ctrlPr>
-                          </m:dPr>
-                          <m:e>
-                            <m:r>
-                              <a:rPr lang="en-US" sz="1800" b="0" i="1" smtClean="0">
-                                <a:solidFill>
-                                  <a:schemeClr val="bg1"/>
-                                </a:solidFill>
-                                <a:latin typeface="Cambria Math" panose="02040503050406030204" pitchFamily="18" charset="0"/>
-                              </a:rPr>
-                              <m:t>𝑊𝑖</m:t>
-                            </m:r>
-                            <m:sSup>
-                              <m:sSupPr>
-                                <m:ctrlPr>
-                                  <a:rPr lang="en-US" sz="1800" b="0" i="1" smtClean="0">
-                                    <a:solidFill>
-                                      <a:schemeClr val="bg1"/>
-                                    </a:solidFill>
-                                    <a:latin typeface="Cambria Math" panose="02040503050406030204" pitchFamily="18" charset="0"/>
-                                  </a:rPr>
-                                </m:ctrlPr>
-                              </m:sSupPr>
-                              <m:e>
-                                <m:r>
-                                  <a:rPr lang="en-US" sz="1800" b="0" i="1" smtClean="0">
-                                    <a:solidFill>
-                                      <a:schemeClr val="bg1"/>
-                                    </a:solidFill>
-                                    <a:latin typeface="Cambria Math" panose="02040503050406030204" pitchFamily="18" charset="0"/>
-                                  </a:rPr>
-                                  <m:t>𝑛</m:t>
-                                </m:r>
-                              </m:e>
-                              <m:sup>
-                                <m:r>
-                                  <a:rPr lang="en-US" sz="1800" b="0" i="1" smtClean="0">
-                                    <a:solidFill>
-                                      <a:schemeClr val="bg1"/>
-                                    </a:solidFill>
-                                    <a:latin typeface="Cambria Math" panose="02040503050406030204" pitchFamily="18" charset="0"/>
-                                  </a:rPr>
-                                  <m:t>𝐶</m:t>
-                                </m:r>
-                              </m:sup>
-                            </m:sSup>
-                          </m:e>
-                        </m:d>
-                        <m:r>
-                          <a:rPr lang="en-US" sz="1800" b="0" i="1" smtClean="0">
-                            <a:solidFill>
-                              <a:schemeClr val="bg1"/>
-                            </a:solidFill>
-                            <a:latin typeface="Cambria Math" panose="02040503050406030204" pitchFamily="18" charset="0"/>
-                          </a:rPr>
-                          <m:t>=1−</m:t>
-                        </m:r>
-                        <m:f>
-                          <m:fPr>
-                            <m:ctrlPr>
-                              <a:rPr lang="en-US" sz="1800" b="0" i="1" smtClean="0">
-                                <a:solidFill>
-                                  <a:schemeClr val="bg1"/>
-                                </a:solidFill>
-                                <a:latin typeface="Cambria Math" panose="02040503050406030204" pitchFamily="18" charset="0"/>
-                              </a:rPr>
-                            </m:ctrlPr>
-                          </m:fPr>
-                          <m:num>
-                            <m:r>
-                              <a:rPr lang="en-US" sz="1800" b="0" i="1" smtClean="0">
-                                <a:solidFill>
-                                  <a:schemeClr val="bg1"/>
-                                </a:solidFill>
-                                <a:latin typeface="Cambria Math" panose="02040503050406030204" pitchFamily="18" charset="0"/>
-                              </a:rPr>
-                              <m:t>18</m:t>
-                            </m:r>
-                          </m:num>
-                          <m:den>
-                            <m:r>
-                              <a:rPr lang="en-US" sz="1800" b="0" i="1" smtClean="0">
-                                <a:solidFill>
-                                  <a:schemeClr val="bg1"/>
-                                </a:solidFill>
-                                <a:latin typeface="Cambria Math" panose="02040503050406030204" pitchFamily="18" charset="0"/>
-                              </a:rPr>
-                              <m:t>19</m:t>
-                            </m:r>
-                          </m:den>
-                        </m:f>
-                        <m:r>
-                          <a:rPr lang="en-US" sz="1800" b="0" i="1" smtClean="0">
-                            <a:solidFill>
-                              <a:schemeClr val="bg1"/>
-                            </a:solidFill>
-                            <a:latin typeface="Cambria Math" panose="02040503050406030204" pitchFamily="18" charset="0"/>
-                          </a:rPr>
-                          <m:t>=</m:t>
-                        </m:r>
-                        <m:f>
-                          <m:fPr>
-                            <m:ctrlPr>
-                              <a:rPr lang="en-US" sz="1800" b="0" i="1" smtClean="0">
-                                <a:solidFill>
-                                  <a:schemeClr val="bg1"/>
-                                </a:solidFill>
-                                <a:latin typeface="Cambria Math" panose="02040503050406030204" pitchFamily="18" charset="0"/>
-                              </a:rPr>
-                            </m:ctrlPr>
-                          </m:fPr>
-                          <m:num>
-                            <m:r>
-                              <a:rPr lang="en-US" sz="1800" b="0" i="1" smtClean="0">
-                                <a:solidFill>
-                                  <a:schemeClr val="bg1"/>
-                                </a:solidFill>
-                                <a:latin typeface="Cambria Math" panose="02040503050406030204" pitchFamily="18" charset="0"/>
-                              </a:rPr>
-                              <m:t>1</m:t>
-                            </m:r>
-                          </m:num>
-                          <m:den>
-                            <m:r>
-                              <a:rPr lang="en-US" sz="1800" b="0" i="1" smtClean="0">
-                                <a:solidFill>
-                                  <a:schemeClr val="bg1"/>
-                                </a:solidFill>
-                                <a:latin typeface="Cambria Math" panose="02040503050406030204" pitchFamily="18" charset="0"/>
-                              </a:rPr>
-                              <m:t>19</m:t>
-                            </m:r>
-                          </m:den>
-                        </m:f>
-                      </m:oMath>
-                    </m:oMathPara>
-                  </a14:m>
-                  <a:endParaRPr lang="en-US" sz="1800" dirty="0">
-                    <a:solidFill>
-                      <a:schemeClr val="bg1"/>
-                    </a:solidFill>
-                  </a:endParaRPr>
-                </a:p>
-                <a:p>
-                  <a:pPr marL="76200" indent="0">
-                    <a:buNone/>
-                  </a:pPr>
-                  <a:r>
-                    <a:rPr lang="en-US" sz="1800" dirty="0">
-                      <a:solidFill>
-                        <a:schemeClr val="bg1"/>
-                      </a:solidFill>
-                    </a:rPr>
-                    <a:t>                                 = Loss</a:t>
-                  </a:r>
-                </a:p>
-                <a:p>
-                  <a:endParaRPr lang="en-US" dirty="0">
-                    <a:solidFill>
-                      <a:schemeClr val="bg1"/>
-                    </a:solidFill>
-                  </a:endParaRPr>
-                </a:p>
-              </p:txBody>
-            </p:sp>
-          </mc:Choice>
-          <mc:Fallback xmlns="">
-            <p:sp>
-              <p:nvSpPr>
-                <p:cNvPr id="6" name="TextBox 5">
-                  <a:extLst>
-                    <a:ext uri="{FF2B5EF4-FFF2-40B4-BE49-F238E27FC236}">
-                      <a16:creationId xmlns:a16="http://schemas.microsoft.com/office/drawing/2014/main" id="{5AF08F24-493B-351F-6161-5F89B5323658}"/>
-                    </a:ext>
-                  </a:extLst>
-                </p:cNvPr>
-                <p:cNvSpPr txBox="1">
-                  <a:spLocks noRot="1" noChangeAspect="1" noMove="1" noResize="1" noEditPoints="1" noAdjustHandles="1" noChangeArrowheads="1" noChangeShapeType="1" noTextEdit="1"/>
-                </p:cNvSpPr>
-                <p:nvPr/>
-              </p:nvSpPr>
-              <p:spPr>
-                <a:xfrm>
-                  <a:off x="1500643" y="3252183"/>
-                  <a:ext cx="5204438" cy="1999522"/>
-                </a:xfrm>
-                <a:prstGeom prst="rect">
-                  <a:avLst/>
-                </a:prstGeom>
-                <a:blipFill>
-                  <a:blip r:embed="rId4"/>
-                  <a:stretch>
-                    <a:fillRect/>
-                  </a:stretch>
-                </a:blipFill>
-              </p:spPr>
-              <p:txBody>
-                <a:bodyPr/>
-                <a:lstStyle/>
-                <a:p>
-                  <a:r>
-                    <a:rPr lang="en-US">
-                      <a:noFill/>
-                    </a:rPr>
-                    <a:t> </a:t>
-                  </a:r>
-                </a:p>
-              </p:txBody>
-            </p:sp>
-          </mc:Fallback>
-        </mc:AlternateContent>
-      </p:grpSp>
-    </p:spTree>
-    <p:extLst>
-      <p:ext uri="{BB962C8B-B14F-4D97-AF65-F5344CB8AC3E}">
-        <p14:creationId xmlns:p14="http://schemas.microsoft.com/office/powerpoint/2010/main" val="570381363"/>
-      </p:ext>
-    </p:extLst>
-  </p:cSld>
-  <p:clrMapOvr>
-    <a:masterClrMapping/>
-  </p:clrMapOvr>
-  <p:timing>
-    <p:tnLst>
-      <p:par>
-        <p:cTn id="1" dur="indefinite" restart="never" nodeType="tmRoot">
-          <p:childTnLst>
-            <p:seq concurrent="1" nextAc="seek">
-              <p:cTn id="2" dur="indefinite" nodeType="mainSeq">
-                <p:childTnLst>
-                  <p:par>
-                    <p:cTn id="3" fill="hold">
-                      <p:stCondLst>
-                        <p:cond delay="indefinite"/>
-                      </p:stCondLst>
-                      <p:childTnLst>
-                        <p:par>
-                          <p:cTn id="4" fill="hold">
-                            <p:stCondLst>
-                              <p:cond delay="0"/>
-                            </p:stCondLst>
-                            <p:childTnLst>
-                              <p:par>
-                                <p:cTn id="5" presetID="1" presetClass="entr" presetSubtype="0" fill="hold" nodeType="clickEffect">
-                                  <p:stCondLst>
-                                    <p:cond delay="0"/>
-                                  </p:stCondLst>
-                                  <p:childTnLst>
-                                    <p:set>
-                                      <p:cBhvr>
-                                        <p:cTn id="6" dur="1" fill="hold">
-                                          <p:stCondLst>
-                                            <p:cond delay="0"/>
-                                          </p:stCondLst>
-                                        </p:cTn>
-                                        <p:tgtEl>
-                                          <p:spTgt spid="8"/>
-                                        </p:tgtEl>
-                                        <p:attrNameLst>
-                                          <p:attrName>style.visibility</p:attrName>
-                                        </p:attrNameLst>
-                                      </p:cBhvr>
-                                      <p:to>
-                                        <p:strVal val="visible"/>
-                                      </p:to>
-                                    </p:set>
-                                  </p:childTnLst>
-                                </p:cTn>
-                              </p:par>
-                            </p:childTnLst>
-                          </p:cTn>
-                        </p:par>
-                      </p:childTnLst>
-                    </p:cTn>
-                  </p:par>
-                </p:childTnLst>
-              </p:cTn>
-              <p:prevCondLst>
-                <p:cond evt="onPrev" delay="0">
-                  <p:tgtEl>
-                    <p:sldTgt/>
-                  </p:tgtEl>
-                </p:cond>
-              </p:prevCondLst>
-              <p:nextCondLst>
-                <p:cond evt="onNext" delay="0">
-                  <p:tgtEl>
-                    <p:sldTgt/>
-                  </p:tgtEl>
-                </p:cond>
-              </p:nextCondLst>
-            </p:seq>
-          </p:childTnLst>
-        </p:cTn>
-      </p:par>
-    </p:tnLst>
   </p:timing>
 </p:sld>
 </file>
@@ -24018,6 +19535,26 @@
               </a:spcAft>
               <a:buNone/>
             </a:pPr>
+            <a:endParaRPr lang="en" dirty="0">
+              <a:solidFill>
+                <a:schemeClr val="dk2"/>
+              </a:solidFill>
+              <a:latin typeface="Roboto Condensed"/>
+              <a:ea typeface="Roboto Condensed"/>
+              <a:cs typeface="Roboto Condensed"/>
+              <a:sym typeface="Roboto Condensed"/>
+            </a:endParaRPr>
+          </a:p>
+          <a:p>
+            <a:pPr marL="0" lvl="0" indent="0" algn="ctr" rtl="0">
+              <a:spcBef>
+                <a:spcPts val="0"/>
+              </a:spcBef>
+              <a:spcAft>
+                <a:spcPts val="0"/>
+              </a:spcAft>
+              <a:buNone/>
+            </a:pPr>
             <a:r>
               <a:rPr lang="en" dirty="0">
                 <a:solidFill>
@@ -24028,7 +19565,19 @@
                 <a:cs typeface="Roboto Condensed"/>
                 <a:sym typeface="Roboto Condensed"/>
               </a:rPr>
-              <a:t>Odds</a:t>
+              <a:t>Examples +  Calculator Fun </a:t>
+            </a:r>
+            <a:r>
+              <a:rPr lang="en" dirty="0" err="1">
+                <a:solidFill>
+                  <a:schemeClr val="dk2"/>
+                </a:solidFill>
+                <a:latin typeface="Roboto Condensed"/>
+                <a:ea typeface="Roboto Condensed"/>
+                <a:cs typeface="Roboto Condensed"/>
+                <a:sym typeface="Roboto Condensed"/>
+              </a:rPr>
+              <a:t>Sess</a:t>
             </a:r>
             <a:endParaRPr dirty="0">
               <a:solidFill>
@@ -27588,6 +23137,101 @@
           </a:p>
         </p:txBody>
       </p:sp>
+      <p:grpSp>
+        <p:nvGrpSpPr>
+          <p:cNvPr id="6" name="Group 5">
+            <a:extLst>
+              <a:ext uri="{FF2B5EF4-FFF2-40B4-BE49-F238E27FC236}">
+                <a16:creationId xmlns:a16="http://schemas.microsoft.com/office/drawing/2014/main" id="{B06BAF4A-4CCE-2FFD-1D35-3266B9435E32}"/>
+              </a:ext>
+            </a:extLst>
+          </p:cNvPr>
+          <p:cNvGrpSpPr/>
+          <p:nvPr/>
+        </p:nvGrpSpPr>
+        <p:grpSpPr>
+          <a:xfrm>
+            <a:off x="340042" y="3835625"/>
+            <a:ext cx="2330330" cy="307777"/>
+            <a:chOff x="340042" y="3835625"/>
+            <a:chExt cx="2330330" cy="307777"/>
+          </a:xfrm>
+        </p:grpSpPr>
+        <p:sp>
+          <p:nvSpPr>
+            <p:cNvPr id="3" name="TextBox 2">
+              <a:extLst>
+                <a:ext uri="{FF2B5EF4-FFF2-40B4-BE49-F238E27FC236}">
+                  <a16:creationId xmlns:a16="http://schemas.microsoft.com/office/drawing/2014/main" id="{7D928BFA-F78F-3D66-6D40-A1A408DC1742}"/>
+                </a:ext>
+              </a:extLst>
+            </p:cNvPr>
+            <p:cNvSpPr txBox="1"/>
+            <p:nvPr/>
+          </p:nvSpPr>
+          <p:spPr>
+            <a:xfrm>
+              <a:off x="340042" y="3835625"/>
+              <a:ext cx="1760418" cy="307777"/>
+            </a:xfrm>
+            <a:prstGeom prst="rect">
+              <a:avLst/>
+            </a:prstGeom>
+            <a:noFill/>
+          </p:spPr>
+          <p:txBody>
+            <a:bodyPr wrap="none" rtlCol="0">
+              <a:spAutoFit/>
+            </a:bodyPr>
+            <a:lstStyle/>
+            <a:p>
+              <a:r>
+                <a:rPr lang="en-US" dirty="0"/>
+                <a:t>“Weighted average”</a:t>
+              </a:r>
+            </a:p>
+          </p:txBody>
+        </p:sp>
+        <p:cxnSp>
+          <p:nvCxnSpPr>
+            <p:cNvPr id="5" name="Straight Arrow Connector 4">
+              <a:extLst>
+                <a:ext uri="{FF2B5EF4-FFF2-40B4-BE49-F238E27FC236}">
+                  <a16:creationId xmlns:a16="http://schemas.microsoft.com/office/drawing/2014/main" id="{3EBD6262-81BC-8694-F8FF-13F25EDBB679}"/>
+                </a:ext>
+              </a:extLst>
+            </p:cNvPr>
+            <p:cNvCxnSpPr/>
+            <p:nvPr/>
+          </p:nvCxnSpPr>
+          <p:spPr>
+            <a:xfrm flipH="1">
+              <a:off x="2095837" y="3973189"/>
+              <a:ext cx="574535" cy="0"/>
+            </a:xfrm>
+            <a:prstGeom prst="straightConnector1">
+              <a:avLst/>
+            </a:prstGeom>
+            <a:ln>
+              <a:tailEnd type="triangle"/>
+            </a:ln>
+          </p:spPr>
+          <p:style>
+            <a:lnRef idx="1">
+              <a:schemeClr val="accent1"/>
+            </a:lnRef>
+            <a:fillRef idx="0">
+              <a:schemeClr val="accent1"/>
+            </a:fillRef>
+            <a:effectRef idx="0">
+              <a:schemeClr val="accent1"/>
+            </a:effectRef>
+            <a:fontRef idx="minor">
+              <a:schemeClr val="tx1"/>
+            </a:fontRef>
+          </p:style>
+        </p:cxnSp>
+      </p:grpSp>
     </p:spTree>
     <p:extLst>
       <p:ext uri="{BB962C8B-B14F-4D97-AF65-F5344CB8AC3E}">
@@ -27598,6 +23242,81 @@
   <p:clrMapOvr>
     <a:masterClrMapping/>
   </p:clrMapOvr>
+  <p:timing>
+    <p:tnLst>
+      <p:par>
+        <p:cTn id="1" dur="indefinite" restart="never" nodeType="tmRoot">
+          <p:childTnLst>
+            <p:seq concurrent="1" nextAc="seek">
+              <p:cTn id="2" dur="indefinite" nodeType="mainSeq">
+                <p:childTnLst>
+                  <p:par>
+                    <p:cTn id="3" fill="hold">
+                      <p:stCondLst>
+                        <p:cond delay="indefinite"/>
+                      </p:stCondLst>
+                      <p:childTnLst>
+                        <p:par>
+                          <p:cTn id="4" fill="hold">
+                            <p:stCondLst>
+                              <p:cond delay="0"/>
+                            </p:stCondLst>
+                            <p:childTnLst>
+                              <p:par>
+                                <p:cTn id="5" presetID="1" presetClass="entr" presetSubtype="0" fill="hold" nodeType="clickEffect">
+                                  <p:stCondLst>
+                                    <p:cond delay="0"/>
+                                  </p:stCondLst>
+                                  <p:childTnLst>
+                                    <p:set>
+                                      <p:cBhvr>
+                                        <p:cTn id="6" dur="1" fill="hold">
+                                          <p:stCondLst>
+                                            <p:cond delay="0"/>
+                                          </p:stCondLst>
+                                        </p:cTn>
+                                        <p:tgtEl>
+                                          <p:spTgt spid="6"/>
+                                        </p:tgtEl>
+                                        <p:attrNameLst>
+                                          <p:attrName>style.visibility</p:attrName>
+                                        </p:attrNameLst>
+                                      </p:cBhvr>
+                                      <p:to>
+                                        <p:strVal val="visible"/>
+                                      </p:to>
+                                    </p:set>
+                                  </p:childTnLst>
+                                </p:cTn>
+                              </p:par>
+                            </p:childTnLst>
+                          </p:cTn>
+                        </p:par>
+                      </p:childTnLst>
+                    </p:cTn>
+                  </p:par>
+                </p:childTnLst>
+              </p:cTn>
+              <p:prevCondLst>
+                <p:cond evt="onPrev" delay="0">
+                  <p:tgtEl>
+                    <p:sldTgt/>
+                  </p:tgtEl>
+                </p:cond>
+              </p:prevCondLst>
+              <p:nextCondLst>
+                <p:cond evt="onNext" delay="0">
+                  <p:tgtEl>
+                    <p:sldTgt/>
+                  </p:tgtEl>
+                </p:cond>
+              </p:nextCondLst>
+            </p:seq>
+          </p:childTnLst>
+        </p:cTn>
+      </p:par>
+    </p:tnLst>
+  </p:timing>
 </p:sld>
 </file>
 
@@ -27687,7 +23406,7 @@
             </a:pPr>
             <a:r>
               <a:rPr lang="en-US" sz="2000" b="1" u="sng" dirty="0"/>
-              <a:t>Example</a:t>
+              <a:t>Example 1</a:t>
             </a:r>
           </a:p>
           <a:p>
@@ -30681,7 +26400,7 @@
             </a:pPr>
             <a:r>
               <a:rPr lang="en-US" sz="2000" b="1" u="sng" dirty="0"/>
-              <a:t>Example (Revisited)</a:t>
+              <a:t>Example 1 (Continued)</a:t>
             </a:r>
           </a:p>
           <a:p>
@@ -31974,8 +27693,8 @@
           </p:txBody>
         </p:sp>
       </p:grpSp>
-      <mc:AlternateContent xmlns:mc="http://schemas.openxmlformats.org/markup-compatibility/2006" xmlns:a14="http://schemas.microsoft.com/office/drawing/2010/main">
-        <mc:Choice Requires="a14">
+      <mc:AlternateContent xmlns:mc="http://schemas.openxmlformats.org/markup-compatibility/2006">
+        <mc:Choice xmlns:a14="http://schemas.microsoft.com/office/drawing/2010/main" Requires="a14">
           <p:sp>
             <p:nvSpPr>
               <p:cNvPr id="9" name="TextBox 8">
@@ -32052,7 +27771,7 @@
                         <a:rPr lang="en-US" sz="1800" b="0" i="1" smtClean="0">
                           <a:latin typeface="Cambria Math" panose="02040503050406030204" pitchFamily="18" charset="0"/>
                         </a:rPr>
-                        <m:t> 1, …., </m:t>
+                        <m:t> 1, …, </m:t>
                       </m:r>
                       <m:sSub>
                         <m:sSubPr>
@@ -32105,7 +27824,7 @@
             </p:txBody>
           </p:sp>
         </mc:Choice>
-        <mc:Fallback xmlns="">
+        <mc:Fallback>
           <p:sp>
             <p:nvSpPr>
               <p:cNvPr id="9" name="TextBox 8">
@@ -32777,7 +28496,7 @@
             </a:pPr>
             <a:r>
               <a:rPr lang="en-US" sz="1800" b="1" u="sng" dirty="0"/>
-              <a:t>Example</a:t>
+              <a:t>Example 2</a:t>
             </a:r>
           </a:p>
           <a:p>
@@ -35241,7 +30960,7 @@
             </a:pPr>
             <a:r>
               <a:rPr lang="en-US" sz="1800" b="1" u="sng" dirty="0"/>
-              <a:t>Example</a:t>
+              <a:t>Example 3</a:t>
             </a:r>
           </a:p>
           <a:p>

--- a/probability/expected-value.pptx
+++ b/probability/expected-value.pptx
@@ -18076,36 +18076,155 @@
           </a:prstGeom>
         </p:spPr>
       </p:pic>
-      <p:pic>
-        <p:nvPicPr>
-          <p:cNvPr id="30" name="Picture 29">
+      <p:sp>
+        <p:nvSpPr>
+          <p:cNvPr id="3" name="Google Shape;236;p14">
             <a:extLst>
               <a:ext uri="{FF2B5EF4-FFF2-40B4-BE49-F238E27FC236}">
-                <a16:creationId xmlns:a16="http://schemas.microsoft.com/office/drawing/2014/main" id="{A875F282-CF1C-B717-A959-1D4A8E455078}"/>
+                <a16:creationId xmlns:a16="http://schemas.microsoft.com/office/drawing/2014/main" id="{B58FDCAE-DFA2-EFAA-8DA7-A90F0D35403E}"/>
               </a:ext>
             </a:extLst>
           </p:cNvPr>
-          <p:cNvPicPr>
-            <a:picLocks noChangeAspect="1"/>
-          </p:cNvPicPr>
+          <p:cNvSpPr txBox="1"/>
           <p:nvPr/>
-        </p:nvPicPr>
-        <p:blipFill>
-          <a:blip r:embed="rId4"/>
-          <a:stretch>
-            <a:fillRect/>
-          </a:stretch>
-        </p:blipFill>
+        </p:nvSpPr>
         <p:spPr>
           <a:xfrm>
-            <a:off x="2704416" y="1488915"/>
-            <a:ext cx="6121177" cy="1497735"/>
+            <a:off x="8190806" y="32258"/>
+            <a:ext cx="513600" cy="654600"/>
           </a:xfrm>
           <a:prstGeom prst="rect">
             <a:avLst/>
           </a:prstGeom>
+          <a:noFill/>
+          <a:ln>
+            <a:noFill/>
+          </a:ln>
         </p:spPr>
-      </p:pic>
+        <p:txBody>
+          <a:bodyPr spcFirstLastPara="1" wrap="square" lIns="91425" tIns="91425" rIns="91425" bIns="91425" anchor="b" anchorCtr="0">
+            <a:noAutofit/>
+          </a:bodyPr>
+          <a:lstStyle/>
+          <a:p>
+            <a:pPr marL="0" lvl="0" indent="0" algn="l" rtl="0">
+              <a:spcBef>
+                <a:spcPts val="0"/>
+              </a:spcBef>
+              <a:spcAft>
+                <a:spcPts val="0"/>
+              </a:spcAft>
+              <a:buNone/>
+            </a:pPr>
+            <a:r>
+              <a:rPr lang="en" sz="2600" b="1" dirty="0">
+                <a:solidFill>
+                  <a:schemeClr val="accent5"/>
+                </a:solidFill>
+                <a:latin typeface="Roboto Condensed"/>
+                <a:ea typeface="Roboto Condensed"/>
+                <a:cs typeface="Roboto Condensed"/>
+                <a:sym typeface="Roboto Condensed"/>
+              </a:rPr>
+              <a:t>2</a:t>
+            </a:r>
+            <a:endParaRPr sz="2600" b="1" dirty="0">
+              <a:solidFill>
+                <a:schemeClr val="accent5"/>
+              </a:solidFill>
+              <a:latin typeface="Roboto Condensed"/>
+              <a:ea typeface="Roboto Condensed"/>
+              <a:cs typeface="Roboto Condensed"/>
+              <a:sym typeface="Roboto Condensed"/>
+            </a:endParaRPr>
+          </a:p>
+        </p:txBody>
+      </p:sp>
+      <p:grpSp>
+        <p:nvGrpSpPr>
+          <p:cNvPr id="5" name="Group 4">
+            <a:extLst>
+              <a:ext uri="{FF2B5EF4-FFF2-40B4-BE49-F238E27FC236}">
+                <a16:creationId xmlns:a16="http://schemas.microsoft.com/office/drawing/2014/main" id="{DAB82633-0508-B551-041A-80094163E4A4}"/>
+              </a:ext>
+            </a:extLst>
+          </p:cNvPr>
+          <p:cNvGrpSpPr/>
+          <p:nvPr/>
+        </p:nvGrpSpPr>
+        <p:grpSpPr>
+          <a:xfrm>
+            <a:off x="2704417" y="1430846"/>
+            <a:ext cx="5742138" cy="1555804"/>
+            <a:chOff x="2704417" y="1430846"/>
+            <a:chExt cx="5742138" cy="1555804"/>
+          </a:xfrm>
+        </p:grpSpPr>
+        <p:pic>
+          <p:nvPicPr>
+            <p:cNvPr id="30" name="Picture 29">
+              <a:extLst>
+                <a:ext uri="{FF2B5EF4-FFF2-40B4-BE49-F238E27FC236}">
+                  <a16:creationId xmlns:a16="http://schemas.microsoft.com/office/drawing/2014/main" id="{A875F282-CF1C-B717-A959-1D4A8E455078}"/>
+                </a:ext>
+              </a:extLst>
+            </p:cNvPr>
+            <p:cNvPicPr>
+              <a:picLocks noChangeAspect="1"/>
+            </p:cNvPicPr>
+            <p:nvPr/>
+          </p:nvPicPr>
+          <p:blipFill rotWithShape="1">
+            <a:blip r:embed="rId4"/>
+            <a:srcRect r="34499"/>
+            <a:stretch/>
+          </p:blipFill>
+          <p:spPr>
+            <a:xfrm>
+              <a:off x="2704417" y="1488915"/>
+              <a:ext cx="4009422" cy="1497735"/>
+            </a:xfrm>
+            <a:prstGeom prst="rect">
+              <a:avLst/>
+            </a:prstGeom>
+          </p:spPr>
+        </p:pic>
+        <p:sp>
+          <p:nvSpPr>
+            <p:cNvPr id="4" name="TextBox 3">
+              <a:extLst>
+                <a:ext uri="{FF2B5EF4-FFF2-40B4-BE49-F238E27FC236}">
+                  <a16:creationId xmlns:a16="http://schemas.microsoft.com/office/drawing/2014/main" id="{737F6956-D87D-930B-8287-C7F64C48A459}"/>
+                </a:ext>
+              </a:extLst>
+            </p:cNvPr>
+            <p:cNvSpPr txBox="1"/>
+            <p:nvPr/>
+          </p:nvSpPr>
+          <p:spPr>
+            <a:xfrm>
+              <a:off x="6896717" y="1430846"/>
+              <a:ext cx="1549838" cy="415498"/>
+            </a:xfrm>
+            <a:prstGeom prst="rect">
+              <a:avLst/>
+            </a:prstGeom>
+            <a:noFill/>
+          </p:spPr>
+          <p:txBody>
+            <a:bodyPr wrap="square" rtlCol="0">
+              <a:spAutoFit/>
+            </a:bodyPr>
+            <a:lstStyle/>
+            <a:p>
+              <a:r>
+                <a:rPr lang="en-US" sz="1050" dirty="0"/>
+                <a:t>** Note: Unable to do this on the TI-30 XIIS</a:t>
+              </a:r>
+            </a:p>
+          </p:txBody>
+        </p:sp>
+      </p:grpSp>
     </p:spTree>
     <p:extLst>
       <p:ext uri="{BB962C8B-B14F-4D97-AF65-F5344CB8AC3E}">
@@ -19166,8 +19285,8 @@
           </a:ln>
         </p:spPr>
       </p:pic>
-      <mc:AlternateContent xmlns:mc="http://schemas.openxmlformats.org/markup-compatibility/2006">
-        <mc:Choice xmlns:a14="http://schemas.microsoft.com/office/drawing/2010/main" Requires="a14">
+      <mc:AlternateContent xmlns:mc="http://schemas.openxmlformats.org/markup-compatibility/2006" xmlns:a14="http://schemas.microsoft.com/office/drawing/2010/main">
+        <mc:Choice Requires="a14">
           <p:sp>
             <p:nvSpPr>
               <p:cNvPr id="5" name="Alternate Process 4">
@@ -19256,7 +19375,7 @@
             </p:txBody>
           </p:sp>
         </mc:Choice>
-        <mc:Fallback>
+        <mc:Fallback xmlns="">
           <p:sp>
             <p:nvSpPr>
               <p:cNvPr id="5" name="Alternate Process 4">
@@ -27693,8 +27812,8 @@
           </p:txBody>
         </p:sp>
       </p:grpSp>
-      <mc:AlternateContent xmlns:mc="http://schemas.openxmlformats.org/markup-compatibility/2006">
-        <mc:Choice xmlns:a14="http://schemas.microsoft.com/office/drawing/2010/main" Requires="a14">
+      <mc:AlternateContent xmlns:mc="http://schemas.openxmlformats.org/markup-compatibility/2006" xmlns:a14="http://schemas.microsoft.com/office/drawing/2010/main">
+        <mc:Choice Requires="a14">
           <p:sp>
             <p:nvSpPr>
               <p:cNvPr id="9" name="TextBox 8">
@@ -27824,7 +27943,7 @@
             </p:txBody>
           </p:sp>
         </mc:Choice>
-        <mc:Fallback>
+        <mc:Fallback xmlns="">
           <p:sp>
             <p:nvSpPr>
               <p:cNvPr id="9" name="TextBox 8">
@@ -31814,7 +31933,7 @@
               <p:nvPr>
                 <p:extLst>
                   <p:ext uri="{D42A27DB-BD31-4B8C-83A1-F6EECF244321}">
-                    <p14:modId xmlns:p14="http://schemas.microsoft.com/office/powerpoint/2010/main" val="833401926"/>
+                    <p14:modId xmlns:p14="http://schemas.microsoft.com/office/powerpoint/2010/main" val="2244691723"/>
                   </p:ext>
                 </p:extLst>
               </p:nvPr>
@@ -31999,7 +32118,7 @@
                                     <a:latin typeface="Cambria Math" panose="02040503050406030204" pitchFamily="18" charset="0"/>
                                     <a:ea typeface="Cambria Math" panose="02040503050406030204" pitchFamily="18" charset="0"/>
                                   </a:rPr>
-                                  <m:t>≈$18.26</m:t>
+                                  <m:t>≈$18.24</m:t>
                                 </m:r>
                               </m:oMath>
                             </m:oMathPara>
@@ -32083,7 +32202,7 @@
                                     <a:latin typeface="Cambria Math" panose="02040503050406030204" pitchFamily="18" charset="0"/>
                                     <a:ea typeface="Cambria Math" panose="02040503050406030204" pitchFamily="18" charset="0"/>
                                   </a:rPr>
-                                  <m:t>=$273.90</m:t>
+                                  <m:t>=$273.60</m:t>
                                 </m:r>
                               </m:oMath>
                             </m:oMathPara>
@@ -32614,7 +32733,7 @@
               <p:nvPr>
                 <p:extLst>
                   <p:ext uri="{D42A27DB-BD31-4B8C-83A1-F6EECF244321}">
-                    <p14:modId xmlns:p14="http://schemas.microsoft.com/office/powerpoint/2010/main" val="833401926"/>
+                    <p14:modId xmlns:p14="http://schemas.microsoft.com/office/powerpoint/2010/main" val="2244691723"/>
                   </p:ext>
                 </p:extLst>
               </p:nvPr>
@@ -33129,7 +33248,7 @@
         </p:nvSpPr>
         <p:spPr>
           <a:xfrm>
-            <a:off x="4099360" y="3703818"/>
+            <a:off x="4099360" y="3746077"/>
             <a:ext cx="1424573" cy="431552"/>
           </a:xfrm>
           <a:prstGeom prst="rect">
@@ -33181,7 +33300,7 @@
         </p:nvSpPr>
         <p:spPr>
           <a:xfrm>
-            <a:off x="4143512" y="4245476"/>
+            <a:off x="4143512" y="4247332"/>
             <a:ext cx="1380421" cy="405399"/>
           </a:xfrm>
           <a:prstGeom prst="rect">
@@ -33233,7 +33352,7 @@
         </p:nvSpPr>
         <p:spPr>
           <a:xfrm>
-            <a:off x="5733711" y="3941397"/>
+            <a:off x="5733711" y="3941399"/>
             <a:ext cx="1055954" cy="716905"/>
           </a:xfrm>
           <a:prstGeom prst="rect">
@@ -33285,7 +33404,7 @@
         </p:nvSpPr>
         <p:spPr>
           <a:xfrm>
-            <a:off x="6947824" y="3937683"/>
+            <a:off x="6964934" y="3905551"/>
             <a:ext cx="1055954" cy="716905"/>
           </a:xfrm>
           <a:prstGeom prst="rect">
